--- a/hcpl/tfpie24.pptx
+++ b/hcpl/tfpie24.pptx
@@ -288,7 +288,7 @@
           <a:p>
             <a:fld id="{6816B6F3-D676-47EC-87B6-388C82CBC7F7}" type="datetimeFigureOut">
               <a:rPr lang="en-US" smtClean="0"/>
-              <a:t>1/2/2024</a:t>
+              <a:t>1/3/2024</a:t>
             </a:fld>
             <a:endParaRPr lang="en-US"/>
           </a:p>
@@ -499,7 +499,7 @@
           <a:p>
             <a:fld id="{6816B6F3-D676-47EC-87B6-388C82CBC7F7}" type="datetimeFigureOut">
               <a:rPr lang="en-US" smtClean="0"/>
-              <a:t>1/2/2024</a:t>
+              <a:t>1/3/2024</a:t>
             </a:fld>
             <a:endParaRPr lang="en-US"/>
           </a:p>
@@ -714,7 +714,7 @@
           <a:p>
             <a:fld id="{6816B6F3-D676-47EC-87B6-388C82CBC7F7}" type="datetimeFigureOut">
               <a:rPr lang="en-US" smtClean="0"/>
-              <a:t>1/2/2024</a:t>
+              <a:t>1/3/2024</a:t>
             </a:fld>
             <a:endParaRPr lang="en-US"/>
           </a:p>
@@ -915,7 +915,7 @@
           <a:p>
             <a:fld id="{6816B6F3-D676-47EC-87B6-388C82CBC7F7}" type="datetimeFigureOut">
               <a:rPr lang="en-US" smtClean="0"/>
-              <a:t>1/2/2024</a:t>
+              <a:t>1/3/2024</a:t>
             </a:fld>
             <a:endParaRPr lang="en-US"/>
           </a:p>
@@ -1194,7 +1194,7 @@
           <a:p>
             <a:fld id="{6816B6F3-D676-47EC-87B6-388C82CBC7F7}" type="datetimeFigureOut">
               <a:rPr lang="en-US" smtClean="0"/>
-              <a:t>1/2/2024</a:t>
+              <a:t>1/3/2024</a:t>
             </a:fld>
             <a:endParaRPr lang="en-US"/>
           </a:p>
@@ -1462,7 +1462,7 @@
           <a:p>
             <a:fld id="{6816B6F3-D676-47EC-87B6-388C82CBC7F7}" type="datetimeFigureOut">
               <a:rPr lang="en-US" smtClean="0"/>
-              <a:t>1/2/2024</a:t>
+              <a:t>1/3/2024</a:t>
             </a:fld>
             <a:endParaRPr lang="en-US"/>
           </a:p>
@@ -1878,7 +1878,7 @@
           <a:p>
             <a:fld id="{6816B6F3-D676-47EC-87B6-388C82CBC7F7}" type="datetimeFigureOut">
               <a:rPr lang="en-US" smtClean="0"/>
-              <a:t>1/2/2024</a:t>
+              <a:t>1/3/2024</a:t>
             </a:fld>
             <a:endParaRPr lang="en-US"/>
           </a:p>
@@ -2027,7 +2027,7 @@
           <a:p>
             <a:fld id="{6816B6F3-D676-47EC-87B6-388C82CBC7F7}" type="datetimeFigureOut">
               <a:rPr lang="en-US" smtClean="0"/>
-              <a:t>1/2/2024</a:t>
+              <a:t>1/3/2024</a:t>
             </a:fld>
             <a:endParaRPr lang="en-US"/>
           </a:p>
@@ -2153,7 +2153,7 @@
           <a:p>
             <a:fld id="{6816B6F3-D676-47EC-87B6-388C82CBC7F7}" type="datetimeFigureOut">
               <a:rPr lang="en-US" smtClean="0"/>
-              <a:t>1/2/2024</a:t>
+              <a:t>1/3/2024</a:t>
             </a:fld>
             <a:endParaRPr lang="en-US"/>
           </a:p>
@@ -2404,7 +2404,7 @@
           <a:p>
             <a:fld id="{6816B6F3-D676-47EC-87B6-388C82CBC7F7}" type="datetimeFigureOut">
               <a:rPr lang="en-US" smtClean="0"/>
-              <a:t>1/2/2024</a:t>
+              <a:t>1/3/2024</a:t>
             </a:fld>
             <a:endParaRPr lang="en-US"/>
           </a:p>
@@ -2849,7 +2849,7 @@
           <a:p>
             <a:fld id="{6816B6F3-D676-47EC-87B6-388C82CBC7F7}" type="datetimeFigureOut">
               <a:rPr lang="en-US" smtClean="0"/>
-              <a:t>1/2/2024</a:t>
+              <a:t>1/3/2024</a:t>
             </a:fld>
             <a:endParaRPr lang="en-US"/>
           </a:p>
@@ -3176,7 +3176,7 @@
           <a:p>
             <a:fld id="{6816B6F3-D676-47EC-87B6-388C82CBC7F7}" type="datetimeFigureOut">
               <a:rPr lang="en-US" smtClean="0"/>
-              <a:t>1/2/2024</a:t>
+              <a:t>1/3/2024</a:t>
             </a:fld>
             <a:endParaRPr lang="en-US"/>
           </a:p>
@@ -4731,9 +4731,16 @@
             <p:ph idx="1"/>
           </p:nvPr>
         </p:nvSpPr>
-        <p:spPr/>
-        <p:txBody>
-          <a:bodyPr/>
+        <p:spPr>
+          <a:xfrm>
+            <a:off x="1451579" y="2015732"/>
+            <a:ext cx="10039381" cy="4037749"/>
+          </a:xfrm>
+        </p:spPr>
+        <p:txBody>
+          <a:bodyPr>
+            <a:normAutofit/>
+          </a:bodyPr>
           <a:lstStyle/>
           <a:p>
             <a:r>
@@ -4742,10 +4749,12 @@
             </a:r>
           </a:p>
           <a:p>
-            <a:r>
-              <a:rPr lang="en-US" b="1" dirty="0"/>
-              <a:t>Python example goes here</a:t>
-            </a:r>
+            <a:endParaRPr lang="en-US" dirty="0"/>
+          </a:p>
+          <a:p>
+            <a:endParaRPr lang="en-US" dirty="0"/>
+          </a:p>
+          <a:p>
             <a:endParaRPr lang="en-US" dirty="0"/>
           </a:p>
           <a:p>
@@ -4770,6 +4779,36 @@
           </a:p>
         </p:txBody>
       </p:sp>
+      <p:pic>
+        <p:nvPicPr>
+          <p:cNvPr id="5" name="Picture 4">
+            <a:extLst>
+              <a:ext uri="{FF2B5EF4-FFF2-40B4-BE49-F238E27FC236}">
+                <a16:creationId xmlns:a16="http://schemas.microsoft.com/office/drawing/2014/main" id="{403BEEF4-C333-CDA4-FE7E-804674A6F7FE}"/>
+              </a:ext>
+            </a:extLst>
+          </p:cNvPr>
+          <p:cNvPicPr>
+            <a:picLocks noChangeAspect="1"/>
+          </p:cNvPicPr>
+          <p:nvPr/>
+        </p:nvPicPr>
+        <p:blipFill>
+          <a:blip r:embed="rId2"/>
+          <a:stretch>
+            <a:fillRect/>
+          </a:stretch>
+        </p:blipFill>
+        <p:spPr>
+          <a:xfrm>
+            <a:off x="4144577" y="3211796"/>
+            <a:ext cx="3678623" cy="1834857"/>
+          </a:xfrm>
+          <a:prstGeom prst="rect">
+            <a:avLst/>
+          </a:prstGeom>
+        </p:spPr>
+      </p:pic>
     </p:spTree>
     <p:extLst>
       <p:ext uri="{BB962C8B-B14F-4D97-AF65-F5344CB8AC3E}">
@@ -5813,42 +5852,65 @@
           </a:p>
         </p:txBody>
       </p:sp>
-      <p:sp>
-        <p:nvSpPr>
-          <p:cNvPr id="3" name="Content Placeholder 2">
+      <p:pic>
+        <p:nvPicPr>
+          <p:cNvPr id="9" name="Content Placeholder 8">
             <a:extLst>
               <a:ext uri="{FF2B5EF4-FFF2-40B4-BE49-F238E27FC236}">
-                <a16:creationId xmlns:a16="http://schemas.microsoft.com/office/drawing/2014/main" id="{EBD3FB0A-AC38-65B7-B6D8-645D6E03A73E}"/>
+                <a16:creationId xmlns:a16="http://schemas.microsoft.com/office/drawing/2014/main" id="{51313CDE-C7D7-DA22-6833-FCD26E1CADD0}"/>
               </a:ext>
             </a:extLst>
           </p:cNvPr>
-          <p:cNvSpPr>
-            <a:spLocks noGrp="1"/>
-          </p:cNvSpPr>
+          <p:cNvPicPr>
+            <a:picLocks noGrp="1" noChangeAspect="1"/>
+          </p:cNvPicPr>
           <p:nvPr>
             <p:ph idx="1"/>
           </p:nvPr>
-        </p:nvSpPr>
-        <p:spPr/>
-        <p:txBody>
-          <a:bodyPr/>
-          <a:lstStyle/>
-          <a:p>
-            <a:pPr marL="0" indent="0">
-              <a:buNone/>
-            </a:pPr>
-            <a:r>
-              <a:rPr lang="en-US" b="1" dirty="0"/>
-              <a:t>TODO</a:t>
-            </a:r>
-            <a:r>
-              <a:rPr lang="en-US" dirty="0"/>
-              <a:t> copy-paste</a:t>
-            </a:r>
-            <a:endParaRPr lang="en-US" b="1" dirty="0"/>
-          </a:p>
-        </p:txBody>
-      </p:sp>
+        </p:nvPicPr>
+        <p:blipFill>
+          <a:blip r:embed="rId2"/>
+          <a:stretch>
+            <a:fillRect/>
+          </a:stretch>
+        </p:blipFill>
+        <p:spPr>
+          <a:xfrm>
+            <a:off x="1451579" y="3759200"/>
+            <a:ext cx="8468590" cy="2156018"/>
+          </a:xfrm>
+        </p:spPr>
+      </p:pic>
+      <p:pic>
+        <p:nvPicPr>
+          <p:cNvPr id="7" name="Picture 6">
+            <a:extLst>
+              <a:ext uri="{FF2B5EF4-FFF2-40B4-BE49-F238E27FC236}">
+                <a16:creationId xmlns:a16="http://schemas.microsoft.com/office/drawing/2014/main" id="{44BC09E5-E349-6AC7-D87D-1695915AF724}"/>
+              </a:ext>
+            </a:extLst>
+          </p:cNvPr>
+          <p:cNvPicPr>
+            <a:picLocks noChangeAspect="1"/>
+          </p:cNvPicPr>
+          <p:nvPr/>
+        </p:nvPicPr>
+        <p:blipFill>
+          <a:blip r:embed="rId3"/>
+          <a:stretch>
+            <a:fillRect/>
+          </a:stretch>
+        </p:blipFill>
+        <p:spPr>
+          <a:xfrm>
+            <a:off x="1451579" y="2015732"/>
+            <a:ext cx="4033106" cy="950988"/>
+          </a:xfrm>
+          <a:prstGeom prst="rect">
+            <a:avLst/>
+          </a:prstGeom>
+        </p:spPr>
+      </p:pic>
     </p:spTree>
     <p:extLst>
       <p:ext uri="{BB962C8B-B14F-4D97-AF65-F5344CB8AC3E}">
@@ -10028,9 +10090,16 @@
             <p:ph idx="1"/>
           </p:nvPr>
         </p:nvSpPr>
-        <p:spPr/>
-        <p:txBody>
-          <a:bodyPr/>
+        <p:spPr>
+          <a:xfrm>
+            <a:off x="1451579" y="2015732"/>
+            <a:ext cx="10332198" cy="4037749"/>
+          </a:xfrm>
+        </p:spPr>
+        <p:txBody>
+          <a:bodyPr>
+            <a:normAutofit/>
+          </a:bodyPr>
           <a:lstStyle/>
           <a:p>
             <a:pPr marL="0" indent="0">
@@ -10045,9 +10114,18 @@
             <a:pPr marL="0" indent="0">
               <a:buNone/>
             </a:pPr>
-            <a:r>
-              <a:rPr lang="en-US" b="1" dirty="0"/>
-              <a:t>TODO Figure: chart of depths</a:t>
+            <a:br>
+              <a:rPr lang="en-US" dirty="0"/>
+            </a:br>
+            <a:br>
+              <a:rPr lang="en-US" dirty="0"/>
+            </a:br>
+            <a:br>
+              <a:rPr lang="en-US" dirty="0"/>
+            </a:br>
+            <a:r>
+              <a:rPr lang="en-US" dirty="0"/>
+              <a:t>The paper has more case studies, the book has even more than that</a:t>
             </a:r>
           </a:p>
           <a:p>
@@ -10056,7 +10134,15 @@
             </a:pPr>
             <a:r>
               <a:rPr lang="en-US" dirty="0"/>
-              <a:t>The paper has more case studies, the book has even more than that</a:t>
+              <a:t>For each case study I will present its </a:t>
+            </a:r>
+            <a:r>
+              <a:rPr lang="en-US" b="1" dirty="0"/>
+              <a:t>depth:</a:t>
+            </a:r>
+            <a:r>
+              <a:rPr lang="en-US" dirty="0"/>
+              <a:t> what foundational idea it teaches, how that idea fits into the course, and what beyond the case study is done in the lesson</a:t>
             </a:r>
           </a:p>
           <a:p>
@@ -10065,28 +10151,92 @@
             </a:pPr>
             <a:r>
               <a:rPr lang="en-US" dirty="0"/>
-              <a:t>For each case study I will present its </a:t>
-            </a:r>
-            <a:r>
-              <a:rPr lang="en-US" b="1" dirty="0"/>
-              <a:t>depth:</a:t>
-            </a:r>
-            <a:r>
-              <a:rPr lang="en-US" dirty="0"/>
-              <a:t> what foundational idea it teaches, how that idea fits into the course, and what beyond the case study is done in the lesson</a:t>
-            </a:r>
-          </a:p>
-          <a:p>
-            <a:pPr marL="0" indent="0">
-              <a:buNone/>
-            </a:pPr>
-            <a:r>
-              <a:rPr lang="en-US" dirty="0"/>
               <a:t>Breadth of subject matter makes interdisciplinary teaching hard. We’ll close the presentation with recommendations</a:t>
             </a:r>
           </a:p>
         </p:txBody>
       </p:sp>
+      <p:grpSp>
+        <p:nvGrpSpPr>
+          <p:cNvPr id="8" name="Group 7">
+            <a:extLst>
+              <a:ext uri="{FF2B5EF4-FFF2-40B4-BE49-F238E27FC236}">
+                <a16:creationId xmlns:a16="http://schemas.microsoft.com/office/drawing/2014/main" id="{FDFB09DB-2E62-00FF-D70B-0AA8879E48CE}"/>
+              </a:ext>
+            </a:extLst>
+          </p:cNvPr>
+          <p:cNvGrpSpPr/>
+          <p:nvPr/>
+        </p:nvGrpSpPr>
+        <p:grpSpPr>
+          <a:xfrm>
+            <a:off x="3746696" y="2530072"/>
+            <a:ext cx="5417624" cy="1088582"/>
+            <a:chOff x="3746696" y="2530072"/>
+            <a:chExt cx="4013721" cy="806491"/>
+          </a:xfrm>
+        </p:grpSpPr>
+        <p:pic>
+          <p:nvPicPr>
+            <p:cNvPr id="5" name="Picture 4">
+              <a:extLst>
+                <a:ext uri="{FF2B5EF4-FFF2-40B4-BE49-F238E27FC236}">
+                  <a16:creationId xmlns:a16="http://schemas.microsoft.com/office/drawing/2014/main" id="{0D64D411-E8EC-E136-77E8-43D8392989D1}"/>
+                </a:ext>
+              </a:extLst>
+            </p:cNvPr>
+            <p:cNvPicPr>
+              <a:picLocks noChangeAspect="1"/>
+            </p:cNvPicPr>
+            <p:nvPr/>
+          </p:nvPicPr>
+          <p:blipFill>
+            <a:blip r:embed="rId2"/>
+            <a:stretch>
+              <a:fillRect/>
+            </a:stretch>
+          </p:blipFill>
+          <p:spPr>
+            <a:xfrm>
+              <a:off x="4553502" y="2530072"/>
+              <a:ext cx="3206915" cy="806491"/>
+            </a:xfrm>
+            <a:prstGeom prst="rect">
+              <a:avLst/>
+            </a:prstGeom>
+          </p:spPr>
+        </p:pic>
+        <p:pic>
+          <p:nvPicPr>
+            <p:cNvPr id="7" name="Picture 6">
+              <a:extLst>
+                <a:ext uri="{FF2B5EF4-FFF2-40B4-BE49-F238E27FC236}">
+                  <a16:creationId xmlns:a16="http://schemas.microsoft.com/office/drawing/2014/main" id="{A9E27655-ABD5-5766-1A2A-8AB721E57124}"/>
+                </a:ext>
+              </a:extLst>
+            </p:cNvPr>
+            <p:cNvPicPr>
+              <a:picLocks noChangeAspect="1"/>
+            </p:cNvPicPr>
+            <p:nvPr/>
+          </p:nvPicPr>
+          <p:blipFill>
+            <a:blip r:embed="rId3"/>
+            <a:stretch>
+              <a:fillRect/>
+            </a:stretch>
+          </p:blipFill>
+          <p:spPr>
+            <a:xfrm>
+              <a:off x="3746696" y="2530072"/>
+              <a:ext cx="838243" cy="762039"/>
+            </a:xfrm>
+            <a:prstGeom prst="rect">
+              <a:avLst/>
+            </a:prstGeom>
+          </p:spPr>
+        </p:pic>
+      </p:grpSp>
     </p:spTree>
     <p:extLst>
       <p:ext uri="{BB962C8B-B14F-4D97-AF65-F5344CB8AC3E}">

--- a/hcpl/tfpie24.pptx
+++ b/hcpl/tfpie24.pptx
@@ -43,6 +43,7 @@
     <p:sldId id="301" r:id="rId37"/>
     <p:sldId id="293" r:id="rId38"/>
     <p:sldId id="297" r:id="rId39"/>
+    <p:sldId id="302" r:id="rId40"/>
   </p:sldIdLst>
   <p:sldSz cx="12192000" cy="6858000"/>
   <p:notesSz cx="6858000" cy="9144000"/>
@@ -9852,6 +9853,93 @@
 </p:sld>
 </file>
 
+<file path=ppt/slides/slide39.xml><?xml version="1.0" encoding="utf-8"?>
+<p:sld xmlns:a="http://schemas.openxmlformats.org/drawingml/2006/main" xmlns:r="http://schemas.openxmlformats.org/officeDocument/2006/relationships" xmlns:p="http://schemas.openxmlformats.org/presentationml/2006/main">
+  <p:cSld>
+    <p:spTree>
+      <p:nvGrpSpPr>
+        <p:cNvPr id="1" name=""/>
+        <p:cNvGrpSpPr/>
+        <p:nvPr/>
+      </p:nvGrpSpPr>
+      <p:grpSpPr>
+        <a:xfrm>
+          <a:off x="0" y="0"/>
+          <a:ext cx="0" cy="0"/>
+          <a:chOff x="0" y="0"/>
+          <a:chExt cx="0" cy="0"/>
+        </a:xfrm>
+      </p:grpSpPr>
+      <p:sp>
+        <p:nvSpPr>
+          <p:cNvPr id="2" name="Title 1">
+            <a:extLst>
+              <a:ext uri="{FF2B5EF4-FFF2-40B4-BE49-F238E27FC236}">
+                <a16:creationId xmlns:a16="http://schemas.microsoft.com/office/drawing/2014/main" id="{9DC3E90D-997F-D9DF-7D87-28029B61CC87}"/>
+              </a:ext>
+            </a:extLst>
+          </p:cNvPr>
+          <p:cNvSpPr>
+            <a:spLocks noGrp="1"/>
+          </p:cNvSpPr>
+          <p:nvPr>
+            <p:ph type="title"/>
+          </p:nvPr>
+        </p:nvSpPr>
+        <p:spPr/>
+        <p:txBody>
+          <a:bodyPr/>
+          <a:lstStyle/>
+          <a:p>
+            <a:r>
+              <a:rPr lang="en-US" dirty="0"/>
+              <a:t>Thank </a:t>
+            </a:r>
+            <a:r>
+              <a:rPr lang="en-US"/>
+              <a:t>my collaborators slide</a:t>
+            </a:r>
+          </a:p>
+        </p:txBody>
+      </p:sp>
+      <p:sp>
+        <p:nvSpPr>
+          <p:cNvPr id="3" name="Content Placeholder 2">
+            <a:extLst>
+              <a:ext uri="{FF2B5EF4-FFF2-40B4-BE49-F238E27FC236}">
+                <a16:creationId xmlns:a16="http://schemas.microsoft.com/office/drawing/2014/main" id="{A1BCC51C-2F15-0F64-35C6-E461A29702BD}"/>
+              </a:ext>
+            </a:extLst>
+          </p:cNvPr>
+          <p:cNvSpPr>
+            <a:spLocks noGrp="1"/>
+          </p:cNvSpPr>
+          <p:nvPr>
+            <p:ph idx="1"/>
+          </p:nvPr>
+        </p:nvSpPr>
+        <p:spPr/>
+        <p:txBody>
+          <a:bodyPr/>
+          <a:lstStyle/>
+          <a:p>
+            <a:endParaRPr lang="en-US"/>
+          </a:p>
+        </p:txBody>
+      </p:sp>
+    </p:spTree>
+    <p:extLst>
+      <p:ext uri="{BB962C8B-B14F-4D97-AF65-F5344CB8AC3E}">
+        <p14:creationId xmlns:p14="http://schemas.microsoft.com/office/powerpoint/2010/main" val="834309054"/>
+      </p:ext>
+    </p:extLst>
+  </p:cSld>
+  <p:clrMapOvr>
+    <a:masterClrMapping/>
+  </p:clrMapOvr>
+</p:sld>
+</file>
+
 <file path=ppt/slides/slide4.xml><?xml version="1.0" encoding="utf-8"?>
 <p:sld xmlns:a="http://schemas.openxmlformats.org/drawingml/2006/main" xmlns:r="http://schemas.openxmlformats.org/officeDocument/2006/relationships" xmlns:p="http://schemas.openxmlformats.org/presentationml/2006/main">
   <p:cSld>

--- a/hcpl/tfpie24.pptx
+++ b/hcpl/tfpie24.pptx
@@ -11,39 +11,40 @@
     <p:sldId id="263" r:id="rId5"/>
     <p:sldId id="264" r:id="rId6"/>
     <p:sldId id="258" r:id="rId7"/>
-    <p:sldId id="265" r:id="rId8"/>
-    <p:sldId id="266" r:id="rId9"/>
-    <p:sldId id="267" r:id="rId10"/>
-    <p:sldId id="268" r:id="rId11"/>
-    <p:sldId id="269" r:id="rId12"/>
-    <p:sldId id="270" r:id="rId13"/>
-    <p:sldId id="271" r:id="rId14"/>
-    <p:sldId id="272" r:id="rId15"/>
-    <p:sldId id="273" r:id="rId16"/>
-    <p:sldId id="274" r:id="rId17"/>
-    <p:sldId id="275" r:id="rId18"/>
-    <p:sldId id="259" r:id="rId19"/>
-    <p:sldId id="276" r:id="rId20"/>
-    <p:sldId id="277" r:id="rId21"/>
-    <p:sldId id="278" r:id="rId22"/>
-    <p:sldId id="279" r:id="rId23"/>
-    <p:sldId id="280" r:id="rId24"/>
-    <p:sldId id="281" r:id="rId25"/>
-    <p:sldId id="282" r:id="rId26"/>
-    <p:sldId id="284" r:id="rId27"/>
-    <p:sldId id="285" r:id="rId28"/>
-    <p:sldId id="260" r:id="rId29"/>
-    <p:sldId id="286" r:id="rId30"/>
-    <p:sldId id="287" r:id="rId31"/>
-    <p:sldId id="288" r:id="rId32"/>
-    <p:sldId id="289" r:id="rId33"/>
-    <p:sldId id="298" r:id="rId34"/>
-    <p:sldId id="299" r:id="rId35"/>
-    <p:sldId id="300" r:id="rId36"/>
-    <p:sldId id="301" r:id="rId37"/>
-    <p:sldId id="293" r:id="rId38"/>
-    <p:sldId id="297" r:id="rId39"/>
-    <p:sldId id="302" r:id="rId40"/>
+    <p:sldId id="266" r:id="rId8"/>
+    <p:sldId id="267" r:id="rId9"/>
+    <p:sldId id="268" r:id="rId10"/>
+    <p:sldId id="270" r:id="rId11"/>
+    <p:sldId id="259" r:id="rId12"/>
+    <p:sldId id="276" r:id="rId13"/>
+    <p:sldId id="277" r:id="rId14"/>
+    <p:sldId id="278" r:id="rId15"/>
+    <p:sldId id="279" r:id="rId16"/>
+    <p:sldId id="281" r:id="rId17"/>
+    <p:sldId id="282" r:id="rId18"/>
+    <p:sldId id="260" r:id="rId19"/>
+    <p:sldId id="286" r:id="rId20"/>
+    <p:sldId id="287" r:id="rId21"/>
+    <p:sldId id="289" r:id="rId22"/>
+    <p:sldId id="299" r:id="rId23"/>
+    <p:sldId id="300" r:id="rId24"/>
+    <p:sldId id="301" r:id="rId25"/>
+    <p:sldId id="293" r:id="rId26"/>
+    <p:sldId id="304" r:id="rId27"/>
+    <p:sldId id="274" r:id="rId28"/>
+    <p:sldId id="269" r:id="rId29"/>
+    <p:sldId id="265" r:id="rId30"/>
+    <p:sldId id="271" r:id="rId31"/>
+    <p:sldId id="272" r:id="rId32"/>
+    <p:sldId id="273" r:id="rId33"/>
+    <p:sldId id="288" r:id="rId34"/>
+    <p:sldId id="298" r:id="rId35"/>
+    <p:sldId id="275" r:id="rId36"/>
+    <p:sldId id="280" r:id="rId37"/>
+    <p:sldId id="284" r:id="rId38"/>
+    <p:sldId id="285" r:id="rId39"/>
+    <p:sldId id="297" r:id="rId40"/>
+    <p:sldId id="303" r:id="rId41"/>
   </p:sldIdLst>
   <p:sldSz cx="12192000" cy="6858000"/>
   <p:notesSz cx="6858000" cy="9144000"/>
@@ -289,7 +290,7 @@
           <a:p>
             <a:fld id="{6816B6F3-D676-47EC-87B6-388C82CBC7F7}" type="datetimeFigureOut">
               <a:rPr lang="en-US" smtClean="0"/>
-              <a:t>1/3/2024</a:t>
+              <a:t>1/4/2024</a:t>
             </a:fld>
             <a:endParaRPr lang="en-US"/>
           </a:p>
@@ -500,7 +501,7 @@
           <a:p>
             <a:fld id="{6816B6F3-D676-47EC-87B6-388C82CBC7F7}" type="datetimeFigureOut">
               <a:rPr lang="en-US" smtClean="0"/>
-              <a:t>1/3/2024</a:t>
+              <a:t>1/4/2024</a:t>
             </a:fld>
             <a:endParaRPr lang="en-US"/>
           </a:p>
@@ -715,7 +716,7 @@
           <a:p>
             <a:fld id="{6816B6F3-D676-47EC-87B6-388C82CBC7F7}" type="datetimeFigureOut">
               <a:rPr lang="en-US" smtClean="0"/>
-              <a:t>1/3/2024</a:t>
+              <a:t>1/4/2024</a:t>
             </a:fld>
             <a:endParaRPr lang="en-US"/>
           </a:p>
@@ -916,7 +917,7 @@
           <a:p>
             <a:fld id="{6816B6F3-D676-47EC-87B6-388C82CBC7F7}" type="datetimeFigureOut">
               <a:rPr lang="en-US" smtClean="0"/>
-              <a:t>1/3/2024</a:t>
+              <a:t>1/4/2024</a:t>
             </a:fld>
             <a:endParaRPr lang="en-US"/>
           </a:p>
@@ -1195,7 +1196,7 @@
           <a:p>
             <a:fld id="{6816B6F3-D676-47EC-87B6-388C82CBC7F7}" type="datetimeFigureOut">
               <a:rPr lang="en-US" smtClean="0"/>
-              <a:t>1/3/2024</a:t>
+              <a:t>1/4/2024</a:t>
             </a:fld>
             <a:endParaRPr lang="en-US"/>
           </a:p>
@@ -1463,7 +1464,7 @@
           <a:p>
             <a:fld id="{6816B6F3-D676-47EC-87B6-388C82CBC7F7}" type="datetimeFigureOut">
               <a:rPr lang="en-US" smtClean="0"/>
-              <a:t>1/3/2024</a:t>
+              <a:t>1/4/2024</a:t>
             </a:fld>
             <a:endParaRPr lang="en-US"/>
           </a:p>
@@ -1879,7 +1880,7 @@
           <a:p>
             <a:fld id="{6816B6F3-D676-47EC-87B6-388C82CBC7F7}" type="datetimeFigureOut">
               <a:rPr lang="en-US" smtClean="0"/>
-              <a:t>1/3/2024</a:t>
+              <a:t>1/4/2024</a:t>
             </a:fld>
             <a:endParaRPr lang="en-US"/>
           </a:p>
@@ -2028,7 +2029,7 @@
           <a:p>
             <a:fld id="{6816B6F3-D676-47EC-87B6-388C82CBC7F7}" type="datetimeFigureOut">
               <a:rPr lang="en-US" smtClean="0"/>
-              <a:t>1/3/2024</a:t>
+              <a:t>1/4/2024</a:t>
             </a:fld>
             <a:endParaRPr lang="en-US"/>
           </a:p>
@@ -2154,7 +2155,7 @@
           <a:p>
             <a:fld id="{6816B6F3-D676-47EC-87B6-388C82CBC7F7}" type="datetimeFigureOut">
               <a:rPr lang="en-US" smtClean="0"/>
-              <a:t>1/3/2024</a:t>
+              <a:t>1/4/2024</a:t>
             </a:fld>
             <a:endParaRPr lang="en-US"/>
           </a:p>
@@ -2405,7 +2406,7 @@
           <a:p>
             <a:fld id="{6816B6F3-D676-47EC-87B6-388C82CBC7F7}" type="datetimeFigureOut">
               <a:rPr lang="en-US" smtClean="0"/>
-              <a:t>1/3/2024</a:t>
+              <a:t>1/4/2024</a:t>
             </a:fld>
             <a:endParaRPr lang="en-US"/>
           </a:p>
@@ -2850,7 +2851,7 @@
           <a:p>
             <a:fld id="{6816B6F3-D676-47EC-87B6-388C82CBC7F7}" type="datetimeFigureOut">
               <a:rPr lang="en-US" smtClean="0"/>
-              <a:t>1/3/2024</a:t>
+              <a:t>1/4/2024</a:t>
             </a:fld>
             <a:endParaRPr lang="en-US"/>
           </a:p>
@@ -3177,7 +3178,7 @@
           <a:p>
             <a:fld id="{6816B6F3-D676-47EC-87B6-388C82CBC7F7}" type="datetimeFigureOut">
               <a:rPr lang="en-US" smtClean="0"/>
-              <a:t>1/3/2024</a:t>
+              <a:t>1/4/2024</a:t>
             </a:fld>
             <a:endParaRPr lang="en-US"/>
           </a:p>
@@ -3808,7 +3809,7 @@
           <p:cNvPr id="2" name="Title 1">
             <a:extLst>
               <a:ext uri="{FF2B5EF4-FFF2-40B4-BE49-F238E27FC236}">
-                <a16:creationId xmlns:a16="http://schemas.microsoft.com/office/drawing/2014/main" id="{3D6A962B-E7C1-3877-787D-4D1987BBB485}"/>
+                <a16:creationId xmlns:a16="http://schemas.microsoft.com/office/drawing/2014/main" id="{BA1D82C1-3FC1-01EA-7FBC-38F6B874E9D6}"/>
               </a:ext>
             </a:extLst>
           </p:cNvPr>
@@ -3826,7 +3827,7 @@
           <a:p>
             <a:r>
               <a:rPr lang="en-US" dirty="0"/>
-              <a:t>Depth 2: Disability Continuum</a:t>
+              <a:t>Influence on language design</a:t>
             </a:r>
           </a:p>
         </p:txBody>
@@ -3836,7 +3837,7 @@
           <p:cNvPr id="3" name="Content Placeholder 2">
             <a:extLst>
               <a:ext uri="{FF2B5EF4-FFF2-40B4-BE49-F238E27FC236}">
-                <a16:creationId xmlns:a16="http://schemas.microsoft.com/office/drawing/2014/main" id="{39492B49-F06B-616A-DD9F-C6CE96DA704E}"/>
+                <a16:creationId xmlns:a16="http://schemas.microsoft.com/office/drawing/2014/main" id="{C96A8C70-C7C7-0847-3D4D-80572B69E105}"/>
               </a:ext>
             </a:extLst>
           </p:cNvPr>
@@ -3856,68 +3857,62 @@
           <a:p>
             <a:r>
               <a:rPr lang="en-US" dirty="0"/>
-              <a:t>In this case study, we do not draw directly on any methodology from the humanities, rather we draw on a key concept from (critical) disability studies, for goal-setting</a:t>
-            </a:r>
-          </a:p>
-          <a:p>
-            <a:r>
-              <a:rPr lang="en-US" dirty="0"/>
-              <a:t>The </a:t>
-            </a:r>
+              <a:t>The syntax choice is informed by the co-existence of multiple programmer subpopulations with various levels of vision</a:t>
+            </a:r>
+          </a:p>
+          <a:p>
             <a:r>
               <a:rPr lang="en-US" b="1" dirty="0"/>
-              <a:t>disability continuum</a:t>
-            </a:r>
-            <a:r>
-              <a:rPr lang="en-US" dirty="0"/>
-              <a:t> is a key concept in the nature of disability itself</a:t>
-            </a:r>
-          </a:p>
-          <a:p>
-            <a:pPr lvl="1"/>
-            <a:r>
-              <a:rPr lang="en-US" dirty="0"/>
-              <a:t>Continuum means that disability status is not a binary “abled” vs. “disabled”</a:t>
-            </a:r>
-          </a:p>
-          <a:p>
-            <a:pPr lvl="1"/>
-            <a:r>
-              <a:rPr lang="en-US" dirty="0"/>
-              <a:t>Continuum means that disability is multi-dimensional (e.g., developmental, visual, motor, …)</a:t>
-            </a:r>
-          </a:p>
-          <a:p>
-            <a:pPr lvl="1"/>
-            <a:r>
-              <a:rPr lang="en-US" dirty="0"/>
-              <a:t>Continuum means that disability is </a:t>
-            </a:r>
+              <a:t>Design goal:</a:t>
+            </a:r>
+            <a:r>
+              <a:rPr lang="en-US" dirty="0"/>
+              <a:t> A single syntax which supports multiple interaction modes, one of which is convenient for each sub-population</a:t>
+            </a:r>
+          </a:p>
+          <a:p>
             <a:r>
               <a:rPr lang="en-US" b="1" dirty="0"/>
-              <a:t>dynamic</a:t>
-            </a:r>
-            <a:r>
-              <a:rPr lang="en-US" dirty="0"/>
-              <a:t>: not only can a person’s status change throughout the years, but presentation can change throughout the day and between environments</a:t>
-            </a:r>
-          </a:p>
-          <a:p>
-            <a:r>
-              <a:rPr lang="en-US" dirty="0"/>
-              <a:t>Because this concept has </a:t>
+              <a:t>High-vision children:</a:t>
+            </a:r>
+            <a:r>
+              <a:rPr lang="en-US" dirty="0"/>
+              <a:t> Color-coding on beads promotes visual interaction</a:t>
+            </a:r>
+          </a:p>
+          <a:p>
+            <a:r>
+              <a:rPr lang="en-US" b="1" dirty="0" err="1"/>
+              <a:t>Low+no-vision</a:t>
             </a:r>
             <a:r>
               <a:rPr lang="en-US" b="1" dirty="0"/>
-              <a:t>direct design implications</a:t>
-            </a:r>
-            <a:r>
-              <a:rPr lang="en-US" dirty="0"/>
-              <a:t>, it is an effective tool for getting CS-minded students to engage with disability studies. </a:t>
-            </a:r>
-          </a:p>
-          <a:p>
-            <a:pPr lvl="1"/>
+              <a:t> children: </a:t>
+            </a:r>
+            <a:r>
+              <a:rPr lang="en-US" dirty="0"/>
+              <a:t>Distinctive shapes promote tactile interaction</a:t>
+            </a:r>
+          </a:p>
+          <a:p>
+            <a:r>
+              <a:rPr lang="en-US" dirty="0"/>
+              <a:t>The notion of disability as a spectrum is </a:t>
+            </a:r>
+            <a:r>
+              <a:rPr lang="en-US" b="1" u="sng" dirty="0"/>
+              <a:t>fundamental</a:t>
+            </a:r>
+            <a:r>
+              <a:rPr lang="en-US" i="1" dirty="0"/>
+              <a:t> </a:t>
+            </a:r>
+            <a:r>
+              <a:rPr lang="en-US" dirty="0"/>
+              <a:t>to motivating this hybrid style of interaction with language syntax (tactile + visual)</a:t>
+            </a:r>
+          </a:p>
+          <a:p>
             <a:endParaRPr lang="en-US" dirty="0"/>
           </a:p>
         </p:txBody>
@@ -3925,7 +3920,7 @@
     </p:spTree>
     <p:extLst>
       <p:ext uri="{BB962C8B-B14F-4D97-AF65-F5344CB8AC3E}">
-        <p14:creationId xmlns:p14="http://schemas.microsoft.com/office/powerpoint/2010/main" val="570043637"/>
+        <p14:creationId xmlns:p14="http://schemas.microsoft.com/office/powerpoint/2010/main" val="2767413686"/>
       </p:ext>
     </p:extLst>
   </p:cSld>
@@ -3957,7 +3952,7 @@
           <p:cNvPr id="2" name="Title 1">
             <a:extLst>
               <a:ext uri="{FF2B5EF4-FFF2-40B4-BE49-F238E27FC236}">
-                <a16:creationId xmlns:a16="http://schemas.microsoft.com/office/drawing/2014/main" id="{B58C6C16-6B54-3C7C-8213-E073D76C5AD1}"/>
+                <a16:creationId xmlns:a16="http://schemas.microsoft.com/office/drawing/2014/main" id="{05A5B866-84A3-1CA8-9DBC-A7B738C9A63C}"/>
               </a:ext>
             </a:extLst>
           </p:cNvPr>
@@ -3975,7 +3970,7 @@
           <a:p>
             <a:r>
               <a:rPr lang="en-US" dirty="0"/>
-              <a:t>Influence on user study design</a:t>
+              <a:t>Section 3: C+=</a:t>
             </a:r>
           </a:p>
         </p:txBody>
@@ -3985,7 +3980,7 @@
           <p:cNvPr id="3" name="Content Placeholder 2">
             <a:extLst>
               <a:ext uri="{FF2B5EF4-FFF2-40B4-BE49-F238E27FC236}">
-                <a16:creationId xmlns:a16="http://schemas.microsoft.com/office/drawing/2014/main" id="{13875CC2-5A29-FFC1-AE4F-4E5762338AA9}"/>
+                <a16:creationId xmlns:a16="http://schemas.microsoft.com/office/drawing/2014/main" id="{9371EB34-CF37-6688-4FC2-052F904A0508}"/>
               </a:ext>
             </a:extLst>
           </p:cNvPr>
@@ -4003,80 +3998,19 @@
           <a:p>
             <a:r>
               <a:rPr lang="en-US" dirty="0"/>
-              <a:t>The design and execution of PL usability studies are major connecting themes in HCPL</a:t>
-            </a:r>
-          </a:p>
-          <a:p>
-            <a:r>
-              <a:rPr lang="en-US" dirty="0"/>
-              <a:t>A PL design will only be as good as its usability study</a:t>
-            </a:r>
-          </a:p>
-          <a:p>
-            <a:r>
-              <a:rPr lang="en-US" dirty="0"/>
-              <a:t>Disability studies theory sets the foundation for a good usability study</a:t>
-            </a:r>
-          </a:p>
-          <a:p>
-            <a:pPr lvl="1"/>
-            <a:r>
-              <a:rPr lang="en-US" dirty="0"/>
-              <a:t>Through theory, identify </a:t>
-            </a:r>
-            <a:r>
-              <a:rPr lang="en-US" b="1" dirty="0"/>
-              <a:t>social integration</a:t>
-            </a:r>
-            <a:r>
-              <a:rPr lang="en-US" dirty="0"/>
-              <a:t> and </a:t>
-            </a:r>
-            <a:r>
-              <a:rPr lang="en-US" b="1" dirty="0"/>
-              <a:t>collaboration across the spectrum</a:t>
-            </a:r>
-            <a:r>
-              <a:rPr lang="en-US" dirty="0"/>
-              <a:t> as key aspects of usability </a:t>
-            </a:r>
-            <a:r>
-              <a:rPr lang="en-US" b="1" dirty="0"/>
-              <a:t>within this specific use context</a:t>
-            </a:r>
-            <a:endParaRPr lang="en-US" dirty="0"/>
-          </a:p>
-          <a:p>
-            <a:pPr lvl="1"/>
-            <a:r>
-              <a:rPr lang="en-US" dirty="0"/>
-              <a:t>Quantitative methods are likely to struggle with measuring nuance of children’s social behavior</a:t>
-            </a:r>
-          </a:p>
-          <a:p>
-            <a:pPr lvl="1"/>
-            <a:r>
-              <a:rPr lang="en-US" dirty="0"/>
-              <a:t>Qualitative analysis of behavior in collaborative study was selected as method</a:t>
-            </a:r>
-          </a:p>
-          <a:p>
-            <a:r>
-              <a:rPr lang="en-US" b="1" dirty="0"/>
-              <a:t>Takeaway:</a:t>
-            </a:r>
-            <a:r>
-              <a:rPr lang="en-US" dirty="0"/>
-              <a:t> If you want to build a good PL, read relevant social theories!</a:t>
-            </a:r>
-            <a:endParaRPr lang="en-US" b="1" dirty="0"/>
+              <a:t>Content warning: misogyny </a:t>
+            </a:r>
+            <a:r>
+              <a:rPr lang="en-US"/>
+              <a:t>and transphobia</a:t>
+            </a:r>
           </a:p>
         </p:txBody>
       </p:sp>
     </p:spTree>
     <p:extLst>
       <p:ext uri="{BB962C8B-B14F-4D97-AF65-F5344CB8AC3E}">
-        <p14:creationId xmlns:p14="http://schemas.microsoft.com/office/powerpoint/2010/main" val="3721011218"/>
+        <p14:creationId xmlns:p14="http://schemas.microsoft.com/office/powerpoint/2010/main" val="712932794"/>
       </p:ext>
     </p:extLst>
   </p:cSld>
@@ -4108,7 +4042,7 @@
           <p:cNvPr id="2" name="Title 1">
             <a:extLst>
               <a:ext uri="{FF2B5EF4-FFF2-40B4-BE49-F238E27FC236}">
-                <a16:creationId xmlns:a16="http://schemas.microsoft.com/office/drawing/2014/main" id="{BA1D82C1-3FC1-01EA-7FBC-38F6B874E9D6}"/>
+                <a16:creationId xmlns:a16="http://schemas.microsoft.com/office/drawing/2014/main" id="{BFF17773-466D-5ED2-91CA-A094B93E5292}"/>
               </a:ext>
             </a:extLst>
           </p:cNvPr>
@@ -4126,7 +4060,7 @@
           <a:p>
             <a:r>
               <a:rPr lang="en-US" dirty="0"/>
-              <a:t>Influence on language design</a:t>
+              <a:t>Goals</a:t>
             </a:r>
           </a:p>
         </p:txBody>
@@ -4136,7 +4070,7 @@
           <p:cNvPr id="3" name="Content Placeholder 2">
             <a:extLst>
               <a:ext uri="{FF2B5EF4-FFF2-40B4-BE49-F238E27FC236}">
-                <a16:creationId xmlns:a16="http://schemas.microsoft.com/office/drawing/2014/main" id="{C96A8C70-C7C7-0847-3D4D-80572B69E105}"/>
+                <a16:creationId xmlns:a16="http://schemas.microsoft.com/office/drawing/2014/main" id="{CC516032-0BB5-C29E-ED4B-CB9FF08C21DF}"/>
               </a:ext>
             </a:extLst>
           </p:cNvPr>
@@ -4149,77 +4083,43 @@
         </p:nvSpPr>
         <p:spPr/>
         <p:txBody>
-          <a:bodyPr>
-            <a:normAutofit lnSpcReduction="10000"/>
-          </a:bodyPr>
-          <a:lstStyle/>
-          <a:p>
-            <a:r>
-              <a:rPr lang="en-US" dirty="0"/>
-              <a:t>The syntax choice is informed by the co-existence of multiple programmer subpopulations with various levels of vision</a:t>
+          <a:bodyPr/>
+          <a:lstStyle/>
+          <a:p>
+            <a:r>
+              <a:rPr lang="en-US" dirty="0"/>
+              <a:t>Anti-goal: Provide immediate design recommendations</a:t>
+            </a:r>
+          </a:p>
+          <a:p>
+            <a:pPr lvl="1"/>
+            <a:r>
+              <a:rPr lang="en-US" dirty="0"/>
+              <a:t>If we restrict ourselves only to immediately actionable studies, we deprive ourselves of the opportunity to build a robust theory</a:t>
+            </a:r>
+          </a:p>
+          <a:p>
+            <a:r>
+              <a:rPr lang="en-US" dirty="0"/>
+              <a:t>Goal: Directly demonstrate the usefulness of a methodology from the humanities (close reading) to a PL designer</a:t>
             </a:r>
           </a:p>
           <a:p>
             <a:r>
               <a:rPr lang="en-US" b="1" dirty="0"/>
-              <a:t>Design goal:</a:t>
-            </a:r>
-            <a:r>
-              <a:rPr lang="en-US" dirty="0"/>
-              <a:t> A single syntax which supports multiple interaction modes, one of which is convenient for each sub-population</a:t>
-            </a:r>
-          </a:p>
-          <a:p>
-            <a:r>
-              <a:rPr lang="en-US" b="1" dirty="0"/>
-              <a:t>High-vision children:</a:t>
-            </a:r>
-            <a:r>
-              <a:rPr lang="en-US" dirty="0"/>
-              <a:t> Color-coding on beads promotes visual interaction</a:t>
-            </a:r>
-          </a:p>
-          <a:p>
-            <a:r>
-              <a:rPr lang="en-US" b="1" dirty="0" err="1"/>
-              <a:t>Low+no-vision</a:t>
-            </a:r>
-            <a:r>
-              <a:rPr lang="en-US" b="1" dirty="0"/>
-              <a:t> children: </a:t>
-            </a:r>
-            <a:r>
-              <a:rPr lang="en-US" dirty="0"/>
-              <a:t>Distinctive shapes promote tactile interaction</a:t>
-            </a:r>
-          </a:p>
-          <a:p>
-            <a:r>
-              <a:rPr lang="en-US" dirty="0"/>
-              <a:t>The notion of disability as a spectrum is </a:t>
-            </a:r>
-            <a:r>
-              <a:rPr lang="en-US" b="1" u="sng" dirty="0"/>
-              <a:t>fundamental</a:t>
-            </a:r>
-            <a:r>
-              <a:rPr lang="en-US" i="1" dirty="0"/>
-              <a:t> </a:t>
-            </a:r>
-            <a:r>
-              <a:rPr lang="en-US" dirty="0"/>
-              <a:t>to motivating this hybrid style of interaction with language syntax (tactile + visual)</a:t>
-            </a:r>
-          </a:p>
-          <a:p>
-            <a:endParaRPr lang="en-US" dirty="0"/>
+              <a:t>Bonus goal: </a:t>
+            </a:r>
+            <a:r>
+              <a:rPr lang="en-US" dirty="0"/>
+              <a:t>Preserve significant events from PL history. Though not the original goal, this became pressing when primary sources became inaccessible during paper revisions!</a:t>
+            </a:r>
           </a:p>
         </p:txBody>
       </p:sp>
     </p:spTree>
     <p:extLst>
       <p:ext uri="{BB962C8B-B14F-4D97-AF65-F5344CB8AC3E}">
-        <p14:creationId xmlns:p14="http://schemas.microsoft.com/office/powerpoint/2010/main" val="2767413686"/>
+        <p14:creationId xmlns:p14="http://schemas.microsoft.com/office/powerpoint/2010/main" val="406455495"/>
       </p:ext>
     </p:extLst>
   </p:cSld>
@@ -4251,7 +4151,7 @@
           <p:cNvPr id="2" name="Title 1">
             <a:extLst>
               <a:ext uri="{FF2B5EF4-FFF2-40B4-BE49-F238E27FC236}">
-                <a16:creationId xmlns:a16="http://schemas.microsoft.com/office/drawing/2014/main" id="{BBA67674-EF72-C060-60E5-F3EF3C59685D}"/>
+                <a16:creationId xmlns:a16="http://schemas.microsoft.com/office/drawing/2014/main" id="{72B186CE-9E64-DB98-0EA9-77033B2B707C}"/>
               </a:ext>
             </a:extLst>
           </p:cNvPr>
@@ -4269,7 +4169,7 @@
           <a:p>
             <a:r>
               <a:rPr lang="en-US" dirty="0"/>
-              <a:t>Assimilation and integration</a:t>
+              <a:t>description</a:t>
             </a:r>
           </a:p>
         </p:txBody>
@@ -4279,7 +4179,7 @@
           <p:cNvPr id="3" name="Content Placeholder 2">
             <a:extLst>
               <a:ext uri="{FF2B5EF4-FFF2-40B4-BE49-F238E27FC236}">
-                <a16:creationId xmlns:a16="http://schemas.microsoft.com/office/drawing/2014/main" id="{895F930A-BBBC-F8F4-EA12-B8F10DEA0726}"/>
+                <a16:creationId xmlns:a16="http://schemas.microsoft.com/office/drawing/2014/main" id="{FE5CA739-0179-20E9-A0D8-38930F0B329F}"/>
               </a:ext>
             </a:extLst>
           </p:cNvPr>
@@ -4290,86 +4190,82 @@
             <p:ph idx="1"/>
           </p:nvPr>
         </p:nvSpPr>
-        <p:spPr>
-          <a:xfrm>
-            <a:off x="1097280" y="2015732"/>
-            <a:ext cx="10566399" cy="3917708"/>
-          </a:xfrm>
-        </p:spPr>
+        <p:spPr/>
         <p:txBody>
           <a:bodyPr>
-            <a:normAutofit fontScale="92500" lnSpcReduction="10000"/>
+            <a:normAutofit fontScale="92500" lnSpcReduction="20000"/>
           </a:bodyPr>
           <a:lstStyle/>
           <a:p>
             <a:r>
               <a:rPr lang="en-US" dirty="0"/>
-              <a:t>Through the goal of collaborative programming, I engage students with major concepts in contemporary disability discourse: Separatism, assimilationism, and </a:t>
-            </a:r>
-            <a:r>
-              <a:rPr lang="en-US" dirty="0" err="1"/>
-              <a:t>integrationism</a:t>
+              <a:t>C+= (“C Plus Equality”) is not a programming language in a meaningful sense</a:t>
+            </a:r>
+          </a:p>
+          <a:p>
+            <a:pPr lvl="1"/>
+            <a:r>
+              <a:rPr lang="en-US" b="1" dirty="0"/>
+              <a:t>No </a:t>
+            </a:r>
+            <a:r>
+              <a:rPr lang="en-US" dirty="0"/>
+              <a:t>serious implementation, theory, application, or user base</a:t>
+            </a:r>
+          </a:p>
+          <a:p>
+            <a:pPr lvl="1"/>
+            <a:r>
+              <a:rPr lang="en-US" b="1" dirty="0"/>
+              <a:t>Has: </a:t>
+            </a:r>
+            <a:r>
+              <a:rPr lang="en-US" dirty="0"/>
+              <a:t>A design document. Thus C+= is most meaningful when viewed as </a:t>
+            </a:r>
+            <a:r>
+              <a:rPr lang="en-US" b="1" dirty="0"/>
+              <a:t>media </a:t>
+            </a:r>
+            <a:r>
+              <a:rPr lang="en-US" dirty="0"/>
+              <a:t>and we will analyze it as such</a:t>
+            </a:r>
+          </a:p>
+          <a:p>
+            <a:r>
+              <a:rPr lang="en-US" dirty="0"/>
+              <a:t>C+= exists primarily in the form of a Git repository hosted on GitHub*, containing a design document, example programs, and minimal prototype implementation** of a self-proclaimed “feminist” programming language</a:t>
+            </a:r>
+            <a:br>
+              <a:rPr lang="en-US" dirty="0"/>
+            </a:br>
+            <a:r>
+              <a:rPr lang="en-US" b="1" dirty="0"/>
+              <a:t>Unpacking historical context is essential to interpreting this design document</a:t>
             </a:r>
             <a:endParaRPr lang="en-US" dirty="0"/>
           </a:p>
           <a:p>
-            <a:r>
-              <a:rPr lang="en-US" b="1" dirty="0"/>
-              <a:t>Separatism: </a:t>
-            </a:r>
-            <a:r>
-              <a:rPr lang="en-US" dirty="0"/>
-              <a:t>Advocates for disabled people to maintain separate (sub)-communities and proudly maintain distinctive way of doing things. Often with goal of radical liberation</a:t>
-            </a:r>
-          </a:p>
-          <a:p>
-            <a:r>
-              <a:rPr lang="en-US" b="1" dirty="0"/>
-              <a:t>Assimilationism: </a:t>
-            </a:r>
-            <a:r>
-              <a:rPr lang="en-US" dirty="0"/>
-              <a:t>Advocates for blending in with the majority. Goals often include safety, access to equal opportunity, and ease of life</a:t>
-            </a:r>
-          </a:p>
-          <a:p>
-            <a:r>
-              <a:rPr lang="en-US" dirty="0"/>
-              <a:t>The two above ideas are diametrically opposed, yet assimilation can be distinguished from </a:t>
-            </a:r>
-            <a:r>
-              <a:rPr lang="en-US" dirty="0" err="1"/>
-              <a:t>integrationism</a:t>
-            </a:r>
-            <a:r>
-              <a:rPr lang="en-US" dirty="0"/>
-              <a:t>, which allows elements of separatism to coexist:</a:t>
-            </a:r>
-          </a:p>
-          <a:p>
-            <a:r>
-              <a:rPr lang="en-US" b="1" dirty="0" err="1"/>
-              <a:t>Integrationism</a:t>
-            </a:r>
-            <a:r>
-              <a:rPr lang="en-US" b="1" dirty="0"/>
-              <a:t>: </a:t>
-            </a:r>
-            <a:r>
-              <a:rPr lang="en-US" dirty="0"/>
-              <a:t>Advocates for a single community. Does not require everyone within the community to behave in a similar way. This is what Torino does.</a:t>
-            </a:r>
-            <a:endParaRPr lang="en-US" b="1" dirty="0"/>
-          </a:p>
-          <a:p>
-            <a:endParaRPr lang="en-US" b="1" dirty="0"/>
+            <a:pPr lvl="1"/>
+            <a:r>
+              <a:rPr lang="en-US" dirty="0"/>
+              <a:t>* Repository disabled for its terms-of-service violations</a:t>
+            </a:r>
+          </a:p>
+          <a:p>
+            <a:pPr lvl="1"/>
+            <a:r>
+              <a:rPr lang="en-US" dirty="0"/>
+              <a:t>** Implementation consists of a trivial set of C preprocessors macros</a:t>
+            </a:r>
           </a:p>
         </p:txBody>
       </p:sp>
     </p:spTree>
     <p:extLst>
       <p:ext uri="{BB962C8B-B14F-4D97-AF65-F5344CB8AC3E}">
-        <p14:creationId xmlns:p14="http://schemas.microsoft.com/office/powerpoint/2010/main" val="903300217"/>
+        <p14:creationId xmlns:p14="http://schemas.microsoft.com/office/powerpoint/2010/main" val="3160183795"/>
       </p:ext>
     </p:extLst>
   </p:cSld>
@@ -4401,7 +4297,7 @@
           <p:cNvPr id="2" name="Title 1">
             <a:extLst>
               <a:ext uri="{FF2B5EF4-FFF2-40B4-BE49-F238E27FC236}">
-                <a16:creationId xmlns:a16="http://schemas.microsoft.com/office/drawing/2014/main" id="{A0CA462D-6B1A-3B63-40B8-BAE889B9F279}"/>
+                <a16:creationId xmlns:a16="http://schemas.microsoft.com/office/drawing/2014/main" id="{7882F233-18E8-FB52-B561-39564F8871B5}"/>
               </a:ext>
             </a:extLst>
           </p:cNvPr>
@@ -4419,7 +4315,7 @@
           <a:p>
             <a:r>
               <a:rPr lang="en-US" dirty="0"/>
-              <a:t>Limits of competing approaches</a:t>
+              <a:t>context</a:t>
             </a:r>
           </a:p>
         </p:txBody>
@@ -4429,7 +4325,7 @@
           <p:cNvPr id="3" name="Content Placeholder 2">
             <a:extLst>
               <a:ext uri="{FF2B5EF4-FFF2-40B4-BE49-F238E27FC236}">
-                <a16:creationId xmlns:a16="http://schemas.microsoft.com/office/drawing/2014/main" id="{6021EA3F-6A14-8549-86EA-21906D3E3C97}"/>
+                <a16:creationId xmlns:a16="http://schemas.microsoft.com/office/drawing/2014/main" id="{07365F8B-04FD-129C-1732-6F0ECF8AA8D3}"/>
               </a:ext>
             </a:extLst>
           </p:cNvPr>
@@ -4449,81 +4345,84 @@
           <a:p>
             <a:r>
               <a:rPr lang="en-US" dirty="0"/>
-              <a:t>The closest predecessor of Torino are the </a:t>
-            </a:r>
+              <a:t>In 2013, humanist scholar Ari Schlesinger started a conversation on the HASTAC blog about what it might mean for a code or even a PL to be feminist</a:t>
+            </a:r>
+          </a:p>
+          <a:p>
+            <a:pPr lvl="1"/>
+            <a:r>
+              <a:rPr lang="en-US" dirty="0"/>
+              <a:t>Codework, i.e., code as poetry (e.g. Mez Breeze, </a:t>
+            </a:r>
+            <a:r>
+              <a:rPr lang="en-US" dirty="0" err="1"/>
+              <a:t>micha</a:t>
+            </a:r>
+            <a:r>
+              <a:rPr lang="en-US" dirty="0"/>
+              <a:t> </a:t>
+            </a:r>
+            <a:r>
+              <a:rPr lang="en-US" dirty="0" err="1"/>
+              <a:t>cardenas</a:t>
+            </a:r>
+            <a:r>
+              <a:rPr lang="en-US" dirty="0"/>
+              <a:t>)</a:t>
+            </a:r>
+          </a:p>
+          <a:p>
+            <a:pPr lvl="1"/>
+            <a:r>
+              <a:rPr lang="en-US" dirty="0"/>
+              <a:t>Browser extensions for manipulating gendered language (Jailbreak the Patriarchy)</a:t>
+            </a:r>
+          </a:p>
+          <a:p>
+            <a:r>
+              <a:rPr lang="en-US" dirty="0"/>
+              <a:t>As the article circulated through online tech news, reactionary viewers responded with a satirical design document, typically attributed to anonymous 4chan trolls</a:t>
+            </a:r>
+          </a:p>
+          <a:p>
+            <a:pPr marL="0" indent="0">
+              <a:buNone/>
+            </a:pPr>
             <a:r>
               <a:rPr lang="en-US" b="1" dirty="0"/>
-              <a:t>block-based</a:t>
-            </a:r>
-            <a:r>
-              <a:rPr lang="en-US" dirty="0"/>
-              <a:t> languages (e.g. Scratch)</a:t>
-            </a:r>
-          </a:p>
-          <a:p>
-            <a:r>
-              <a:rPr lang="en-US" dirty="0"/>
-              <a:t>Block-based programming is often advocated as being </a:t>
-            </a:r>
+              <a:t>Approach:</a:t>
+            </a:r>
+            <a:r>
+              <a:rPr lang="en-US" dirty="0"/>
+              <a:t> Our close reading of the design document must be informed by an understanding of 4chan troll culture and the memes and tropes employed by this community</a:t>
+            </a:r>
+            <a:endParaRPr lang="en-US" b="1" dirty="0"/>
+          </a:p>
+          <a:p>
+            <a:pPr marL="0" indent="0">
+              <a:buNone/>
+            </a:pPr>
             <a:r>
               <a:rPr lang="en-US" b="1" dirty="0"/>
-              <a:t>accessible </a:t>
-            </a:r>
-            <a:r>
-              <a:rPr lang="en-US" dirty="0"/>
-              <a:t>in the sense that it is easily picked up by newcomers</a:t>
-            </a:r>
-          </a:p>
-          <a:p>
-            <a:r>
-              <a:rPr lang="en-US" b="1" dirty="0"/>
-              <a:t>Yet </a:t>
-            </a:r>
-            <a:r>
-              <a:rPr lang="en-US" dirty="0"/>
-              <a:t>the word “accessibility” has multiple meanings, and block-based languages are not especially accessible in terms of (visual) disability</a:t>
-            </a:r>
-          </a:p>
-          <a:p>
-            <a:r>
-              <a:rPr lang="en-US" dirty="0"/>
-              <a:t>They are </a:t>
-            </a:r>
-            <a:r>
-              <a:rPr lang="en-US" b="1" u="sng" dirty="0"/>
-              <a:t>not</a:t>
-            </a:r>
-            <a:r>
-              <a:rPr lang="en-US" dirty="0"/>
-              <a:t> completely unusable (as research on hybrid syntax disproves)</a:t>
-            </a:r>
-          </a:p>
-          <a:p>
-            <a:r>
-              <a:rPr lang="en-US" dirty="0"/>
-              <a:t>Yet the provide </a:t>
-            </a:r>
-            <a:r>
-              <a:rPr lang="en-US" b="1" u="sng" dirty="0" err="1"/>
-              <a:t>disequal</a:t>
-            </a:r>
-            <a:r>
-              <a:rPr lang="en-US" dirty="0"/>
-              <a:t> experiences, often requiring disabled people to effectively disclose their disability status</a:t>
-            </a:r>
-          </a:p>
-          <a:p>
-            <a:r>
-              <a:rPr lang="en-US" dirty="0"/>
-              <a:t>When this occurs, the core principle of autonomy over one’s visibility is violated</a:t>
-            </a:r>
+              <a:t>Contemporary impact: </a:t>
+            </a:r>
+            <a:r>
+              <a:rPr lang="en-US" dirty="0"/>
+              <a:t>As of this writing, if my students search for feminism and PL design, Schlesinger’s legitimate article is drowned out of search results by C+=</a:t>
+            </a:r>
+          </a:p>
+          <a:p>
+            <a:pPr marL="0" indent="0">
+              <a:buNone/>
+            </a:pPr>
+            <a:endParaRPr lang="en-US" b="1" dirty="0"/>
           </a:p>
         </p:txBody>
       </p:sp>
     </p:spTree>
     <p:extLst>
       <p:ext uri="{BB962C8B-B14F-4D97-AF65-F5344CB8AC3E}">
-        <p14:creationId xmlns:p14="http://schemas.microsoft.com/office/powerpoint/2010/main" val="1308964705"/>
+        <p14:creationId xmlns:p14="http://schemas.microsoft.com/office/powerpoint/2010/main" val="5310006"/>
       </p:ext>
     </p:extLst>
   </p:cSld>
@@ -4555,1010 +4454,6 @@
           <p:cNvPr id="2" name="Title 1">
             <a:extLst>
               <a:ext uri="{FF2B5EF4-FFF2-40B4-BE49-F238E27FC236}">
-                <a16:creationId xmlns:a16="http://schemas.microsoft.com/office/drawing/2014/main" id="{5971453B-2E93-0897-E42E-F602443466DA}"/>
-              </a:ext>
-            </a:extLst>
-          </p:cNvPr>
-          <p:cNvSpPr>
-            <a:spLocks noGrp="1"/>
-          </p:cNvSpPr>
-          <p:nvPr>
-            <p:ph type="title"/>
-          </p:nvPr>
-        </p:nvSpPr>
-        <p:spPr/>
-        <p:txBody>
-          <a:bodyPr/>
-          <a:lstStyle/>
-          <a:p>
-            <a:r>
-              <a:rPr lang="en-US" dirty="0"/>
-              <a:t>Why kids?</a:t>
-            </a:r>
-          </a:p>
-        </p:txBody>
-      </p:sp>
-      <p:sp>
-        <p:nvSpPr>
-          <p:cNvPr id="3" name="Content Placeholder 2">
-            <a:extLst>
-              <a:ext uri="{FF2B5EF4-FFF2-40B4-BE49-F238E27FC236}">
-                <a16:creationId xmlns:a16="http://schemas.microsoft.com/office/drawing/2014/main" id="{BF417B3F-699D-20E4-E6D6-0AA3E186DE7E}"/>
-              </a:ext>
-            </a:extLst>
-          </p:cNvPr>
-          <p:cNvSpPr>
-            <a:spLocks noGrp="1"/>
-          </p:cNvSpPr>
-          <p:nvPr>
-            <p:ph idx="1"/>
-          </p:nvPr>
-        </p:nvSpPr>
-        <p:spPr/>
-        <p:txBody>
-          <a:bodyPr>
-            <a:normAutofit lnSpcReduction="10000"/>
-          </a:bodyPr>
-          <a:lstStyle/>
-          <a:p>
-            <a:r>
-              <a:rPr lang="en-US" dirty="0"/>
-              <a:t>The notion of </a:t>
-            </a:r>
-            <a:r>
-              <a:rPr lang="en-US" u="sng" dirty="0"/>
-              <a:t>usability</a:t>
-            </a:r>
-            <a:r>
-              <a:rPr lang="en-US" dirty="0"/>
-              <a:t> depends on the tasks and goals of a specific user group</a:t>
-            </a:r>
-          </a:p>
-          <a:p>
-            <a:r>
-              <a:rPr lang="en-US" dirty="0"/>
-              <a:t>Let’s explore the goals and non-goals for children who code</a:t>
-            </a:r>
-          </a:p>
-          <a:p>
-            <a:r>
-              <a:rPr lang="en-US" b="1" dirty="0"/>
-              <a:t>Anti-goal:</a:t>
-            </a:r>
-            <a:r>
-              <a:rPr lang="en-US" dirty="0"/>
-              <a:t> Producing useful production code </a:t>
-            </a:r>
-          </a:p>
-          <a:p>
-            <a:r>
-              <a:rPr lang="en-US" b="1" dirty="0"/>
-              <a:t>Potential Goals:</a:t>
-            </a:r>
-          </a:p>
-          <a:p>
-            <a:pPr lvl="1"/>
-            <a:r>
-              <a:rPr lang="en-US" dirty="0"/>
-              <a:t>Teach computational thinking</a:t>
-            </a:r>
-          </a:p>
-          <a:p>
-            <a:pPr lvl="1"/>
-            <a:r>
-              <a:rPr lang="en-US" dirty="0"/>
-              <a:t>Promote sense of belonging in support of diversifying talent pipeline</a:t>
-            </a:r>
-          </a:p>
-          <a:p>
-            <a:r>
-              <a:rPr lang="en-US" dirty="0"/>
-              <a:t>Context: Disabled people often have fewer economic opportunities, and programming careers are potentially a rare accessible well-paying career</a:t>
-            </a:r>
-          </a:p>
-        </p:txBody>
-      </p:sp>
-    </p:spTree>
-    <p:extLst>
-      <p:ext uri="{BB962C8B-B14F-4D97-AF65-F5344CB8AC3E}">
-        <p14:creationId xmlns:p14="http://schemas.microsoft.com/office/powerpoint/2010/main" val="281477418"/>
-      </p:ext>
-    </p:extLst>
-  </p:cSld>
-  <p:clrMapOvr>
-    <a:masterClrMapping/>
-  </p:clrMapOvr>
-</p:sld>
-</file>
-
-<file path=ppt/slides/slide16.xml><?xml version="1.0" encoding="utf-8"?>
-<p:sld xmlns:a="http://schemas.openxmlformats.org/drawingml/2006/main" xmlns:r="http://schemas.openxmlformats.org/officeDocument/2006/relationships" xmlns:p="http://schemas.openxmlformats.org/presentationml/2006/main">
-  <p:cSld>
-    <p:spTree>
-      <p:nvGrpSpPr>
-        <p:cNvPr id="1" name=""/>
-        <p:cNvGrpSpPr/>
-        <p:nvPr/>
-      </p:nvGrpSpPr>
-      <p:grpSpPr>
-        <a:xfrm>
-          <a:off x="0" y="0"/>
-          <a:ext cx="0" cy="0"/>
-          <a:chOff x="0" y="0"/>
-          <a:chExt cx="0" cy="0"/>
-        </a:xfrm>
-      </p:grpSpPr>
-      <p:sp>
-        <p:nvSpPr>
-          <p:cNvPr id="2" name="Title 1">
-            <a:extLst>
-              <a:ext uri="{FF2B5EF4-FFF2-40B4-BE49-F238E27FC236}">
-                <a16:creationId xmlns:a16="http://schemas.microsoft.com/office/drawing/2014/main" id="{4FF14451-5118-5C52-59FB-2E9E76398524}"/>
-              </a:ext>
-            </a:extLst>
-          </p:cNvPr>
-          <p:cNvSpPr>
-            <a:spLocks noGrp="1"/>
-          </p:cNvSpPr>
-          <p:nvPr>
-            <p:ph type="title"/>
-          </p:nvPr>
-        </p:nvSpPr>
-        <p:spPr/>
-        <p:txBody>
-          <a:bodyPr/>
-          <a:lstStyle/>
-          <a:p>
-            <a:r>
-              <a:rPr lang="en-US" dirty="0"/>
-              <a:t>Rest of lesson</a:t>
-            </a:r>
-          </a:p>
-        </p:txBody>
-      </p:sp>
-      <p:sp>
-        <p:nvSpPr>
-          <p:cNvPr id="3" name="Content Placeholder 2">
-            <a:extLst>
-              <a:ext uri="{FF2B5EF4-FFF2-40B4-BE49-F238E27FC236}">
-                <a16:creationId xmlns:a16="http://schemas.microsoft.com/office/drawing/2014/main" id="{8C5D1535-991F-CB89-D37D-1AFBFB430BD2}"/>
-              </a:ext>
-            </a:extLst>
-          </p:cNvPr>
-          <p:cNvSpPr>
-            <a:spLocks noGrp="1"/>
-          </p:cNvSpPr>
-          <p:nvPr>
-            <p:ph idx="1"/>
-          </p:nvPr>
-        </p:nvSpPr>
-        <p:spPr>
-          <a:xfrm>
-            <a:off x="1451579" y="2015732"/>
-            <a:ext cx="10039381" cy="4037749"/>
-          </a:xfrm>
-        </p:spPr>
-        <p:txBody>
-          <a:bodyPr>
-            <a:normAutofit/>
-          </a:bodyPr>
-          <a:lstStyle/>
-          <a:p>
-            <a:r>
-              <a:rPr lang="en-US" dirty="0"/>
-              <a:t>To complete the exploration of visibility, we do a hands-on exploration of the idea that the same syntax might be perceived differently by two different groups, and that requiring a separate accessible syntax would violate autonomy of visibility</a:t>
-            </a:r>
-          </a:p>
-          <a:p>
-            <a:endParaRPr lang="en-US" dirty="0"/>
-          </a:p>
-          <a:p>
-            <a:endParaRPr lang="en-US" dirty="0"/>
-          </a:p>
-          <a:p>
-            <a:endParaRPr lang="en-US" dirty="0"/>
-          </a:p>
-          <a:p>
-            <a:r>
-              <a:rPr lang="en-US" b="1" dirty="0"/>
-              <a:t>Motivations matter:</a:t>
-            </a:r>
-          </a:p>
-          <a:p>
-            <a:pPr lvl="1"/>
-            <a:r>
-              <a:rPr lang="en-US" dirty="0"/>
-              <a:t>Motivations based on empathy-building tend to backfire, heavily criticized</a:t>
-            </a:r>
-          </a:p>
-          <a:p>
-            <a:pPr lvl="1"/>
-            <a:r>
-              <a:rPr lang="en-US" dirty="0"/>
-              <a:t>Emphasize factual knowledge and design implications (e.g. should recruit disabled test users!)</a:t>
-            </a:r>
-          </a:p>
-        </p:txBody>
-      </p:sp>
-      <p:pic>
-        <p:nvPicPr>
-          <p:cNvPr id="5" name="Picture 4">
-            <a:extLst>
-              <a:ext uri="{FF2B5EF4-FFF2-40B4-BE49-F238E27FC236}">
-                <a16:creationId xmlns:a16="http://schemas.microsoft.com/office/drawing/2014/main" id="{403BEEF4-C333-CDA4-FE7E-804674A6F7FE}"/>
-              </a:ext>
-            </a:extLst>
-          </p:cNvPr>
-          <p:cNvPicPr>
-            <a:picLocks noChangeAspect="1"/>
-          </p:cNvPicPr>
-          <p:nvPr/>
-        </p:nvPicPr>
-        <p:blipFill>
-          <a:blip r:embed="rId2"/>
-          <a:stretch>
-            <a:fillRect/>
-          </a:stretch>
-        </p:blipFill>
-        <p:spPr>
-          <a:xfrm>
-            <a:off x="4144577" y="3211796"/>
-            <a:ext cx="3678623" cy="1834857"/>
-          </a:xfrm>
-          <a:prstGeom prst="rect">
-            <a:avLst/>
-          </a:prstGeom>
-        </p:spPr>
-      </p:pic>
-    </p:spTree>
-    <p:extLst>
-      <p:ext uri="{BB962C8B-B14F-4D97-AF65-F5344CB8AC3E}">
-        <p14:creationId xmlns:p14="http://schemas.microsoft.com/office/powerpoint/2010/main" val="2274262333"/>
-      </p:ext>
-    </p:extLst>
-  </p:cSld>
-  <p:clrMapOvr>
-    <a:masterClrMapping/>
-  </p:clrMapOvr>
-</p:sld>
-</file>
-
-<file path=ppt/slides/slide17.xml><?xml version="1.0" encoding="utf-8"?>
-<p:sld xmlns:a="http://schemas.openxmlformats.org/drawingml/2006/main" xmlns:r="http://schemas.openxmlformats.org/officeDocument/2006/relationships" xmlns:p="http://schemas.openxmlformats.org/presentationml/2006/main">
-  <p:cSld>
-    <p:spTree>
-      <p:nvGrpSpPr>
-        <p:cNvPr id="1" name=""/>
-        <p:cNvGrpSpPr/>
-        <p:nvPr/>
-      </p:nvGrpSpPr>
-      <p:grpSpPr>
-        <a:xfrm>
-          <a:off x="0" y="0"/>
-          <a:ext cx="0" cy="0"/>
-          <a:chOff x="0" y="0"/>
-          <a:chExt cx="0" cy="0"/>
-        </a:xfrm>
-      </p:grpSpPr>
-      <p:sp>
-        <p:nvSpPr>
-          <p:cNvPr id="2" name="Title 1">
-            <a:extLst>
-              <a:ext uri="{FF2B5EF4-FFF2-40B4-BE49-F238E27FC236}">
-                <a16:creationId xmlns:a16="http://schemas.microsoft.com/office/drawing/2014/main" id="{D4DE8E04-8613-24C7-9753-62665AE9F536}"/>
-              </a:ext>
-            </a:extLst>
-          </p:cNvPr>
-          <p:cNvSpPr>
-            <a:spLocks noGrp="1"/>
-          </p:cNvSpPr>
-          <p:nvPr>
-            <p:ph type="title"/>
-          </p:nvPr>
-        </p:nvSpPr>
-        <p:spPr/>
-        <p:txBody>
-          <a:bodyPr/>
-          <a:lstStyle/>
-          <a:p>
-            <a:r>
-              <a:rPr lang="en-US" dirty="0"/>
-              <a:t>Role of Disabled Researchers</a:t>
-            </a:r>
-          </a:p>
-        </p:txBody>
-      </p:sp>
-      <p:sp>
-        <p:nvSpPr>
-          <p:cNvPr id="3" name="Content Placeholder 2">
-            <a:extLst>
-              <a:ext uri="{FF2B5EF4-FFF2-40B4-BE49-F238E27FC236}">
-                <a16:creationId xmlns:a16="http://schemas.microsoft.com/office/drawing/2014/main" id="{4AE9EF89-A64E-3857-82C4-E59937CEDDE1}"/>
-              </a:ext>
-            </a:extLst>
-          </p:cNvPr>
-          <p:cNvSpPr>
-            <a:spLocks noGrp="1"/>
-          </p:cNvSpPr>
-          <p:nvPr>
-            <p:ph idx="1"/>
-          </p:nvPr>
-        </p:nvSpPr>
-        <p:spPr>
-          <a:xfrm>
-            <a:off x="1451579" y="2015732"/>
-            <a:ext cx="10598181" cy="3927868"/>
-          </a:xfrm>
-        </p:spPr>
-        <p:txBody>
-          <a:bodyPr>
-            <a:normAutofit fontScale="92500" lnSpcReduction="20000"/>
-          </a:bodyPr>
-          <a:lstStyle/>
-          <a:p>
-            <a:r>
-              <a:rPr lang="en-US" dirty="0"/>
-              <a:t>Common disability rights slogan: “Nothing about us without us”</a:t>
-            </a:r>
-          </a:p>
-          <a:p>
-            <a:pPr lvl="1"/>
-            <a:r>
-              <a:rPr lang="en-US" dirty="0"/>
-              <a:t>This does not mean that abled people are unqualified to teach this lesson, but rather that decisions which affect disabled people ought to be made by disabled people</a:t>
-            </a:r>
-          </a:p>
-          <a:p>
-            <a:r>
-              <a:rPr lang="en-US" dirty="0"/>
-              <a:t>The HCPL lesson closes by highlighting the impacts of disabled PL researchers</a:t>
-            </a:r>
-          </a:p>
-          <a:p>
-            <a:r>
-              <a:rPr lang="en-US" dirty="0"/>
-              <a:t>Leif Andersen’s work on hybrid visual-textual syntax dovetails with many of the same themes explored in the Torino case study</a:t>
-            </a:r>
-          </a:p>
-          <a:p>
-            <a:r>
-              <a:rPr lang="en-US" dirty="0"/>
-              <a:t>I highlight researchers who have adopted audio input mechanisms to cope with temporary musculoskeletal disability*</a:t>
-            </a:r>
-          </a:p>
-          <a:p>
-            <a:r>
-              <a:rPr lang="en-US" dirty="0"/>
-              <a:t>I highlight disabled researchers who do not work on disability-related topics, because we need not be pigeon-holed*</a:t>
-            </a:r>
-            <a:br>
-              <a:rPr lang="en-US" dirty="0"/>
-            </a:br>
-            <a:r>
-              <a:rPr lang="en-US" dirty="0"/>
-              <a:t>* These researchers are not mentioned by name here out of respect </a:t>
-            </a:r>
-            <a:r>
-              <a:rPr lang="en-US"/>
-              <a:t>for privacy</a:t>
-            </a:r>
-            <a:endParaRPr lang="en-US" dirty="0"/>
-          </a:p>
-        </p:txBody>
-      </p:sp>
-    </p:spTree>
-    <p:extLst>
-      <p:ext uri="{BB962C8B-B14F-4D97-AF65-F5344CB8AC3E}">
-        <p14:creationId xmlns:p14="http://schemas.microsoft.com/office/powerpoint/2010/main" val="607039230"/>
-      </p:ext>
-    </p:extLst>
-  </p:cSld>
-  <p:clrMapOvr>
-    <a:masterClrMapping/>
-  </p:clrMapOvr>
-</p:sld>
-</file>
-
-<file path=ppt/slides/slide18.xml><?xml version="1.0" encoding="utf-8"?>
-<p:sld xmlns:a="http://schemas.openxmlformats.org/drawingml/2006/main" xmlns:r="http://schemas.openxmlformats.org/officeDocument/2006/relationships" xmlns:p="http://schemas.openxmlformats.org/presentationml/2006/main">
-  <p:cSld>
-    <p:spTree>
-      <p:nvGrpSpPr>
-        <p:cNvPr id="1" name=""/>
-        <p:cNvGrpSpPr/>
-        <p:nvPr/>
-      </p:nvGrpSpPr>
-      <p:grpSpPr>
-        <a:xfrm>
-          <a:off x="0" y="0"/>
-          <a:ext cx="0" cy="0"/>
-          <a:chOff x="0" y="0"/>
-          <a:chExt cx="0" cy="0"/>
-        </a:xfrm>
-      </p:grpSpPr>
-      <p:sp>
-        <p:nvSpPr>
-          <p:cNvPr id="2" name="Title 1">
-            <a:extLst>
-              <a:ext uri="{FF2B5EF4-FFF2-40B4-BE49-F238E27FC236}">
-                <a16:creationId xmlns:a16="http://schemas.microsoft.com/office/drawing/2014/main" id="{05A5B866-84A3-1CA8-9DBC-A7B738C9A63C}"/>
-              </a:ext>
-            </a:extLst>
-          </p:cNvPr>
-          <p:cNvSpPr>
-            <a:spLocks noGrp="1"/>
-          </p:cNvSpPr>
-          <p:nvPr>
-            <p:ph type="title"/>
-          </p:nvPr>
-        </p:nvSpPr>
-        <p:spPr/>
-        <p:txBody>
-          <a:bodyPr/>
-          <a:lstStyle/>
-          <a:p>
-            <a:r>
-              <a:rPr lang="en-US" dirty="0"/>
-              <a:t>Section 3: C+=</a:t>
-            </a:r>
-          </a:p>
-        </p:txBody>
-      </p:sp>
-      <p:sp>
-        <p:nvSpPr>
-          <p:cNvPr id="3" name="Content Placeholder 2">
-            <a:extLst>
-              <a:ext uri="{FF2B5EF4-FFF2-40B4-BE49-F238E27FC236}">
-                <a16:creationId xmlns:a16="http://schemas.microsoft.com/office/drawing/2014/main" id="{9371EB34-CF37-6688-4FC2-052F904A0508}"/>
-              </a:ext>
-            </a:extLst>
-          </p:cNvPr>
-          <p:cNvSpPr>
-            <a:spLocks noGrp="1"/>
-          </p:cNvSpPr>
-          <p:nvPr>
-            <p:ph idx="1"/>
-          </p:nvPr>
-        </p:nvSpPr>
-        <p:spPr/>
-        <p:txBody>
-          <a:bodyPr/>
-          <a:lstStyle/>
-          <a:p>
-            <a:endParaRPr lang="en-US"/>
-          </a:p>
-        </p:txBody>
-      </p:sp>
-    </p:spTree>
-    <p:extLst>
-      <p:ext uri="{BB962C8B-B14F-4D97-AF65-F5344CB8AC3E}">
-        <p14:creationId xmlns:p14="http://schemas.microsoft.com/office/powerpoint/2010/main" val="712932794"/>
-      </p:ext>
-    </p:extLst>
-  </p:cSld>
-  <p:clrMapOvr>
-    <a:masterClrMapping/>
-  </p:clrMapOvr>
-</p:sld>
-</file>
-
-<file path=ppt/slides/slide19.xml><?xml version="1.0" encoding="utf-8"?>
-<p:sld xmlns:a="http://schemas.openxmlformats.org/drawingml/2006/main" xmlns:r="http://schemas.openxmlformats.org/officeDocument/2006/relationships" xmlns:p="http://schemas.openxmlformats.org/presentationml/2006/main">
-  <p:cSld>
-    <p:spTree>
-      <p:nvGrpSpPr>
-        <p:cNvPr id="1" name=""/>
-        <p:cNvGrpSpPr/>
-        <p:nvPr/>
-      </p:nvGrpSpPr>
-      <p:grpSpPr>
-        <a:xfrm>
-          <a:off x="0" y="0"/>
-          <a:ext cx="0" cy="0"/>
-          <a:chOff x="0" y="0"/>
-          <a:chExt cx="0" cy="0"/>
-        </a:xfrm>
-      </p:grpSpPr>
-      <p:sp>
-        <p:nvSpPr>
-          <p:cNvPr id="2" name="Title 1">
-            <a:extLst>
-              <a:ext uri="{FF2B5EF4-FFF2-40B4-BE49-F238E27FC236}">
-                <a16:creationId xmlns:a16="http://schemas.microsoft.com/office/drawing/2014/main" id="{BFF17773-466D-5ED2-91CA-A094B93E5292}"/>
-              </a:ext>
-            </a:extLst>
-          </p:cNvPr>
-          <p:cNvSpPr>
-            <a:spLocks noGrp="1"/>
-          </p:cNvSpPr>
-          <p:nvPr>
-            <p:ph type="title"/>
-          </p:nvPr>
-        </p:nvSpPr>
-        <p:spPr/>
-        <p:txBody>
-          <a:bodyPr/>
-          <a:lstStyle/>
-          <a:p>
-            <a:r>
-              <a:rPr lang="en-US" dirty="0"/>
-              <a:t>Goals</a:t>
-            </a:r>
-          </a:p>
-        </p:txBody>
-      </p:sp>
-      <p:sp>
-        <p:nvSpPr>
-          <p:cNvPr id="3" name="Content Placeholder 2">
-            <a:extLst>
-              <a:ext uri="{FF2B5EF4-FFF2-40B4-BE49-F238E27FC236}">
-                <a16:creationId xmlns:a16="http://schemas.microsoft.com/office/drawing/2014/main" id="{CC516032-0BB5-C29E-ED4B-CB9FF08C21DF}"/>
-              </a:ext>
-            </a:extLst>
-          </p:cNvPr>
-          <p:cNvSpPr>
-            <a:spLocks noGrp="1"/>
-          </p:cNvSpPr>
-          <p:nvPr>
-            <p:ph idx="1"/>
-          </p:nvPr>
-        </p:nvSpPr>
-        <p:spPr/>
-        <p:txBody>
-          <a:bodyPr/>
-          <a:lstStyle/>
-          <a:p>
-            <a:r>
-              <a:rPr lang="en-US" dirty="0"/>
-              <a:t>Anti-goal: Provide immediate design recommendations</a:t>
-            </a:r>
-          </a:p>
-          <a:p>
-            <a:pPr lvl="1"/>
-            <a:r>
-              <a:rPr lang="en-US" dirty="0"/>
-              <a:t>If we restrict ourselves only to immediately actionable studies, we deprive ourselves of the opportunity to build a robust theory</a:t>
-            </a:r>
-          </a:p>
-          <a:p>
-            <a:r>
-              <a:rPr lang="en-US" dirty="0"/>
-              <a:t>Goal: Directly demonstrate the usefulness of a methodology from the humanities (close reading) to a PL designer</a:t>
-            </a:r>
-          </a:p>
-          <a:p>
-            <a:r>
-              <a:rPr lang="en-US" b="1" dirty="0"/>
-              <a:t>Bonus goal: </a:t>
-            </a:r>
-            <a:r>
-              <a:rPr lang="en-US" dirty="0"/>
-              <a:t>Preserve significant events from PL history. Though not the original goal, this became pressing when primary sources became inaccessible during paper revisions!</a:t>
-            </a:r>
-          </a:p>
-        </p:txBody>
-      </p:sp>
-    </p:spTree>
-    <p:extLst>
-      <p:ext uri="{BB962C8B-B14F-4D97-AF65-F5344CB8AC3E}">
-        <p14:creationId xmlns:p14="http://schemas.microsoft.com/office/powerpoint/2010/main" val="406455495"/>
-      </p:ext>
-    </p:extLst>
-  </p:cSld>
-  <p:clrMapOvr>
-    <a:masterClrMapping/>
-  </p:clrMapOvr>
-</p:sld>
-</file>
-
-<file path=ppt/slides/slide2.xml><?xml version="1.0" encoding="utf-8"?>
-<p:sld xmlns:a="http://schemas.openxmlformats.org/drawingml/2006/main" xmlns:r="http://schemas.openxmlformats.org/officeDocument/2006/relationships" xmlns:p="http://schemas.openxmlformats.org/presentationml/2006/main">
-  <p:cSld>
-    <p:spTree>
-      <p:nvGrpSpPr>
-        <p:cNvPr id="1" name=""/>
-        <p:cNvGrpSpPr/>
-        <p:nvPr/>
-      </p:nvGrpSpPr>
-      <p:grpSpPr>
-        <a:xfrm>
-          <a:off x="0" y="0"/>
-          <a:ext cx="0" cy="0"/>
-          <a:chOff x="0" y="0"/>
-          <a:chExt cx="0" cy="0"/>
-        </a:xfrm>
-      </p:grpSpPr>
-      <p:sp>
-        <p:nvSpPr>
-          <p:cNvPr id="2" name="Title 1">
-            <a:extLst>
-              <a:ext uri="{FF2B5EF4-FFF2-40B4-BE49-F238E27FC236}">
-                <a16:creationId xmlns:a16="http://schemas.microsoft.com/office/drawing/2014/main" id="{EEB9EDC1-6DE9-E250-31D2-B8D6EFAA986F}"/>
-              </a:ext>
-            </a:extLst>
-          </p:cNvPr>
-          <p:cNvSpPr>
-            <a:spLocks noGrp="1"/>
-          </p:cNvSpPr>
-          <p:nvPr>
-            <p:ph type="title"/>
-          </p:nvPr>
-        </p:nvSpPr>
-        <p:spPr/>
-        <p:txBody>
-          <a:bodyPr/>
-          <a:lstStyle/>
-          <a:p>
-            <a:r>
-              <a:rPr lang="en-US" dirty="0"/>
-              <a:t>Section 1: introduction</a:t>
-            </a:r>
-          </a:p>
-        </p:txBody>
-      </p:sp>
-      <p:sp>
-        <p:nvSpPr>
-          <p:cNvPr id="3" name="Content Placeholder 2">
-            <a:extLst>
-              <a:ext uri="{FF2B5EF4-FFF2-40B4-BE49-F238E27FC236}">
-                <a16:creationId xmlns:a16="http://schemas.microsoft.com/office/drawing/2014/main" id="{F36D35DC-3D7C-3D46-B4EA-BC76547C6574}"/>
-              </a:ext>
-            </a:extLst>
-          </p:cNvPr>
-          <p:cNvSpPr>
-            <a:spLocks noGrp="1"/>
-          </p:cNvSpPr>
-          <p:nvPr>
-            <p:ph idx="1"/>
-          </p:nvPr>
-        </p:nvSpPr>
-        <p:spPr/>
-        <p:txBody>
-          <a:bodyPr/>
-          <a:lstStyle/>
-          <a:p>
-            <a:endParaRPr lang="en-US"/>
-          </a:p>
-        </p:txBody>
-      </p:sp>
-    </p:spTree>
-    <p:extLst>
-      <p:ext uri="{BB962C8B-B14F-4D97-AF65-F5344CB8AC3E}">
-        <p14:creationId xmlns:p14="http://schemas.microsoft.com/office/powerpoint/2010/main" val="176824700"/>
-      </p:ext>
-    </p:extLst>
-  </p:cSld>
-  <p:clrMapOvr>
-    <a:masterClrMapping/>
-  </p:clrMapOvr>
-</p:sld>
-</file>
-
-<file path=ppt/slides/slide20.xml><?xml version="1.0" encoding="utf-8"?>
-<p:sld xmlns:a="http://schemas.openxmlformats.org/drawingml/2006/main" xmlns:r="http://schemas.openxmlformats.org/officeDocument/2006/relationships" xmlns:p="http://schemas.openxmlformats.org/presentationml/2006/main">
-  <p:cSld>
-    <p:spTree>
-      <p:nvGrpSpPr>
-        <p:cNvPr id="1" name=""/>
-        <p:cNvGrpSpPr/>
-        <p:nvPr/>
-      </p:nvGrpSpPr>
-      <p:grpSpPr>
-        <a:xfrm>
-          <a:off x="0" y="0"/>
-          <a:ext cx="0" cy="0"/>
-          <a:chOff x="0" y="0"/>
-          <a:chExt cx="0" cy="0"/>
-        </a:xfrm>
-      </p:grpSpPr>
-      <p:sp>
-        <p:nvSpPr>
-          <p:cNvPr id="2" name="Title 1">
-            <a:extLst>
-              <a:ext uri="{FF2B5EF4-FFF2-40B4-BE49-F238E27FC236}">
-                <a16:creationId xmlns:a16="http://schemas.microsoft.com/office/drawing/2014/main" id="{72B186CE-9E64-DB98-0EA9-77033B2B707C}"/>
-              </a:ext>
-            </a:extLst>
-          </p:cNvPr>
-          <p:cNvSpPr>
-            <a:spLocks noGrp="1"/>
-          </p:cNvSpPr>
-          <p:nvPr>
-            <p:ph type="title"/>
-          </p:nvPr>
-        </p:nvSpPr>
-        <p:spPr/>
-        <p:txBody>
-          <a:bodyPr/>
-          <a:lstStyle/>
-          <a:p>
-            <a:r>
-              <a:rPr lang="en-US" dirty="0"/>
-              <a:t>description</a:t>
-            </a:r>
-          </a:p>
-        </p:txBody>
-      </p:sp>
-      <p:sp>
-        <p:nvSpPr>
-          <p:cNvPr id="3" name="Content Placeholder 2">
-            <a:extLst>
-              <a:ext uri="{FF2B5EF4-FFF2-40B4-BE49-F238E27FC236}">
-                <a16:creationId xmlns:a16="http://schemas.microsoft.com/office/drawing/2014/main" id="{FE5CA739-0179-20E9-A0D8-38930F0B329F}"/>
-              </a:ext>
-            </a:extLst>
-          </p:cNvPr>
-          <p:cNvSpPr>
-            <a:spLocks noGrp="1"/>
-          </p:cNvSpPr>
-          <p:nvPr>
-            <p:ph idx="1"/>
-          </p:nvPr>
-        </p:nvSpPr>
-        <p:spPr/>
-        <p:txBody>
-          <a:bodyPr>
-            <a:normAutofit fontScale="92500" lnSpcReduction="20000"/>
-          </a:bodyPr>
-          <a:lstStyle/>
-          <a:p>
-            <a:r>
-              <a:rPr lang="en-US" dirty="0"/>
-              <a:t>C+= (“C Plus Equality”) is not a programming language in a meaningful sense</a:t>
-            </a:r>
-          </a:p>
-          <a:p>
-            <a:pPr lvl="1"/>
-            <a:r>
-              <a:rPr lang="en-US" b="1" dirty="0"/>
-              <a:t>No </a:t>
-            </a:r>
-            <a:r>
-              <a:rPr lang="en-US" dirty="0"/>
-              <a:t>serious implementation, theory, application, or user base</a:t>
-            </a:r>
-          </a:p>
-          <a:p>
-            <a:pPr lvl="1"/>
-            <a:r>
-              <a:rPr lang="en-US" b="1" dirty="0"/>
-              <a:t>Has: </a:t>
-            </a:r>
-            <a:r>
-              <a:rPr lang="en-US" dirty="0"/>
-              <a:t>A design document. Thus C+= is most meaningful when viewed as </a:t>
-            </a:r>
-            <a:r>
-              <a:rPr lang="en-US" b="1" dirty="0"/>
-              <a:t>media </a:t>
-            </a:r>
-            <a:r>
-              <a:rPr lang="en-US" dirty="0"/>
-              <a:t>and we will analyze it as such</a:t>
-            </a:r>
-          </a:p>
-          <a:p>
-            <a:r>
-              <a:rPr lang="en-US" dirty="0"/>
-              <a:t>C+= exists primarily in the form of a Git repository hosted on GitHub*, containing a design document, example programs, and minimal prototype implementation** of a self-proclaimed “feminist” programming language</a:t>
-            </a:r>
-            <a:br>
-              <a:rPr lang="en-US" dirty="0"/>
-            </a:br>
-            <a:r>
-              <a:rPr lang="en-US" b="1" dirty="0"/>
-              <a:t>Unpacking historical context is essential to interpreting this design document</a:t>
-            </a:r>
-            <a:endParaRPr lang="en-US" dirty="0"/>
-          </a:p>
-          <a:p>
-            <a:pPr lvl="1"/>
-            <a:r>
-              <a:rPr lang="en-US" dirty="0"/>
-              <a:t>* Repository disabled for its terms-of-service violations</a:t>
-            </a:r>
-          </a:p>
-          <a:p>
-            <a:pPr lvl="1"/>
-            <a:r>
-              <a:rPr lang="en-US" dirty="0"/>
-              <a:t>** Implementation consists of a trivial set of C preprocessors macros</a:t>
-            </a:r>
-          </a:p>
-        </p:txBody>
-      </p:sp>
-    </p:spTree>
-    <p:extLst>
-      <p:ext uri="{BB962C8B-B14F-4D97-AF65-F5344CB8AC3E}">
-        <p14:creationId xmlns:p14="http://schemas.microsoft.com/office/powerpoint/2010/main" val="3160183795"/>
-      </p:ext>
-    </p:extLst>
-  </p:cSld>
-  <p:clrMapOvr>
-    <a:masterClrMapping/>
-  </p:clrMapOvr>
-</p:sld>
-</file>
-
-<file path=ppt/slides/slide21.xml><?xml version="1.0" encoding="utf-8"?>
-<p:sld xmlns:a="http://schemas.openxmlformats.org/drawingml/2006/main" xmlns:r="http://schemas.openxmlformats.org/officeDocument/2006/relationships" xmlns:p="http://schemas.openxmlformats.org/presentationml/2006/main">
-  <p:cSld>
-    <p:spTree>
-      <p:nvGrpSpPr>
-        <p:cNvPr id="1" name=""/>
-        <p:cNvGrpSpPr/>
-        <p:nvPr/>
-      </p:nvGrpSpPr>
-      <p:grpSpPr>
-        <a:xfrm>
-          <a:off x="0" y="0"/>
-          <a:ext cx="0" cy="0"/>
-          <a:chOff x="0" y="0"/>
-          <a:chExt cx="0" cy="0"/>
-        </a:xfrm>
-      </p:grpSpPr>
-      <p:sp>
-        <p:nvSpPr>
-          <p:cNvPr id="2" name="Title 1">
-            <a:extLst>
-              <a:ext uri="{FF2B5EF4-FFF2-40B4-BE49-F238E27FC236}">
-                <a16:creationId xmlns:a16="http://schemas.microsoft.com/office/drawing/2014/main" id="{7882F233-18E8-FB52-B561-39564F8871B5}"/>
-              </a:ext>
-            </a:extLst>
-          </p:cNvPr>
-          <p:cNvSpPr>
-            <a:spLocks noGrp="1"/>
-          </p:cNvSpPr>
-          <p:nvPr>
-            <p:ph type="title"/>
-          </p:nvPr>
-        </p:nvSpPr>
-        <p:spPr/>
-        <p:txBody>
-          <a:bodyPr/>
-          <a:lstStyle/>
-          <a:p>
-            <a:r>
-              <a:rPr lang="en-US" dirty="0"/>
-              <a:t>context</a:t>
-            </a:r>
-          </a:p>
-        </p:txBody>
-      </p:sp>
-      <p:sp>
-        <p:nvSpPr>
-          <p:cNvPr id="3" name="Content Placeholder 2">
-            <a:extLst>
-              <a:ext uri="{FF2B5EF4-FFF2-40B4-BE49-F238E27FC236}">
-                <a16:creationId xmlns:a16="http://schemas.microsoft.com/office/drawing/2014/main" id="{07365F8B-04FD-129C-1732-6F0ECF8AA8D3}"/>
-              </a:ext>
-            </a:extLst>
-          </p:cNvPr>
-          <p:cNvSpPr>
-            <a:spLocks noGrp="1"/>
-          </p:cNvSpPr>
-          <p:nvPr>
-            <p:ph idx="1"/>
-          </p:nvPr>
-        </p:nvSpPr>
-        <p:spPr/>
-        <p:txBody>
-          <a:bodyPr>
-            <a:normAutofit fontScale="92500" lnSpcReduction="20000"/>
-          </a:bodyPr>
-          <a:lstStyle/>
-          <a:p>
-            <a:r>
-              <a:rPr lang="en-US" dirty="0"/>
-              <a:t>In 2013, humanist scholar Ari Schlesinger started a conversation on the HASTAC blog about what it might mean for a code or even a PL to be feminist</a:t>
-            </a:r>
-          </a:p>
-          <a:p>
-            <a:pPr lvl="1"/>
-            <a:r>
-              <a:rPr lang="en-US" dirty="0"/>
-              <a:t>Codework, i.e., code as poetry (e.g. Mez Breeze, </a:t>
-            </a:r>
-            <a:r>
-              <a:rPr lang="en-US" dirty="0" err="1"/>
-              <a:t>micha</a:t>
-            </a:r>
-            <a:r>
-              <a:rPr lang="en-US" dirty="0"/>
-              <a:t> </a:t>
-            </a:r>
-            <a:r>
-              <a:rPr lang="en-US" dirty="0" err="1"/>
-              <a:t>cardenas</a:t>
-            </a:r>
-            <a:r>
-              <a:rPr lang="en-US" dirty="0"/>
-              <a:t>)</a:t>
-            </a:r>
-          </a:p>
-          <a:p>
-            <a:pPr lvl="1"/>
-            <a:r>
-              <a:rPr lang="en-US" dirty="0"/>
-              <a:t>Browser extensions for manipulating gendered language (Jailbreak the Patriarchy)</a:t>
-            </a:r>
-          </a:p>
-          <a:p>
-            <a:r>
-              <a:rPr lang="en-US" dirty="0"/>
-              <a:t>As the article circulated through online tech news, reactionary viewers responded with a satirical design document, typically attributed to anonymous 4chan trolls</a:t>
-            </a:r>
-          </a:p>
-          <a:p>
-            <a:pPr marL="0" indent="0">
-              <a:buNone/>
-            </a:pPr>
-            <a:r>
-              <a:rPr lang="en-US" b="1" dirty="0"/>
-              <a:t>Approach:</a:t>
-            </a:r>
-            <a:r>
-              <a:rPr lang="en-US" dirty="0"/>
-              <a:t> Our close reading of the design document must be informed by an understanding of 4chan troll culture and the memes and tropes employed by this community</a:t>
-            </a:r>
-            <a:endParaRPr lang="en-US" b="1" dirty="0"/>
-          </a:p>
-          <a:p>
-            <a:pPr marL="0" indent="0">
-              <a:buNone/>
-            </a:pPr>
-            <a:r>
-              <a:rPr lang="en-US" b="1" dirty="0"/>
-              <a:t>Contemporary impact: </a:t>
-            </a:r>
-            <a:r>
-              <a:rPr lang="en-US" dirty="0"/>
-              <a:t>As of this writing, if my students search for feminism and PL design, Schlesinger’s legitimate article is drowned out of search results by C+=</a:t>
-            </a:r>
-          </a:p>
-          <a:p>
-            <a:pPr marL="0" indent="0">
-              <a:buNone/>
-            </a:pPr>
-            <a:endParaRPr lang="en-US" b="1" dirty="0"/>
-          </a:p>
-        </p:txBody>
-      </p:sp>
-    </p:spTree>
-    <p:extLst>
-      <p:ext uri="{BB962C8B-B14F-4D97-AF65-F5344CB8AC3E}">
-        <p14:creationId xmlns:p14="http://schemas.microsoft.com/office/powerpoint/2010/main" val="5310006"/>
-      </p:ext>
-    </p:extLst>
-  </p:cSld>
-  <p:clrMapOvr>
-    <a:masterClrMapping/>
-  </p:clrMapOvr>
-</p:sld>
-</file>
-
-<file path=ppt/slides/slide22.xml><?xml version="1.0" encoding="utf-8"?>
-<p:sld xmlns:a="http://schemas.openxmlformats.org/drawingml/2006/main" xmlns:r="http://schemas.openxmlformats.org/officeDocument/2006/relationships" xmlns:p="http://schemas.openxmlformats.org/presentationml/2006/main">
-  <p:cSld>
-    <p:spTree>
-      <p:nvGrpSpPr>
-        <p:cNvPr id="1" name=""/>
-        <p:cNvGrpSpPr/>
-        <p:nvPr/>
-      </p:nvGrpSpPr>
-      <p:grpSpPr>
-        <a:xfrm>
-          <a:off x="0" y="0"/>
-          <a:ext cx="0" cy="0"/>
-          <a:chOff x="0" y="0"/>
-          <a:chExt cx="0" cy="0"/>
-        </a:xfrm>
-      </p:grpSpPr>
-      <p:sp>
-        <p:nvSpPr>
-          <p:cNvPr id="2" name="Title 1">
-            <a:extLst>
-              <a:ext uri="{FF2B5EF4-FFF2-40B4-BE49-F238E27FC236}">
                 <a16:creationId xmlns:a16="http://schemas.microsoft.com/office/drawing/2014/main" id="{CF8171BE-4D38-B8BD-833B-8E23A42E3A41}"/>
               </a:ext>
             </a:extLst>
@@ -5646,169 +4541,7 @@
 </p:sld>
 </file>
 
-<file path=ppt/slides/slide23.xml><?xml version="1.0" encoding="utf-8"?>
-<p:sld xmlns:a="http://schemas.openxmlformats.org/drawingml/2006/main" xmlns:r="http://schemas.openxmlformats.org/officeDocument/2006/relationships" xmlns:p="http://schemas.openxmlformats.org/presentationml/2006/main">
-  <p:cSld>
-    <p:spTree>
-      <p:nvGrpSpPr>
-        <p:cNvPr id="1" name=""/>
-        <p:cNvGrpSpPr/>
-        <p:nvPr/>
-      </p:nvGrpSpPr>
-      <p:grpSpPr>
-        <a:xfrm>
-          <a:off x="0" y="0"/>
-          <a:ext cx="0" cy="0"/>
-          <a:chOff x="0" y="0"/>
-          <a:chExt cx="0" cy="0"/>
-        </a:xfrm>
-      </p:grpSpPr>
-      <p:sp>
-        <p:nvSpPr>
-          <p:cNvPr id="2" name="Title 1">
-            <a:extLst>
-              <a:ext uri="{FF2B5EF4-FFF2-40B4-BE49-F238E27FC236}">
-                <a16:creationId xmlns:a16="http://schemas.microsoft.com/office/drawing/2014/main" id="{663681EE-0279-4E00-41DC-EE8ECCBA47B8}"/>
-              </a:ext>
-            </a:extLst>
-          </p:cNvPr>
-          <p:cNvSpPr>
-            <a:spLocks noGrp="1"/>
-          </p:cNvSpPr>
-          <p:nvPr>
-            <p:ph type="title"/>
-          </p:nvPr>
-        </p:nvSpPr>
-        <p:spPr/>
-        <p:txBody>
-          <a:bodyPr/>
-          <a:lstStyle/>
-          <a:p>
-            <a:r>
-              <a:rPr lang="en-US" dirty="0"/>
-              <a:t>Depth 2: scope of pl design</a:t>
-            </a:r>
-          </a:p>
-        </p:txBody>
-      </p:sp>
-      <p:sp>
-        <p:nvSpPr>
-          <p:cNvPr id="3" name="Content Placeholder 2">
-            <a:extLst>
-              <a:ext uri="{FF2B5EF4-FFF2-40B4-BE49-F238E27FC236}">
-                <a16:creationId xmlns:a16="http://schemas.microsoft.com/office/drawing/2014/main" id="{2DAD57FB-556B-C095-88CB-BB04CA61D95C}"/>
-              </a:ext>
-            </a:extLst>
-          </p:cNvPr>
-          <p:cNvSpPr>
-            <a:spLocks noGrp="1"/>
-          </p:cNvSpPr>
-          <p:nvPr>
-            <p:ph idx="1"/>
-          </p:nvPr>
-        </p:nvSpPr>
-        <p:spPr/>
-        <p:txBody>
-          <a:bodyPr>
-            <a:normAutofit fontScale="92500" lnSpcReduction="20000"/>
-          </a:bodyPr>
-          <a:lstStyle/>
-          <a:p>
-            <a:r>
-              <a:rPr lang="en-US" dirty="0"/>
-              <a:t>This case study encourages us to question and expand our notion of PL as a field</a:t>
-            </a:r>
-            <a:br>
-              <a:rPr lang="en-US" dirty="0"/>
-            </a:br>
-            <a:r>
-              <a:rPr lang="en-US" dirty="0"/>
-              <a:t>“What do we study when we study PLs?”</a:t>
-            </a:r>
-          </a:p>
-          <a:p>
-            <a:r>
-              <a:rPr lang="en-US" b="1" dirty="0"/>
-              <a:t>Implication 1: </a:t>
-            </a:r>
-            <a:r>
-              <a:rPr lang="en-US" dirty="0"/>
-              <a:t>When we decide </a:t>
-            </a:r>
-            <a:r>
-              <a:rPr lang="en-US" b="1" i="1" dirty="0"/>
-              <a:t>what</a:t>
-            </a:r>
-            <a:r>
-              <a:rPr lang="en-US" dirty="0"/>
-              <a:t> our curriculum is for, this can have subtle implications on </a:t>
-            </a:r>
-            <a:r>
-              <a:rPr lang="en-US" b="1" i="1" dirty="0"/>
-              <a:t>whom</a:t>
-            </a:r>
-            <a:r>
-              <a:rPr lang="en-US" dirty="0"/>
-              <a:t> it is for, i.e., which students feel included or not</a:t>
-            </a:r>
-          </a:p>
-          <a:p>
-            <a:r>
-              <a:rPr lang="en-US" b="1" dirty="0"/>
-              <a:t>Implication 2:</a:t>
-            </a:r>
-            <a:r>
-              <a:rPr lang="en-US" dirty="0"/>
-              <a:t> When we view PL design as including the design of a PL’s user community and their discourse, we confront the idea that community discourse </a:t>
-            </a:r>
-            <a:r>
-              <a:rPr lang="en-US" b="1" i="1" dirty="0"/>
-              <a:t>can be designed:</a:t>
-            </a:r>
-            <a:endParaRPr lang="en-US" dirty="0"/>
-          </a:p>
-          <a:p>
-            <a:pPr lvl="1"/>
-            <a:r>
-              <a:rPr lang="en-US" dirty="0"/>
-              <a:t>From a Foucauldian perspective, written policy </a:t>
-            </a:r>
-            <a:r>
-              <a:rPr lang="en-US" b="1" i="1" dirty="0"/>
-              <a:t>creates</a:t>
-            </a:r>
-            <a:r>
-              <a:rPr lang="en-US" dirty="0"/>
-              <a:t> institutional restrictions on permitted discourse, which underly the social construction of a community</a:t>
-            </a:r>
-          </a:p>
-          <a:p>
-            <a:pPr lvl="1"/>
-            <a:r>
-              <a:rPr lang="en-US" dirty="0"/>
-              <a:t>In plain English: Community codes of conducts and governance procedures matter</a:t>
-            </a:r>
-            <a:br>
-              <a:rPr lang="en-US" dirty="0"/>
-            </a:br>
-            <a:endParaRPr lang="en-US" dirty="0"/>
-          </a:p>
-        </p:txBody>
-      </p:sp>
-    </p:spTree>
-    <p:extLst>
-      <p:ext uri="{BB962C8B-B14F-4D97-AF65-F5344CB8AC3E}">
-        <p14:creationId xmlns:p14="http://schemas.microsoft.com/office/powerpoint/2010/main" val="316338164"/>
-      </p:ext>
-    </p:extLst>
-  </p:cSld>
-  <p:clrMapOvr>
-    <a:masterClrMapping/>
-  </p:clrMapOvr>
-</p:sld>
-</file>
-
-<file path=ppt/slides/slide24.xml><?xml version="1.0" encoding="utf-8"?>
+<file path=ppt/slides/slide16.xml><?xml version="1.0" encoding="utf-8"?>
 <p:sld xmlns:a="http://schemas.openxmlformats.org/drawingml/2006/main" xmlns:r="http://schemas.openxmlformats.org/officeDocument/2006/relationships" xmlns:p="http://schemas.openxmlformats.org/presentationml/2006/main">
   <p:cSld>
     <p:spTree>
@@ -5925,7 +4658,7 @@
 </p:sld>
 </file>
 
-<file path=ppt/slides/slide25.xml><?xml version="1.0" encoding="utf-8"?>
+<file path=ppt/slides/slide17.xml><?xml version="1.0" encoding="utf-8"?>
 <p:sld xmlns:a="http://schemas.openxmlformats.org/drawingml/2006/main" xmlns:r="http://schemas.openxmlformats.org/officeDocument/2006/relationships" xmlns:p="http://schemas.openxmlformats.org/presentationml/2006/main">
   <p:cSld>
     <p:spTree>
@@ -5989,17 +4722,17 @@
         <p:spPr/>
         <p:txBody>
           <a:bodyPr>
-            <a:normAutofit fontScale="92500" lnSpcReduction="10000"/>
+            <a:normAutofit lnSpcReduction="10000"/>
           </a:bodyPr>
           <a:lstStyle/>
           <a:p>
             <a:r>
               <a:rPr lang="en-US" b="1" dirty="0"/>
-              <a:t>Standard close reading tip: </a:t>
-            </a:r>
-            <a:r>
-              <a:rPr lang="en-US" dirty="0"/>
-              <a:t>When two textual elements appear right next to one another, infer that the author views them as inherently related</a:t>
+              <a:t>Misogynistic and transphobic</a:t>
+            </a:r>
+            <a:r>
+              <a:rPr lang="en-US" dirty="0"/>
+              <a:t> elements collocated, suggesting relation</a:t>
             </a:r>
           </a:p>
           <a:p>
@@ -6062,7 +4795,7 @@
 </p:sld>
 </file>
 
-<file path=ppt/slides/slide26.xml><?xml version="1.0" encoding="utf-8"?>
+<file path=ppt/slides/slide18.xml><?xml version="1.0" encoding="utf-8"?>
 <p:sld xmlns:a="http://schemas.openxmlformats.org/drawingml/2006/main" xmlns:r="http://schemas.openxmlformats.org/officeDocument/2006/relationships" xmlns:p="http://schemas.openxmlformats.org/presentationml/2006/main">
   <p:cSld>
     <p:spTree>
@@ -6084,7 +4817,7 @@
           <p:cNvPr id="2" name="Title 1">
             <a:extLst>
               <a:ext uri="{FF2B5EF4-FFF2-40B4-BE49-F238E27FC236}">
-                <a16:creationId xmlns:a16="http://schemas.microsoft.com/office/drawing/2014/main" id="{E1F2DBCA-8328-6021-86F7-16054B719BAE}"/>
+                <a16:creationId xmlns:a16="http://schemas.microsoft.com/office/drawing/2014/main" id="{6766C24B-A52A-D92E-6562-DD5B9C4C2959}"/>
               </a:ext>
             </a:extLst>
           </p:cNvPr>
@@ -6102,7 +4835,7 @@
           <a:p>
             <a:r>
               <a:rPr lang="en-US" dirty="0"/>
-              <a:t>Implications on language choice</a:t>
+              <a:t>Section 4: Twine</a:t>
             </a:r>
           </a:p>
         </p:txBody>
@@ -6112,7 +4845,7 @@
           <p:cNvPr id="3" name="Content Placeholder 2">
             <a:extLst>
               <a:ext uri="{FF2B5EF4-FFF2-40B4-BE49-F238E27FC236}">
-                <a16:creationId xmlns:a16="http://schemas.microsoft.com/office/drawing/2014/main" id="{B500F521-CDF9-803C-598C-2235EE80970A}"/>
+                <a16:creationId xmlns:a16="http://schemas.microsoft.com/office/drawing/2014/main" id="{69DECCC0-C2D2-4044-5937-027B872BDC3C}"/>
               </a:ext>
             </a:extLst>
           </p:cNvPr>
@@ -6128,57 +4861,14 @@
           <a:bodyPr/>
           <a:lstStyle/>
           <a:p>
-            <a:r>
-              <a:rPr lang="en-US" dirty="0"/>
-              <a:t>As PL educators, we ought to entertain the idea that PL community discourses are a </a:t>
-            </a:r>
-            <a:r>
-              <a:rPr lang="en-US" b="1" i="1" dirty="0"/>
-              <a:t>design choice</a:t>
-            </a:r>
-            <a:r>
-              <a:rPr lang="en-US" dirty="0"/>
-              <a:t> not just in the creation of a new PL but in </a:t>
-            </a:r>
-            <a:r>
-              <a:rPr lang="en-US" b="1" i="1" dirty="0"/>
-              <a:t>curriculum design</a:t>
-            </a:r>
-            <a:endParaRPr lang="en-US" dirty="0"/>
-          </a:p>
-          <a:p>
-            <a:r>
-              <a:rPr lang="en-US" dirty="0"/>
-              <a:t>When your students search for help online, who are they talking to, and how are they being spoken to? What self-images might these interactions promote?</a:t>
-            </a:r>
-          </a:p>
-          <a:p>
-            <a:pPr lvl="1"/>
-            <a:r>
-              <a:rPr lang="en-US" dirty="0"/>
-              <a:t>If a given PL community exhibits toxic interaction, educators should be wary of potential impacts on </a:t>
-            </a:r>
-            <a:r>
-              <a:rPr lang="en-US" b="1" i="1" dirty="0"/>
-              <a:t>all </a:t>
-            </a:r>
-            <a:r>
-              <a:rPr lang="en-US" dirty="0"/>
-              <a:t>students, but especially students from marginalized groups</a:t>
-            </a:r>
-          </a:p>
-          <a:p>
-            <a:r>
-              <a:rPr lang="en-US" dirty="0"/>
-              <a:t>We also have the choice of rewarding language communities that have dedicated special attention to the experience of newcomers (Rust and Racket are both contenders)</a:t>
-            </a:r>
+            <a:endParaRPr lang="en-US"/>
           </a:p>
         </p:txBody>
       </p:sp>
     </p:spTree>
     <p:extLst>
       <p:ext uri="{BB962C8B-B14F-4D97-AF65-F5344CB8AC3E}">
-        <p14:creationId xmlns:p14="http://schemas.microsoft.com/office/powerpoint/2010/main" val="863502957"/>
+        <p14:creationId xmlns:p14="http://schemas.microsoft.com/office/powerpoint/2010/main" val="3174538369"/>
       </p:ext>
     </p:extLst>
   </p:cSld>
@@ -6188,7 +4878,7 @@
 </p:sld>
 </file>
 
-<file path=ppt/slides/slide27.xml><?xml version="1.0" encoding="utf-8"?>
+<file path=ppt/slides/slide19.xml><?xml version="1.0" encoding="utf-8"?>
 <p:sld xmlns:a="http://schemas.openxmlformats.org/drawingml/2006/main" xmlns:r="http://schemas.openxmlformats.org/officeDocument/2006/relationships" xmlns:p="http://schemas.openxmlformats.org/presentationml/2006/main">
   <p:cSld>
     <p:spTree>
@@ -6210,7 +4900,7 @@
           <p:cNvPr id="2" name="Title 1">
             <a:extLst>
               <a:ext uri="{FF2B5EF4-FFF2-40B4-BE49-F238E27FC236}">
-                <a16:creationId xmlns:a16="http://schemas.microsoft.com/office/drawing/2014/main" id="{4317ED53-F398-E179-B681-8218EB7CCB92}"/>
+                <a16:creationId xmlns:a16="http://schemas.microsoft.com/office/drawing/2014/main" id="{712D3396-5FB8-55E7-F4E1-59A186C3B934}"/>
               </a:ext>
             </a:extLst>
           </p:cNvPr>
@@ -6228,13 +4918,8 @@
           <a:p>
             <a:r>
               <a:rPr lang="en-US" dirty="0"/>
-              <a:t>Beyond case study: </a:t>
-            </a:r>
-            <a:r>
-              <a:rPr lang="en-US" dirty="0" err="1"/>
-              <a:t>GenderMag</a:t>
-            </a:r>
-            <a:endParaRPr lang="en-US" dirty="0"/>
+              <a:t>Goals: “Found” theory</a:t>
+            </a:r>
           </a:p>
         </p:txBody>
       </p:sp>
@@ -6243,7 +4928,7 @@
           <p:cNvPr id="3" name="Content Placeholder 2">
             <a:extLst>
               <a:ext uri="{FF2B5EF4-FFF2-40B4-BE49-F238E27FC236}">
-                <a16:creationId xmlns:a16="http://schemas.microsoft.com/office/drawing/2014/main" id="{EEBDB3E6-0F62-7B16-2B68-A5A1B15B1EB6}"/>
+                <a16:creationId xmlns:a16="http://schemas.microsoft.com/office/drawing/2014/main" id="{84C54E01-6048-51C6-CB05-2ED82389058E}"/>
               </a:ext>
             </a:extLst>
           </p:cNvPr>
@@ -6256,84 +4941,53 @@
         </p:nvSpPr>
         <p:spPr/>
         <p:txBody>
-          <a:bodyPr>
-            <a:normAutofit fontScale="92500" lnSpcReduction="10000"/>
-          </a:bodyPr>
-          <a:lstStyle/>
-          <a:p>
-            <a:r>
-              <a:rPr lang="en-US" dirty="0"/>
-              <a:t>The C+= case study </a:t>
+          <a:bodyPr/>
+          <a:lstStyle/>
+          <a:p>
+            <a:r>
+              <a:rPr lang="en-US" dirty="0"/>
+              <a:t>The HCPL curriculum is </a:t>
             </a:r>
             <a:r>
               <a:rPr lang="en-US" b="1" i="1" dirty="0"/>
-              <a:t>does not</a:t>
-            </a:r>
-            <a:r>
-              <a:rPr lang="en-US" dirty="0"/>
-              <a:t> seek immediate design implications</a:t>
-            </a:r>
-          </a:p>
-          <a:p>
-            <a:r>
-              <a:rPr lang="en-US" dirty="0"/>
-              <a:t>Yet PL design is a unifying theme of the course. We should </a:t>
-            </a:r>
-            <a:r>
-              <a:rPr lang="en-US" b="1" i="1" dirty="0"/>
-              <a:t>try.</a:t>
-            </a:r>
-            <a:r>
-              <a:rPr lang="en-US" dirty="0"/>
-              <a:t> But how?</a:t>
-            </a:r>
-          </a:p>
-          <a:p>
-            <a:r>
-              <a:rPr lang="en-US" dirty="0"/>
-              <a:t>Lacking a Gender-PL-Design methodology, appeal to </a:t>
-            </a:r>
-            <a:r>
-              <a:rPr lang="en-US" dirty="0" err="1"/>
-              <a:t>GenderMag</a:t>
-            </a:r>
-            <a:r>
-              <a:rPr lang="en-US" dirty="0"/>
-              <a:t>, from gender HCI</a:t>
+              <a:t>interdisciplinary</a:t>
+            </a:r>
+            <a:r>
+              <a:rPr lang="en-US" dirty="0"/>
+              <a:t>, but CS theory is still one of those disciplines!</a:t>
+            </a:r>
+          </a:p>
+          <a:p>
+            <a:r>
+              <a:rPr lang="en-US" dirty="0"/>
+              <a:t>Retaining strong CS foundations is essential to legitimizing interdisciplinary methods</a:t>
             </a:r>
           </a:p>
           <a:p>
             <a:pPr lvl="1"/>
             <a:r>
               <a:rPr lang="en-US" dirty="0"/>
-              <a:t>Identify aspects of problem-solving style whose statistical averages vary by gender according to large-scale empirical studies</a:t>
+              <a:t>Engage CS students by connecting theory with application</a:t>
             </a:r>
           </a:p>
           <a:p>
             <a:pPr lvl="1"/>
             <a:r>
               <a:rPr lang="en-US" dirty="0"/>
-              <a:t>Develop user personas which reflect diverse values of those problem-solving styles</a:t>
+              <a:t>Protect instructors from reactionary backlash</a:t>
             </a:r>
           </a:p>
           <a:p>
             <a:pPr lvl="1"/>
             <a:r>
               <a:rPr lang="en-US" dirty="0"/>
-              <a:t>Walk through (simulated) steps of user interaction using those personas</a:t>
-            </a:r>
-          </a:p>
-          <a:p>
-            <a:pPr lvl="1"/>
-            <a:r>
-              <a:rPr lang="en-US" dirty="0"/>
-              <a:t>Use these interactions to drive iterative design process</a:t>
-            </a:r>
-          </a:p>
-          <a:p>
-            <a:r>
-              <a:rPr lang="en-US" b="1" dirty="0"/>
-              <a:t>Figure: The facets and potential ideas for gender-inclusive PL design</a:t>
+              <a:t>Accommodate realities of curriculum constraints</a:t>
+            </a:r>
+          </a:p>
+          <a:p>
+            <a:r>
+              <a:rPr lang="en-US" dirty="0"/>
+              <a:t>Goal for case study: Prove that “found theory” exists, i.e., that novel theoretical results can be identified within pre-existing languages</a:t>
             </a:r>
           </a:p>
         </p:txBody>
@@ -6341,7 +4995,7 @@
     </p:spTree>
     <p:extLst>
       <p:ext uri="{BB962C8B-B14F-4D97-AF65-F5344CB8AC3E}">
-        <p14:creationId xmlns:p14="http://schemas.microsoft.com/office/powerpoint/2010/main" val="962127824"/>
+        <p14:creationId xmlns:p14="http://schemas.microsoft.com/office/powerpoint/2010/main" val="1988364234"/>
       </p:ext>
     </p:extLst>
   </p:cSld>
@@ -6351,7 +5005,7 @@
 </p:sld>
 </file>
 
-<file path=ppt/slides/slide28.xml><?xml version="1.0" encoding="utf-8"?>
+<file path=ppt/slides/slide2.xml><?xml version="1.0" encoding="utf-8"?>
 <p:sld xmlns:a="http://schemas.openxmlformats.org/drawingml/2006/main" xmlns:r="http://schemas.openxmlformats.org/officeDocument/2006/relationships" xmlns:p="http://schemas.openxmlformats.org/presentationml/2006/main">
   <p:cSld>
     <p:spTree>
@@ -6373,7 +5027,7 @@
           <p:cNvPr id="2" name="Title 1">
             <a:extLst>
               <a:ext uri="{FF2B5EF4-FFF2-40B4-BE49-F238E27FC236}">
-                <a16:creationId xmlns:a16="http://schemas.microsoft.com/office/drawing/2014/main" id="{6766C24B-A52A-D92E-6562-DD5B9C4C2959}"/>
+                <a16:creationId xmlns:a16="http://schemas.microsoft.com/office/drawing/2014/main" id="{EEB9EDC1-6DE9-E250-31D2-B8D6EFAA986F}"/>
               </a:ext>
             </a:extLst>
           </p:cNvPr>
@@ -6391,7 +5045,7 @@
           <a:p>
             <a:r>
               <a:rPr lang="en-US" dirty="0"/>
-              <a:t>Section 4: Twine</a:t>
+              <a:t>Section 1: introduction</a:t>
             </a:r>
           </a:p>
         </p:txBody>
@@ -6401,7 +5055,7 @@
           <p:cNvPr id="3" name="Content Placeholder 2">
             <a:extLst>
               <a:ext uri="{FF2B5EF4-FFF2-40B4-BE49-F238E27FC236}">
-                <a16:creationId xmlns:a16="http://schemas.microsoft.com/office/drawing/2014/main" id="{69DECCC0-C2D2-4044-5937-027B872BDC3C}"/>
+                <a16:creationId xmlns:a16="http://schemas.microsoft.com/office/drawing/2014/main" id="{F36D35DC-3D7C-3D46-B4EA-BC76547C6574}"/>
               </a:ext>
             </a:extLst>
           </p:cNvPr>
@@ -6424,7 +5078,7 @@
     </p:spTree>
     <p:extLst>
       <p:ext uri="{BB962C8B-B14F-4D97-AF65-F5344CB8AC3E}">
-        <p14:creationId xmlns:p14="http://schemas.microsoft.com/office/powerpoint/2010/main" val="3174538369"/>
+        <p14:creationId xmlns:p14="http://schemas.microsoft.com/office/powerpoint/2010/main" val="176824700"/>
       </p:ext>
     </p:extLst>
   </p:cSld>
@@ -6434,260 +5088,7 @@
 </p:sld>
 </file>
 
-<file path=ppt/slides/slide29.xml><?xml version="1.0" encoding="utf-8"?>
-<p:sld xmlns:a="http://schemas.openxmlformats.org/drawingml/2006/main" xmlns:r="http://schemas.openxmlformats.org/officeDocument/2006/relationships" xmlns:p="http://schemas.openxmlformats.org/presentationml/2006/main">
-  <p:cSld>
-    <p:spTree>
-      <p:nvGrpSpPr>
-        <p:cNvPr id="1" name=""/>
-        <p:cNvGrpSpPr/>
-        <p:nvPr/>
-      </p:nvGrpSpPr>
-      <p:grpSpPr>
-        <a:xfrm>
-          <a:off x="0" y="0"/>
-          <a:ext cx="0" cy="0"/>
-          <a:chOff x="0" y="0"/>
-          <a:chExt cx="0" cy="0"/>
-        </a:xfrm>
-      </p:grpSpPr>
-      <p:sp>
-        <p:nvSpPr>
-          <p:cNvPr id="2" name="Title 1">
-            <a:extLst>
-              <a:ext uri="{FF2B5EF4-FFF2-40B4-BE49-F238E27FC236}">
-                <a16:creationId xmlns:a16="http://schemas.microsoft.com/office/drawing/2014/main" id="{712D3396-5FB8-55E7-F4E1-59A186C3B934}"/>
-              </a:ext>
-            </a:extLst>
-          </p:cNvPr>
-          <p:cNvSpPr>
-            <a:spLocks noGrp="1"/>
-          </p:cNvSpPr>
-          <p:nvPr>
-            <p:ph type="title"/>
-          </p:nvPr>
-        </p:nvSpPr>
-        <p:spPr/>
-        <p:txBody>
-          <a:bodyPr/>
-          <a:lstStyle/>
-          <a:p>
-            <a:r>
-              <a:rPr lang="en-US" dirty="0"/>
-              <a:t>Goals: “Found” theory</a:t>
-            </a:r>
-          </a:p>
-        </p:txBody>
-      </p:sp>
-      <p:sp>
-        <p:nvSpPr>
-          <p:cNvPr id="3" name="Content Placeholder 2">
-            <a:extLst>
-              <a:ext uri="{FF2B5EF4-FFF2-40B4-BE49-F238E27FC236}">
-                <a16:creationId xmlns:a16="http://schemas.microsoft.com/office/drawing/2014/main" id="{84C54E01-6048-51C6-CB05-2ED82389058E}"/>
-              </a:ext>
-            </a:extLst>
-          </p:cNvPr>
-          <p:cNvSpPr>
-            <a:spLocks noGrp="1"/>
-          </p:cNvSpPr>
-          <p:nvPr>
-            <p:ph idx="1"/>
-          </p:nvPr>
-        </p:nvSpPr>
-        <p:spPr/>
-        <p:txBody>
-          <a:bodyPr/>
-          <a:lstStyle/>
-          <a:p>
-            <a:r>
-              <a:rPr lang="en-US" dirty="0"/>
-              <a:t>The HCPL curriculum is </a:t>
-            </a:r>
-            <a:r>
-              <a:rPr lang="en-US" b="1" i="1" dirty="0"/>
-              <a:t>interdisciplinary</a:t>
-            </a:r>
-            <a:r>
-              <a:rPr lang="en-US" dirty="0"/>
-              <a:t>, but CS theory is still one of those disciplines!</a:t>
-            </a:r>
-          </a:p>
-          <a:p>
-            <a:r>
-              <a:rPr lang="en-US" dirty="0"/>
-              <a:t>Retaining strong CS foundations is essential to legitimizing interdisciplinary methods</a:t>
-            </a:r>
-          </a:p>
-          <a:p>
-            <a:pPr lvl="1"/>
-            <a:r>
-              <a:rPr lang="en-US" dirty="0"/>
-              <a:t>Engage CS students by connecting theory with application</a:t>
-            </a:r>
-          </a:p>
-          <a:p>
-            <a:pPr lvl="1"/>
-            <a:r>
-              <a:rPr lang="en-US" dirty="0"/>
-              <a:t>Protect instructors from reactionary backlash</a:t>
-            </a:r>
-          </a:p>
-          <a:p>
-            <a:pPr lvl="1"/>
-            <a:r>
-              <a:rPr lang="en-US" dirty="0"/>
-              <a:t>Accommodate realities of curriculum constraints</a:t>
-            </a:r>
-          </a:p>
-          <a:p>
-            <a:r>
-              <a:rPr lang="en-US" dirty="0"/>
-              <a:t>Goal for case study: Prove that “found theory” exists, i.e., that novel theoretical results can be identified within pre-existing languages</a:t>
-            </a:r>
-          </a:p>
-        </p:txBody>
-      </p:sp>
-    </p:spTree>
-    <p:extLst>
-      <p:ext uri="{BB962C8B-B14F-4D97-AF65-F5344CB8AC3E}">
-        <p14:creationId xmlns:p14="http://schemas.microsoft.com/office/powerpoint/2010/main" val="1988364234"/>
-      </p:ext>
-    </p:extLst>
-  </p:cSld>
-  <p:clrMapOvr>
-    <a:masterClrMapping/>
-  </p:clrMapOvr>
-</p:sld>
-</file>
-
-<file path=ppt/slides/slide3.xml><?xml version="1.0" encoding="utf-8"?>
-<p:sld xmlns:a="http://schemas.openxmlformats.org/drawingml/2006/main" xmlns:r="http://schemas.openxmlformats.org/officeDocument/2006/relationships" xmlns:p="http://schemas.openxmlformats.org/presentationml/2006/main">
-  <p:cSld>
-    <p:spTree>
-      <p:nvGrpSpPr>
-        <p:cNvPr id="1" name=""/>
-        <p:cNvGrpSpPr/>
-        <p:nvPr/>
-      </p:nvGrpSpPr>
-      <p:grpSpPr>
-        <a:xfrm>
-          <a:off x="0" y="0"/>
-          <a:ext cx="0" cy="0"/>
-          <a:chOff x="0" y="0"/>
-          <a:chExt cx="0" cy="0"/>
-        </a:xfrm>
-      </p:grpSpPr>
-      <p:sp>
-        <p:nvSpPr>
-          <p:cNvPr id="2" name="Title 1">
-            <a:extLst>
-              <a:ext uri="{FF2B5EF4-FFF2-40B4-BE49-F238E27FC236}">
-                <a16:creationId xmlns:a16="http://schemas.microsoft.com/office/drawing/2014/main" id="{F12603B5-349D-6915-9E2C-510CAAEACD64}"/>
-              </a:ext>
-            </a:extLst>
-          </p:cNvPr>
-          <p:cNvSpPr>
-            <a:spLocks noGrp="1"/>
-          </p:cNvSpPr>
-          <p:nvPr>
-            <p:ph type="title"/>
-          </p:nvPr>
-        </p:nvSpPr>
-        <p:spPr/>
-        <p:txBody>
-          <a:bodyPr/>
-          <a:lstStyle/>
-          <a:p>
-            <a:r>
-              <a:rPr lang="en-US" dirty="0"/>
-              <a:t>Thesis</a:t>
-            </a:r>
-          </a:p>
-        </p:txBody>
-      </p:sp>
-      <p:sp>
-        <p:nvSpPr>
-          <p:cNvPr id="3" name="Content Placeholder 2">
-            <a:extLst>
-              <a:ext uri="{FF2B5EF4-FFF2-40B4-BE49-F238E27FC236}">
-                <a16:creationId xmlns:a16="http://schemas.microsoft.com/office/drawing/2014/main" id="{8C85F967-9A38-C530-E813-1ED000E5BB9D}"/>
-              </a:ext>
-            </a:extLst>
-          </p:cNvPr>
-          <p:cNvSpPr>
-            <a:spLocks noGrp="1"/>
-          </p:cNvSpPr>
-          <p:nvPr>
-            <p:ph idx="1"/>
-          </p:nvPr>
-        </p:nvSpPr>
-        <p:spPr/>
-        <p:txBody>
-          <a:bodyPr>
-            <a:noAutofit/>
-          </a:bodyPr>
-          <a:lstStyle/>
-          <a:p>
-            <a:r>
-              <a:rPr lang="en-US" sz="2800" dirty="0"/>
-              <a:t>“Programming Language Case Studies Can be Deep”</a:t>
-            </a:r>
-          </a:p>
-          <a:p>
-            <a:r>
-              <a:rPr lang="en-US" sz="2800" dirty="0"/>
-              <a:t>Meaning: Key ideas in PL’s, especially PL design, can be taught through case studies</a:t>
-            </a:r>
-          </a:p>
-          <a:p>
-            <a:r>
-              <a:rPr lang="en-US" sz="2800" dirty="0"/>
-              <a:t>Some of those key ideas could not be effectively taught using other common approaches</a:t>
-            </a:r>
-          </a:p>
-          <a:p>
-            <a:r>
-              <a:rPr lang="en-US" sz="2800" b="1" dirty="0"/>
-              <a:t>Underlying question: </a:t>
-            </a:r>
-            <a:r>
-              <a:rPr lang="en-US" sz="2800" dirty="0"/>
-              <a:t>Which topics even </a:t>
-            </a:r>
-            <a:r>
-              <a:rPr lang="en-US" sz="2800" b="1" dirty="0"/>
-              <a:t>are</a:t>
-            </a:r>
-            <a:r>
-              <a:rPr lang="en-US" sz="2800" dirty="0"/>
-              <a:t> key topics?</a:t>
-            </a:r>
-            <a:br>
-              <a:rPr lang="en-US" sz="2800" dirty="0"/>
-            </a:br>
-            <a:r>
-              <a:rPr lang="en-US" sz="2800" dirty="0"/>
-              <a:t>This changes if we emphasize design, not just theory</a:t>
-            </a:r>
-            <a:endParaRPr lang="en-US" sz="2800" b="1" dirty="0"/>
-          </a:p>
-        </p:txBody>
-      </p:sp>
-    </p:spTree>
-    <p:extLst>
-      <p:ext uri="{BB962C8B-B14F-4D97-AF65-F5344CB8AC3E}">
-        <p14:creationId xmlns:p14="http://schemas.microsoft.com/office/powerpoint/2010/main" val="592409371"/>
-      </p:ext>
-    </p:extLst>
-  </p:cSld>
-  <p:clrMapOvr>
-    <a:masterClrMapping/>
-  </p:clrMapOvr>
-</p:sld>
-</file>
-
-<file path=ppt/slides/slide30.xml><?xml version="1.0" encoding="utf-8"?>
+<file path=ppt/slides/slide20.xml><?xml version="1.0" encoding="utf-8"?>
 <p:sld xmlns:a="http://schemas.openxmlformats.org/drawingml/2006/main" xmlns:r="http://schemas.openxmlformats.org/officeDocument/2006/relationships" xmlns:p="http://schemas.openxmlformats.org/presentationml/2006/main">
   <p:cSld>
     <p:spTree>
@@ -6822,6 +5223,1662 @@
 </p:sld>
 </file>
 
+<file path=ppt/slides/slide21.xml><?xml version="1.0" encoding="utf-8"?>
+<p:sld xmlns:a="http://schemas.openxmlformats.org/drawingml/2006/main" xmlns:r="http://schemas.openxmlformats.org/officeDocument/2006/relationships" xmlns:p="http://schemas.openxmlformats.org/presentationml/2006/main">
+  <p:cSld>
+    <p:spTree>
+      <p:nvGrpSpPr>
+        <p:cNvPr id="1" name=""/>
+        <p:cNvGrpSpPr/>
+        <p:nvPr/>
+      </p:nvGrpSpPr>
+      <p:grpSpPr>
+        <a:xfrm>
+          <a:off x="0" y="0"/>
+          <a:ext cx="0" cy="0"/>
+          <a:chOff x="0" y="0"/>
+          <a:chExt cx="0" cy="0"/>
+        </a:xfrm>
+      </p:grpSpPr>
+      <p:sp>
+        <p:nvSpPr>
+          <p:cNvPr id="2" name="Title 1">
+            <a:extLst>
+              <a:ext uri="{FF2B5EF4-FFF2-40B4-BE49-F238E27FC236}">
+                <a16:creationId xmlns:a16="http://schemas.microsoft.com/office/drawing/2014/main" id="{524A17A1-AD4F-6113-FF37-446370D898BA}"/>
+              </a:ext>
+            </a:extLst>
+          </p:cNvPr>
+          <p:cNvSpPr>
+            <a:spLocks noGrp="1"/>
+          </p:cNvSpPr>
+          <p:nvPr>
+            <p:ph type="title"/>
+          </p:nvPr>
+        </p:nvSpPr>
+        <p:spPr/>
+        <p:txBody>
+          <a:bodyPr/>
+          <a:lstStyle/>
+          <a:p>
+            <a:r>
+              <a:rPr lang="en-US" dirty="0"/>
+              <a:t>Graph Model</a:t>
+            </a:r>
+          </a:p>
+        </p:txBody>
+      </p:sp>
+      <p:sp>
+        <p:nvSpPr>
+          <p:cNvPr id="3" name="Content Placeholder 2">
+            <a:extLst>
+              <a:ext uri="{FF2B5EF4-FFF2-40B4-BE49-F238E27FC236}">
+                <a16:creationId xmlns:a16="http://schemas.microsoft.com/office/drawing/2014/main" id="{BF70B481-9500-A126-E0C3-DAB701F4EC04}"/>
+              </a:ext>
+            </a:extLst>
+          </p:cNvPr>
+          <p:cNvSpPr>
+            <a:spLocks noGrp="1"/>
+          </p:cNvSpPr>
+          <p:nvPr>
+            <p:ph idx="1"/>
+          </p:nvPr>
+        </p:nvSpPr>
+        <p:spPr/>
+        <p:txBody>
+          <a:bodyPr/>
+          <a:lstStyle/>
+          <a:p>
+            <a:r>
+              <a:rPr lang="en-US" dirty="0"/>
+              <a:t>To a first approximation, a Twine game is a directed, labeled graph</a:t>
+            </a:r>
+          </a:p>
+          <a:p>
+            <a:pPr marL="0" indent="0">
+              <a:buNone/>
+            </a:pPr>
+            <a:r>
+              <a:rPr lang="en-US" dirty="0"/>
+              <a:t>G = (V, E) where V is the vertex set and E is the edge set</a:t>
+            </a:r>
+          </a:p>
+          <a:p>
+            <a:pPr marL="0" indent="0">
+              <a:buNone/>
+            </a:pPr>
+            <a:r>
+              <a:rPr lang="en-US" dirty="0"/>
+              <a:t>V = {(n, p)} i.e., passages with titles n and text p</a:t>
+            </a:r>
+          </a:p>
+          <a:p>
+            <a:pPr marL="0" indent="0">
+              <a:buNone/>
+            </a:pPr>
+            <a:r>
+              <a:rPr lang="en-US" dirty="0"/>
+              <a:t>E = {(</a:t>
+            </a:r>
+            <a:r>
+              <a:rPr lang="en-US" dirty="0" err="1"/>
+              <a:t>u,v,l</a:t>
+            </a:r>
+            <a:r>
+              <a:rPr lang="en-US" dirty="0"/>
+              <a:t>)}, i.e., links from source passage u to destination passage v with text l</a:t>
+            </a:r>
+          </a:p>
+          <a:p>
+            <a:pPr marL="0" indent="0">
+              <a:buNone/>
+            </a:pPr>
+            <a:r>
+              <a:rPr lang="en-US" dirty="0"/>
+              <a:t>Let Sigma = {l}, Q = {n}, and delta(</a:t>
+            </a:r>
+            <a:r>
+              <a:rPr lang="en-US" dirty="0" err="1"/>
+              <a:t>u,l</a:t>
+            </a:r>
+            <a:r>
+              <a:rPr lang="en-US" dirty="0"/>
+              <a:t>) = the unique v such that (</a:t>
+            </a:r>
+            <a:r>
+              <a:rPr lang="en-US" dirty="0" err="1"/>
+              <a:t>u,v,l</a:t>
+            </a:r>
+            <a:r>
+              <a:rPr lang="en-US" dirty="0"/>
+              <a:t>) is in E</a:t>
+            </a:r>
+          </a:p>
+          <a:p>
+            <a:pPr marL="0" indent="0">
+              <a:buNone/>
+            </a:pPr>
+            <a:r>
+              <a:rPr lang="en-US" b="1" dirty="0"/>
+              <a:t>Insight: </a:t>
+            </a:r>
+            <a:r>
+              <a:rPr lang="en-US" dirty="0"/>
+              <a:t>Then (Sigma, Q, delta, s, F) is a DFA for every passage s, set of passages F	</a:t>
+            </a:r>
+            <a:endParaRPr lang="en-US" b="1" dirty="0"/>
+          </a:p>
+        </p:txBody>
+      </p:sp>
+    </p:spTree>
+    <p:extLst>
+      <p:ext uri="{BB962C8B-B14F-4D97-AF65-F5344CB8AC3E}">
+        <p14:creationId xmlns:p14="http://schemas.microsoft.com/office/powerpoint/2010/main" val="1204107338"/>
+      </p:ext>
+    </p:extLst>
+  </p:cSld>
+  <p:clrMapOvr>
+    <a:masterClrMapping/>
+  </p:clrMapOvr>
+</p:sld>
+</file>
+
+<file path=ppt/slides/slide22.xml><?xml version="1.0" encoding="utf-8"?>
+<p:sld xmlns:a="http://schemas.openxmlformats.org/drawingml/2006/main" xmlns:r="http://schemas.openxmlformats.org/officeDocument/2006/relationships" xmlns:p="http://schemas.openxmlformats.org/presentationml/2006/main">
+  <p:cSld>
+    <p:spTree>
+      <p:nvGrpSpPr>
+        <p:cNvPr id="1" name=""/>
+        <p:cNvGrpSpPr/>
+        <p:nvPr/>
+      </p:nvGrpSpPr>
+      <p:grpSpPr>
+        <a:xfrm>
+          <a:off x="0" y="0"/>
+          <a:ext cx="0" cy="0"/>
+          <a:chOff x="0" y="0"/>
+          <a:chExt cx="0" cy="0"/>
+        </a:xfrm>
+      </p:grpSpPr>
+      <p:sp>
+        <p:nvSpPr>
+          <p:cNvPr id="2" name="Title 1">
+            <a:extLst>
+              <a:ext uri="{FF2B5EF4-FFF2-40B4-BE49-F238E27FC236}">
+                <a16:creationId xmlns:a16="http://schemas.microsoft.com/office/drawing/2014/main" id="{B943E4A9-193F-7A41-A2E0-49BCDF50B26F}"/>
+              </a:ext>
+            </a:extLst>
+          </p:cNvPr>
+          <p:cNvSpPr>
+            <a:spLocks noGrp="1"/>
+          </p:cNvSpPr>
+          <p:nvPr>
+            <p:ph type="title"/>
+          </p:nvPr>
+        </p:nvSpPr>
+        <p:spPr/>
+        <p:txBody>
+          <a:bodyPr/>
+          <a:lstStyle/>
+          <a:p>
+            <a:r>
+              <a:rPr lang="en-US" dirty="0"/>
+              <a:t>Pumping Lemma for DFA</a:t>
+            </a:r>
+          </a:p>
+        </p:txBody>
+      </p:sp>
+      <p:sp>
+        <p:nvSpPr>
+          <p:cNvPr id="3" name="Content Placeholder 2">
+            <a:extLst>
+              <a:ext uri="{FF2B5EF4-FFF2-40B4-BE49-F238E27FC236}">
+                <a16:creationId xmlns:a16="http://schemas.microsoft.com/office/drawing/2014/main" id="{58EF6818-3939-366E-BFBD-2D5B21B71D6D}"/>
+              </a:ext>
+            </a:extLst>
+          </p:cNvPr>
+          <p:cNvSpPr>
+            <a:spLocks noGrp="1"/>
+          </p:cNvSpPr>
+          <p:nvPr>
+            <p:ph idx="1"/>
+          </p:nvPr>
+        </p:nvSpPr>
+        <p:spPr>
+          <a:xfrm>
+            <a:off x="1097280" y="1885491"/>
+            <a:ext cx="10058400" cy="4023360"/>
+          </a:xfrm>
+        </p:spPr>
+        <p:txBody>
+          <a:bodyPr/>
+          <a:lstStyle/>
+          <a:p>
+            <a:r>
+              <a:rPr lang="en-US" b="1" dirty="0"/>
+              <a:t>Formally: </a:t>
+            </a:r>
+            <a:r>
+              <a:rPr lang="en-US" dirty="0"/>
+              <a:t>The pumping lemma shows that every DFA behaves like a loop when the string is long enough*:</a:t>
+            </a:r>
+          </a:p>
+          <a:p>
+            <a:r>
+              <a:rPr lang="en-US" dirty="0"/>
+              <a:t>Let </a:t>
+            </a:r>
+            <a:r>
+              <a:rPr lang="en-US" dirty="0" err="1"/>
+              <a:t>dfa</a:t>
+            </a:r>
+            <a:r>
+              <a:rPr lang="en-US" dirty="0"/>
+              <a:t> = (Q, </a:t>
+            </a:r>
+            <a:r>
+              <a:rPr lang="el-GR" dirty="0"/>
+              <a:t>Σ</a:t>
+            </a:r>
+            <a:r>
+              <a:rPr lang="en-US" dirty="0"/>
+              <a:t>, </a:t>
+            </a:r>
+            <a:r>
+              <a:rPr lang="el-GR" dirty="0"/>
+              <a:t>δ</a:t>
+            </a:r>
+            <a:r>
+              <a:rPr lang="en-US" dirty="0"/>
+              <a:t>, q0, F) be a DFA. Then the pumping length is n=|Q|, the number of states. For all strings s of length at least n:</a:t>
+            </a:r>
+          </a:p>
+          <a:p>
+            <a:pPr lvl="1"/>
+            <a:r>
+              <a:rPr lang="en-US" dirty="0"/>
+              <a:t>n can be split into some s1s2s3 where</a:t>
+            </a:r>
+          </a:p>
+          <a:p>
+            <a:pPr lvl="1"/>
+            <a:r>
+              <a:rPr lang="en-US" dirty="0"/>
+              <a:t>s1(s2^k)s3 in L(</a:t>
+            </a:r>
+            <a:r>
+              <a:rPr lang="en-US" dirty="0" err="1"/>
+              <a:t>dfa</a:t>
+            </a:r>
+            <a:r>
+              <a:rPr lang="en-US" dirty="0"/>
+              <a:t>) </a:t>
+            </a:r>
+            <a:r>
+              <a:rPr lang="en-US" dirty="0" err="1"/>
+              <a:t>iff</a:t>
+            </a:r>
+            <a:r>
+              <a:rPr lang="en-US" dirty="0"/>
+              <a:t> s1s2s3 in L(</a:t>
+            </a:r>
+            <a:r>
+              <a:rPr lang="en-US" dirty="0" err="1"/>
+              <a:t>dfa</a:t>
+            </a:r>
+            <a:r>
+              <a:rPr lang="en-US" dirty="0"/>
+              <a:t>) for all natural numbers k</a:t>
+            </a:r>
+          </a:p>
+          <a:p>
+            <a:pPr lvl="1"/>
+            <a:r>
+              <a:rPr lang="en-US" dirty="0"/>
+              <a:t>E.g. s1s3 in L(</a:t>
+            </a:r>
+            <a:r>
+              <a:rPr lang="en-US" dirty="0" err="1"/>
+              <a:t>dfa</a:t>
+            </a:r>
+            <a:r>
+              <a:rPr lang="en-US" dirty="0"/>
+              <a:t>) and s1s2s3 in L(</a:t>
+            </a:r>
+            <a:r>
+              <a:rPr lang="en-US" dirty="0" err="1"/>
+              <a:t>dfa</a:t>
+            </a:r>
+            <a:r>
+              <a:rPr lang="en-US" dirty="0"/>
+              <a:t>)</a:t>
+            </a:r>
+          </a:p>
+          <a:p>
+            <a:r>
+              <a:rPr lang="en-US" b="1" dirty="0"/>
+              <a:t>What does this mean for Twine???</a:t>
+            </a:r>
+          </a:p>
+          <a:p>
+            <a:pPr marL="201168" lvl="1" indent="0">
+              <a:buNone/>
+            </a:pPr>
+            <a:endParaRPr lang="en-US" dirty="0"/>
+          </a:p>
+        </p:txBody>
+      </p:sp>
+      <p:sp>
+        <p:nvSpPr>
+          <p:cNvPr id="4" name="Slide Number Placeholder 3">
+            <a:extLst>
+              <a:ext uri="{FF2B5EF4-FFF2-40B4-BE49-F238E27FC236}">
+                <a16:creationId xmlns:a16="http://schemas.microsoft.com/office/drawing/2014/main" id="{5426A87A-8914-79BE-0032-1EFF03D96FA4}"/>
+              </a:ext>
+            </a:extLst>
+          </p:cNvPr>
+          <p:cNvSpPr>
+            <a:spLocks noGrp="1"/>
+          </p:cNvSpPr>
+          <p:nvPr>
+            <p:ph type="sldNum" sz="quarter" idx="12"/>
+          </p:nvPr>
+        </p:nvSpPr>
+        <p:spPr/>
+        <p:txBody>
+          <a:bodyPr/>
+          <a:lstStyle/>
+          <a:p>
+            <a:fld id="{9BF27F29-4B64-4A24-936A-FF41C34C242B}" type="slidenum">
+              <a:rPr lang="en-US" smtClean="0"/>
+              <a:t>22</a:t>
+            </a:fld>
+            <a:endParaRPr lang="en-US"/>
+          </a:p>
+        </p:txBody>
+      </p:sp>
+    </p:spTree>
+    <p:extLst>
+      <p:ext uri="{BB962C8B-B14F-4D97-AF65-F5344CB8AC3E}">
+        <p14:creationId xmlns:p14="http://schemas.microsoft.com/office/powerpoint/2010/main" val="2790999673"/>
+      </p:ext>
+    </p:extLst>
+  </p:cSld>
+  <p:clrMapOvr>
+    <a:masterClrMapping/>
+  </p:clrMapOvr>
+</p:sld>
+</file>
+
+<file path=ppt/slides/slide23.xml><?xml version="1.0" encoding="utf-8"?>
+<p:sld xmlns:a="http://schemas.openxmlformats.org/drawingml/2006/main" xmlns:r="http://schemas.openxmlformats.org/officeDocument/2006/relationships" xmlns:p="http://schemas.openxmlformats.org/presentationml/2006/main">
+  <p:cSld>
+    <p:spTree>
+      <p:nvGrpSpPr>
+        <p:cNvPr id="1" name=""/>
+        <p:cNvGrpSpPr/>
+        <p:nvPr/>
+      </p:nvGrpSpPr>
+      <p:grpSpPr>
+        <a:xfrm>
+          <a:off x="0" y="0"/>
+          <a:ext cx="0" cy="0"/>
+          <a:chOff x="0" y="0"/>
+          <a:chExt cx="0" cy="0"/>
+        </a:xfrm>
+      </p:grpSpPr>
+      <p:sp>
+        <p:nvSpPr>
+          <p:cNvPr id="2" name="Title 1">
+            <a:extLst>
+              <a:ext uri="{FF2B5EF4-FFF2-40B4-BE49-F238E27FC236}">
+                <a16:creationId xmlns:a16="http://schemas.microsoft.com/office/drawing/2014/main" id="{8A221EDF-DFA4-DD9B-F324-A1252B1F34BA}"/>
+              </a:ext>
+            </a:extLst>
+          </p:cNvPr>
+          <p:cNvSpPr>
+            <a:spLocks noGrp="1"/>
+          </p:cNvSpPr>
+          <p:nvPr>
+            <p:ph type="title"/>
+          </p:nvPr>
+        </p:nvSpPr>
+        <p:spPr/>
+        <p:txBody>
+          <a:bodyPr/>
+          <a:lstStyle/>
+          <a:p>
+            <a:r>
+              <a:rPr lang="en-US" dirty="0"/>
+              <a:t>Twine Theorems</a:t>
+            </a:r>
+          </a:p>
+        </p:txBody>
+      </p:sp>
+      <p:sp>
+        <p:nvSpPr>
+          <p:cNvPr id="3" name="Content Placeholder 2">
+            <a:extLst>
+              <a:ext uri="{FF2B5EF4-FFF2-40B4-BE49-F238E27FC236}">
+                <a16:creationId xmlns:a16="http://schemas.microsoft.com/office/drawing/2014/main" id="{DB52A34A-A38C-E575-5199-4A075B5FB7D0}"/>
+              </a:ext>
+            </a:extLst>
+          </p:cNvPr>
+          <p:cNvSpPr>
+            <a:spLocks noGrp="1"/>
+          </p:cNvSpPr>
+          <p:nvPr>
+            <p:ph idx="1"/>
+          </p:nvPr>
+        </p:nvSpPr>
+        <p:spPr/>
+        <p:txBody>
+          <a:bodyPr>
+            <a:normAutofit fontScale="85000" lnSpcReduction="10000"/>
+          </a:bodyPr>
+          <a:lstStyle/>
+          <a:p>
+            <a:r>
+              <a:rPr lang="en-US" b="1" dirty="0"/>
+              <a:t>Theorem </a:t>
+            </a:r>
+            <a:r>
+              <a:rPr lang="en-US" dirty="0"/>
+              <a:t>[Regularity] Let </a:t>
+            </a:r>
+            <a:r>
+              <a:rPr lang="en-US" i="1" dirty="0"/>
+              <a:t>m</a:t>
+            </a:r>
+            <a:r>
+              <a:rPr lang="en-US" dirty="0"/>
+              <a:t> be a Twine game. The set of winning plays of </a:t>
+            </a:r>
+            <a:r>
+              <a:rPr lang="en-US" i="1" dirty="0"/>
+              <a:t>m</a:t>
+            </a:r>
+            <a:r>
+              <a:rPr lang="en-US" dirty="0"/>
+              <a:t> is a regular language.</a:t>
+            </a:r>
+            <a:br>
+              <a:rPr lang="en-US" dirty="0"/>
+            </a:br>
+            <a:r>
+              <a:rPr lang="en-US" i="1" dirty="0"/>
+              <a:t>Proof:</a:t>
+            </a:r>
+            <a:r>
+              <a:rPr lang="en-US" dirty="0"/>
+              <a:t> By definition of regularity and translation of Twine &lt;-&gt; DFA correspondence.</a:t>
+            </a:r>
+            <a:endParaRPr lang="en-US" i="1" dirty="0"/>
+          </a:p>
+          <a:p>
+            <a:r>
+              <a:rPr lang="en-US" b="1" dirty="0"/>
+              <a:t>Theorem </a:t>
+            </a:r>
+            <a:r>
+              <a:rPr lang="en-US" dirty="0"/>
+              <a:t>[Bounding Shortest Winning Play] Let </a:t>
+            </a:r>
+            <a:r>
+              <a:rPr lang="en-US" i="1" dirty="0"/>
+              <a:t>m </a:t>
+            </a:r>
+            <a:r>
+              <a:rPr lang="en-US" dirty="0"/>
+              <a:t>be a (winnable) Twine game containing </a:t>
+            </a:r>
+            <a:r>
+              <a:rPr lang="en-US" i="1" dirty="0"/>
+              <a:t>k</a:t>
+            </a:r>
+            <a:r>
+              <a:rPr lang="en-US" dirty="0"/>
+              <a:t> prompts. Then the game can be won in at most k steps of play.</a:t>
+            </a:r>
+          </a:p>
+          <a:p>
+            <a:r>
+              <a:rPr lang="en-US" i="1" dirty="0"/>
+              <a:t>Proof: </a:t>
+            </a:r>
+            <a:r>
+              <a:rPr lang="en-US" dirty="0"/>
+              <a:t>Given a play longer than </a:t>
+            </a:r>
+            <a:r>
+              <a:rPr lang="en-US" i="1" dirty="0"/>
+              <a:t>k</a:t>
+            </a:r>
+            <a:r>
+              <a:rPr lang="en-US" dirty="0"/>
+              <a:t>, a cycle exists by the pumping lemma. That cycle can be removed without affecting result.</a:t>
+            </a:r>
+          </a:p>
+          <a:p>
+            <a:r>
+              <a:rPr lang="en-US" b="1" dirty="0"/>
+              <a:t>Theorem </a:t>
+            </a:r>
+            <a:r>
+              <a:rPr lang="en-US" dirty="0"/>
+              <a:t>[Unbounding Longest Winning Play] Let </a:t>
+            </a:r>
+            <a:r>
+              <a:rPr lang="en-US" i="1" dirty="0"/>
+              <a:t>m</a:t>
+            </a:r>
+            <a:r>
+              <a:rPr lang="en-US" dirty="0"/>
+              <a:t> be a (winnable) Twine game containing </a:t>
+            </a:r>
+            <a:r>
+              <a:rPr lang="en-US" i="1" dirty="0"/>
+              <a:t>k</a:t>
+            </a:r>
+            <a:r>
+              <a:rPr lang="en-US" dirty="0"/>
+              <a:t> prompts. If any winning play contains a cycle (e.g. if it is length </a:t>
+            </a:r>
+            <a:r>
+              <a:rPr lang="en-US" i="1" dirty="0"/>
+              <a:t>k</a:t>
+            </a:r>
+            <a:r>
+              <a:rPr lang="en-US" dirty="0"/>
+              <a:t>), then there exist arbitrarily long winning plays.</a:t>
+            </a:r>
+          </a:p>
+          <a:p>
+            <a:r>
+              <a:rPr lang="en-US" i="1" dirty="0"/>
+              <a:t>Proof: </a:t>
+            </a:r>
+            <a:r>
+              <a:rPr lang="en-US" dirty="0"/>
+              <a:t>By the pumping lemma, the cycle can be repeated</a:t>
+            </a:r>
+            <a:endParaRPr lang="en-US" i="1" dirty="0"/>
+          </a:p>
+        </p:txBody>
+      </p:sp>
+      <p:sp>
+        <p:nvSpPr>
+          <p:cNvPr id="4" name="Slide Number Placeholder 3">
+            <a:extLst>
+              <a:ext uri="{FF2B5EF4-FFF2-40B4-BE49-F238E27FC236}">
+                <a16:creationId xmlns:a16="http://schemas.microsoft.com/office/drawing/2014/main" id="{F8AA3407-727F-DB2E-2A69-5569FDDE927E}"/>
+              </a:ext>
+            </a:extLst>
+          </p:cNvPr>
+          <p:cNvSpPr>
+            <a:spLocks noGrp="1"/>
+          </p:cNvSpPr>
+          <p:nvPr>
+            <p:ph type="sldNum" sz="quarter" idx="12"/>
+          </p:nvPr>
+        </p:nvSpPr>
+        <p:spPr/>
+        <p:txBody>
+          <a:bodyPr/>
+          <a:lstStyle/>
+          <a:p>
+            <a:fld id="{9BF27F29-4B64-4A24-936A-FF41C34C242B}" type="slidenum">
+              <a:rPr lang="en-US" smtClean="0"/>
+              <a:t>23</a:t>
+            </a:fld>
+            <a:endParaRPr lang="en-US"/>
+          </a:p>
+        </p:txBody>
+      </p:sp>
+    </p:spTree>
+    <p:extLst>
+      <p:ext uri="{BB962C8B-B14F-4D97-AF65-F5344CB8AC3E}">
+        <p14:creationId xmlns:p14="http://schemas.microsoft.com/office/powerpoint/2010/main" val="145195028"/>
+      </p:ext>
+    </p:extLst>
+  </p:cSld>
+  <p:clrMapOvr>
+    <a:masterClrMapping/>
+  </p:clrMapOvr>
+</p:sld>
+</file>
+
+<file path=ppt/slides/slide24.xml><?xml version="1.0" encoding="utf-8"?>
+<p:sld xmlns:a="http://schemas.openxmlformats.org/drawingml/2006/main" xmlns:r="http://schemas.openxmlformats.org/officeDocument/2006/relationships" xmlns:p="http://schemas.openxmlformats.org/presentationml/2006/main">
+  <p:cSld>
+    <p:spTree>
+      <p:nvGrpSpPr>
+        <p:cNvPr id="1" name=""/>
+        <p:cNvGrpSpPr/>
+        <p:nvPr/>
+      </p:nvGrpSpPr>
+      <p:grpSpPr>
+        <a:xfrm>
+          <a:off x="0" y="0"/>
+          <a:ext cx="0" cy="0"/>
+          <a:chOff x="0" y="0"/>
+          <a:chExt cx="0" cy="0"/>
+        </a:xfrm>
+      </p:grpSpPr>
+      <p:sp>
+        <p:nvSpPr>
+          <p:cNvPr id="2" name="Title 1">
+            <a:extLst>
+              <a:ext uri="{FF2B5EF4-FFF2-40B4-BE49-F238E27FC236}">
+                <a16:creationId xmlns:a16="http://schemas.microsoft.com/office/drawing/2014/main" id="{F36C33BA-A556-449B-95D3-45F433C22810}"/>
+              </a:ext>
+            </a:extLst>
+          </p:cNvPr>
+          <p:cNvSpPr>
+            <a:spLocks noGrp="1"/>
+          </p:cNvSpPr>
+          <p:nvPr>
+            <p:ph type="title"/>
+          </p:nvPr>
+        </p:nvSpPr>
+        <p:spPr/>
+        <p:txBody>
+          <a:bodyPr/>
+          <a:lstStyle/>
+          <a:p>
+            <a:r>
+              <a:rPr lang="en-US" dirty="0"/>
+              <a:t>Section 5: Conclusion</a:t>
+            </a:r>
+          </a:p>
+        </p:txBody>
+      </p:sp>
+      <p:sp>
+        <p:nvSpPr>
+          <p:cNvPr id="3" name="Content Placeholder 2">
+            <a:extLst>
+              <a:ext uri="{FF2B5EF4-FFF2-40B4-BE49-F238E27FC236}">
+                <a16:creationId xmlns:a16="http://schemas.microsoft.com/office/drawing/2014/main" id="{DB4FF299-CDB3-B6D1-CD20-FBBE393539B7}"/>
+              </a:ext>
+            </a:extLst>
+          </p:cNvPr>
+          <p:cNvSpPr>
+            <a:spLocks noGrp="1"/>
+          </p:cNvSpPr>
+          <p:nvPr>
+            <p:ph idx="1"/>
+          </p:nvPr>
+        </p:nvSpPr>
+        <p:spPr/>
+        <p:txBody>
+          <a:bodyPr/>
+          <a:lstStyle/>
+          <a:p>
+            <a:endParaRPr lang="en-US"/>
+          </a:p>
+        </p:txBody>
+      </p:sp>
+    </p:spTree>
+    <p:extLst>
+      <p:ext uri="{BB962C8B-B14F-4D97-AF65-F5344CB8AC3E}">
+        <p14:creationId xmlns:p14="http://schemas.microsoft.com/office/powerpoint/2010/main" val="3096905813"/>
+      </p:ext>
+    </p:extLst>
+  </p:cSld>
+  <p:clrMapOvr>
+    <a:masterClrMapping/>
+  </p:clrMapOvr>
+</p:sld>
+</file>
+
+<file path=ppt/slides/slide25.xml><?xml version="1.0" encoding="utf-8"?>
+<p:sld xmlns:a="http://schemas.openxmlformats.org/drawingml/2006/main" xmlns:r="http://schemas.openxmlformats.org/officeDocument/2006/relationships" xmlns:p="http://schemas.openxmlformats.org/presentationml/2006/main">
+  <p:cSld>
+    <p:spTree>
+      <p:nvGrpSpPr>
+        <p:cNvPr id="1" name=""/>
+        <p:cNvGrpSpPr/>
+        <p:nvPr/>
+      </p:nvGrpSpPr>
+      <p:grpSpPr>
+        <a:xfrm>
+          <a:off x="0" y="0"/>
+          <a:ext cx="0" cy="0"/>
+          <a:chOff x="0" y="0"/>
+          <a:chExt cx="0" cy="0"/>
+        </a:xfrm>
+      </p:grpSpPr>
+      <p:sp>
+        <p:nvSpPr>
+          <p:cNvPr id="2" name="Title 1">
+            <a:extLst>
+              <a:ext uri="{FF2B5EF4-FFF2-40B4-BE49-F238E27FC236}">
+                <a16:creationId xmlns:a16="http://schemas.microsoft.com/office/drawing/2014/main" id="{D024CB51-856C-F9F0-16D0-4B35DCED23A8}"/>
+              </a:ext>
+            </a:extLst>
+          </p:cNvPr>
+          <p:cNvSpPr>
+            <a:spLocks noGrp="1"/>
+          </p:cNvSpPr>
+          <p:nvPr>
+            <p:ph type="title"/>
+          </p:nvPr>
+        </p:nvSpPr>
+        <p:spPr/>
+        <p:txBody>
+          <a:bodyPr/>
+          <a:lstStyle/>
+          <a:p>
+            <a:r>
+              <a:rPr lang="en-US" dirty="0"/>
+              <a:t>Conclusion</a:t>
+            </a:r>
+          </a:p>
+        </p:txBody>
+      </p:sp>
+      <p:sp>
+        <p:nvSpPr>
+          <p:cNvPr id="3" name="Content Placeholder 2">
+            <a:extLst>
+              <a:ext uri="{FF2B5EF4-FFF2-40B4-BE49-F238E27FC236}">
+                <a16:creationId xmlns:a16="http://schemas.microsoft.com/office/drawing/2014/main" id="{9CC54AD1-54A4-B826-FD6B-BFDBAAE17ECF}"/>
+              </a:ext>
+            </a:extLst>
+          </p:cNvPr>
+          <p:cNvSpPr>
+            <a:spLocks noGrp="1"/>
+          </p:cNvSpPr>
+          <p:nvPr>
+            <p:ph idx="1"/>
+          </p:nvPr>
+        </p:nvSpPr>
+        <p:spPr/>
+        <p:txBody>
+          <a:bodyPr>
+            <a:normAutofit lnSpcReduction="10000"/>
+          </a:bodyPr>
+          <a:lstStyle/>
+          <a:p>
+            <a:r>
+              <a:rPr lang="en-US" dirty="0"/>
+              <a:t>Case studies serve an irreplaceable pedagogical role when used for foundations of design</a:t>
+            </a:r>
+          </a:p>
+          <a:p>
+            <a:r>
+              <a:rPr lang="en-US" dirty="0"/>
+              <a:t>This work is in large part an invitation to give design a critical role in PL curriculum</a:t>
+            </a:r>
+          </a:p>
+          <a:p>
+            <a:r>
+              <a:rPr lang="en-US" dirty="0"/>
+              <a:t>This </a:t>
+            </a:r>
+            <a:r>
+              <a:rPr lang="en-US" b="1" dirty="0"/>
+              <a:t>interdisciplinary</a:t>
+            </a:r>
+            <a:r>
+              <a:rPr lang="en-US" dirty="0"/>
+              <a:t> pedagogy is ambitious and thus needs several forms of support</a:t>
+            </a:r>
+          </a:p>
+          <a:p>
+            <a:pPr lvl="1"/>
+            <a:r>
+              <a:rPr lang="en-US" dirty="0"/>
+              <a:t>Using fictional characters (archetypes) to contextualize competing disciplinary views</a:t>
+            </a:r>
+            <a:endParaRPr lang="en-US" b="1" dirty="0"/>
+          </a:p>
+          <a:p>
+            <a:pPr lvl="1"/>
+            <a:r>
+              <a:rPr lang="en-US" dirty="0"/>
+              <a:t>Grading schemes blending </a:t>
+            </a:r>
+            <a:r>
+              <a:rPr lang="en-US" dirty="0" err="1"/>
+              <a:t>autograded</a:t>
+            </a:r>
+            <a:r>
+              <a:rPr lang="en-US" dirty="0"/>
+              <a:t> coding and participation-graded user study design</a:t>
+            </a:r>
+          </a:p>
+          <a:p>
+            <a:r>
+              <a:rPr lang="en-US" b="1" dirty="0"/>
+              <a:t>Future work:</a:t>
+            </a:r>
+            <a:endParaRPr lang="en-US" dirty="0"/>
+          </a:p>
+          <a:p>
+            <a:pPr lvl="1"/>
+            <a:r>
+              <a:rPr lang="en-US" dirty="0"/>
+              <a:t>Finding a publisher</a:t>
+            </a:r>
+          </a:p>
+          <a:p>
+            <a:pPr lvl="1"/>
+            <a:r>
+              <a:rPr lang="en-US" dirty="0"/>
+              <a:t>Supporting </a:t>
+            </a:r>
+            <a:r>
+              <a:rPr lang="en-US" b="1" dirty="0"/>
+              <a:t>you</a:t>
+            </a:r>
+            <a:r>
+              <a:rPr lang="en-US" dirty="0"/>
+              <a:t> in using this material</a:t>
+            </a:r>
+          </a:p>
+        </p:txBody>
+      </p:sp>
+    </p:spTree>
+    <p:extLst>
+      <p:ext uri="{BB962C8B-B14F-4D97-AF65-F5344CB8AC3E}">
+        <p14:creationId xmlns:p14="http://schemas.microsoft.com/office/powerpoint/2010/main" val="1611240373"/>
+      </p:ext>
+    </p:extLst>
+  </p:cSld>
+  <p:clrMapOvr>
+    <a:masterClrMapping/>
+  </p:clrMapOvr>
+</p:sld>
+</file>
+
+<file path=ppt/slides/slide26.xml><?xml version="1.0" encoding="utf-8"?>
+<p:sld xmlns:a="http://schemas.openxmlformats.org/drawingml/2006/main" xmlns:r="http://schemas.openxmlformats.org/officeDocument/2006/relationships" xmlns:p="http://schemas.openxmlformats.org/presentationml/2006/main">
+  <p:cSld>
+    <p:spTree>
+      <p:nvGrpSpPr>
+        <p:cNvPr id="1" name=""/>
+        <p:cNvGrpSpPr/>
+        <p:nvPr/>
+      </p:nvGrpSpPr>
+      <p:grpSpPr>
+        <a:xfrm>
+          <a:off x="0" y="0"/>
+          <a:ext cx="0" cy="0"/>
+          <a:chOff x="0" y="0"/>
+          <a:chExt cx="0" cy="0"/>
+        </a:xfrm>
+      </p:grpSpPr>
+      <p:sp>
+        <p:nvSpPr>
+          <p:cNvPr id="2" name="Title 1">
+            <a:extLst>
+              <a:ext uri="{FF2B5EF4-FFF2-40B4-BE49-F238E27FC236}">
+                <a16:creationId xmlns:a16="http://schemas.microsoft.com/office/drawing/2014/main" id="{EC77AF03-DBBA-9D78-6E0D-D6089986C051}"/>
+              </a:ext>
+            </a:extLst>
+          </p:cNvPr>
+          <p:cNvSpPr>
+            <a:spLocks noGrp="1"/>
+          </p:cNvSpPr>
+          <p:nvPr>
+            <p:ph type="title"/>
+          </p:nvPr>
+        </p:nvSpPr>
+        <p:spPr/>
+        <p:txBody>
+          <a:bodyPr/>
+          <a:lstStyle/>
+          <a:p>
+            <a:r>
+              <a:rPr lang="en-US" dirty="0"/>
+              <a:t>EXTRAS</a:t>
+            </a:r>
+          </a:p>
+        </p:txBody>
+      </p:sp>
+      <p:sp>
+        <p:nvSpPr>
+          <p:cNvPr id="3" name="Content Placeholder 2">
+            <a:extLst>
+              <a:ext uri="{FF2B5EF4-FFF2-40B4-BE49-F238E27FC236}">
+                <a16:creationId xmlns:a16="http://schemas.microsoft.com/office/drawing/2014/main" id="{E6D83A26-97D8-170D-1750-F1FD1D9D223C}"/>
+              </a:ext>
+            </a:extLst>
+          </p:cNvPr>
+          <p:cNvSpPr>
+            <a:spLocks noGrp="1"/>
+          </p:cNvSpPr>
+          <p:nvPr>
+            <p:ph idx="1"/>
+          </p:nvPr>
+        </p:nvSpPr>
+        <p:spPr/>
+        <p:txBody>
+          <a:bodyPr/>
+          <a:lstStyle/>
+          <a:p>
+            <a:endParaRPr lang="en-US"/>
+          </a:p>
+        </p:txBody>
+      </p:sp>
+    </p:spTree>
+    <p:extLst>
+      <p:ext uri="{BB962C8B-B14F-4D97-AF65-F5344CB8AC3E}">
+        <p14:creationId xmlns:p14="http://schemas.microsoft.com/office/powerpoint/2010/main" val="1025436121"/>
+      </p:ext>
+    </p:extLst>
+  </p:cSld>
+  <p:clrMapOvr>
+    <a:masterClrMapping/>
+  </p:clrMapOvr>
+</p:sld>
+</file>
+
+<file path=ppt/slides/slide27.xml><?xml version="1.0" encoding="utf-8"?>
+<p:sld xmlns:a="http://schemas.openxmlformats.org/drawingml/2006/main" xmlns:r="http://schemas.openxmlformats.org/officeDocument/2006/relationships" xmlns:p="http://schemas.openxmlformats.org/presentationml/2006/main">
+  <p:cSld>
+    <p:spTree>
+      <p:nvGrpSpPr>
+        <p:cNvPr id="1" name=""/>
+        <p:cNvGrpSpPr/>
+        <p:nvPr/>
+      </p:nvGrpSpPr>
+      <p:grpSpPr>
+        <a:xfrm>
+          <a:off x="0" y="0"/>
+          <a:ext cx="0" cy="0"/>
+          <a:chOff x="0" y="0"/>
+          <a:chExt cx="0" cy="0"/>
+        </a:xfrm>
+      </p:grpSpPr>
+      <p:sp>
+        <p:nvSpPr>
+          <p:cNvPr id="2" name="Title 1">
+            <a:extLst>
+              <a:ext uri="{FF2B5EF4-FFF2-40B4-BE49-F238E27FC236}">
+                <a16:creationId xmlns:a16="http://schemas.microsoft.com/office/drawing/2014/main" id="{4FF14451-5118-5C52-59FB-2E9E76398524}"/>
+              </a:ext>
+            </a:extLst>
+          </p:cNvPr>
+          <p:cNvSpPr>
+            <a:spLocks noGrp="1"/>
+          </p:cNvSpPr>
+          <p:nvPr>
+            <p:ph type="title"/>
+          </p:nvPr>
+        </p:nvSpPr>
+        <p:spPr/>
+        <p:txBody>
+          <a:bodyPr/>
+          <a:lstStyle/>
+          <a:p>
+            <a:r>
+              <a:rPr lang="en-US" dirty="0"/>
+              <a:t>Rest of lesson</a:t>
+            </a:r>
+          </a:p>
+        </p:txBody>
+      </p:sp>
+      <p:sp>
+        <p:nvSpPr>
+          <p:cNvPr id="3" name="Content Placeholder 2">
+            <a:extLst>
+              <a:ext uri="{FF2B5EF4-FFF2-40B4-BE49-F238E27FC236}">
+                <a16:creationId xmlns:a16="http://schemas.microsoft.com/office/drawing/2014/main" id="{8C5D1535-991F-CB89-D37D-1AFBFB430BD2}"/>
+              </a:ext>
+            </a:extLst>
+          </p:cNvPr>
+          <p:cNvSpPr>
+            <a:spLocks noGrp="1"/>
+          </p:cNvSpPr>
+          <p:nvPr>
+            <p:ph idx="1"/>
+          </p:nvPr>
+        </p:nvSpPr>
+        <p:spPr>
+          <a:xfrm>
+            <a:off x="1451579" y="2015732"/>
+            <a:ext cx="10039381" cy="4037749"/>
+          </a:xfrm>
+        </p:spPr>
+        <p:txBody>
+          <a:bodyPr>
+            <a:normAutofit/>
+          </a:bodyPr>
+          <a:lstStyle/>
+          <a:p>
+            <a:r>
+              <a:rPr lang="en-US" dirty="0"/>
+              <a:t>To complete the exploration of visibility, we do a hands-on exploration of the idea that the same syntax might be perceived differently by two different groups, and that requiring a separate accessible syntax would violate autonomy of visibility</a:t>
+            </a:r>
+          </a:p>
+          <a:p>
+            <a:endParaRPr lang="en-US" dirty="0"/>
+          </a:p>
+          <a:p>
+            <a:endParaRPr lang="en-US" dirty="0"/>
+          </a:p>
+          <a:p>
+            <a:endParaRPr lang="en-US" dirty="0"/>
+          </a:p>
+          <a:p>
+            <a:r>
+              <a:rPr lang="en-US" b="1" dirty="0"/>
+              <a:t>Motivations matter:</a:t>
+            </a:r>
+          </a:p>
+          <a:p>
+            <a:pPr lvl="1"/>
+            <a:r>
+              <a:rPr lang="en-US" dirty="0"/>
+              <a:t>Motivations based on empathy-building tend to backfire, heavily criticized</a:t>
+            </a:r>
+          </a:p>
+          <a:p>
+            <a:pPr lvl="1"/>
+            <a:r>
+              <a:rPr lang="en-US" dirty="0"/>
+              <a:t>Emphasize factual knowledge and design implications (e.g. should recruit disabled test users!)</a:t>
+            </a:r>
+          </a:p>
+        </p:txBody>
+      </p:sp>
+      <p:pic>
+        <p:nvPicPr>
+          <p:cNvPr id="5" name="Picture 4">
+            <a:extLst>
+              <a:ext uri="{FF2B5EF4-FFF2-40B4-BE49-F238E27FC236}">
+                <a16:creationId xmlns:a16="http://schemas.microsoft.com/office/drawing/2014/main" id="{403BEEF4-C333-CDA4-FE7E-804674A6F7FE}"/>
+              </a:ext>
+            </a:extLst>
+          </p:cNvPr>
+          <p:cNvPicPr>
+            <a:picLocks noChangeAspect="1"/>
+          </p:cNvPicPr>
+          <p:nvPr/>
+        </p:nvPicPr>
+        <p:blipFill>
+          <a:blip r:embed="rId2"/>
+          <a:stretch>
+            <a:fillRect/>
+          </a:stretch>
+        </p:blipFill>
+        <p:spPr>
+          <a:xfrm>
+            <a:off x="4144577" y="3211796"/>
+            <a:ext cx="3678623" cy="1834857"/>
+          </a:xfrm>
+          <a:prstGeom prst="rect">
+            <a:avLst/>
+          </a:prstGeom>
+        </p:spPr>
+      </p:pic>
+    </p:spTree>
+    <p:extLst>
+      <p:ext uri="{BB962C8B-B14F-4D97-AF65-F5344CB8AC3E}">
+        <p14:creationId xmlns:p14="http://schemas.microsoft.com/office/powerpoint/2010/main" val="2274262333"/>
+      </p:ext>
+    </p:extLst>
+  </p:cSld>
+  <p:clrMapOvr>
+    <a:masterClrMapping/>
+  </p:clrMapOvr>
+</p:sld>
+</file>
+
+<file path=ppt/slides/slide28.xml><?xml version="1.0" encoding="utf-8"?>
+<p:sld xmlns:a="http://schemas.openxmlformats.org/drawingml/2006/main" xmlns:r="http://schemas.openxmlformats.org/officeDocument/2006/relationships" xmlns:p="http://schemas.openxmlformats.org/presentationml/2006/main">
+  <p:cSld>
+    <p:spTree>
+      <p:nvGrpSpPr>
+        <p:cNvPr id="1" name=""/>
+        <p:cNvGrpSpPr/>
+        <p:nvPr/>
+      </p:nvGrpSpPr>
+      <p:grpSpPr>
+        <a:xfrm>
+          <a:off x="0" y="0"/>
+          <a:ext cx="0" cy="0"/>
+          <a:chOff x="0" y="0"/>
+          <a:chExt cx="0" cy="0"/>
+        </a:xfrm>
+      </p:grpSpPr>
+      <p:sp>
+        <p:nvSpPr>
+          <p:cNvPr id="2" name="Title 1">
+            <a:extLst>
+              <a:ext uri="{FF2B5EF4-FFF2-40B4-BE49-F238E27FC236}">
+                <a16:creationId xmlns:a16="http://schemas.microsoft.com/office/drawing/2014/main" id="{B58C6C16-6B54-3C7C-8213-E073D76C5AD1}"/>
+              </a:ext>
+            </a:extLst>
+          </p:cNvPr>
+          <p:cNvSpPr>
+            <a:spLocks noGrp="1"/>
+          </p:cNvSpPr>
+          <p:nvPr>
+            <p:ph type="title"/>
+          </p:nvPr>
+        </p:nvSpPr>
+        <p:spPr/>
+        <p:txBody>
+          <a:bodyPr/>
+          <a:lstStyle/>
+          <a:p>
+            <a:r>
+              <a:rPr lang="en-US" dirty="0"/>
+              <a:t>Influence on user study design</a:t>
+            </a:r>
+          </a:p>
+        </p:txBody>
+      </p:sp>
+      <p:sp>
+        <p:nvSpPr>
+          <p:cNvPr id="3" name="Content Placeholder 2">
+            <a:extLst>
+              <a:ext uri="{FF2B5EF4-FFF2-40B4-BE49-F238E27FC236}">
+                <a16:creationId xmlns:a16="http://schemas.microsoft.com/office/drawing/2014/main" id="{13875CC2-5A29-FFC1-AE4F-4E5762338AA9}"/>
+              </a:ext>
+            </a:extLst>
+          </p:cNvPr>
+          <p:cNvSpPr>
+            <a:spLocks noGrp="1"/>
+          </p:cNvSpPr>
+          <p:nvPr>
+            <p:ph idx="1"/>
+          </p:nvPr>
+        </p:nvSpPr>
+        <p:spPr/>
+        <p:txBody>
+          <a:bodyPr/>
+          <a:lstStyle/>
+          <a:p>
+            <a:r>
+              <a:rPr lang="en-US" dirty="0"/>
+              <a:t>The design and execution of PL usability studies are major connecting themes in HCPL</a:t>
+            </a:r>
+          </a:p>
+          <a:p>
+            <a:r>
+              <a:rPr lang="en-US" dirty="0"/>
+              <a:t>A PL design will only be as good as its usability study</a:t>
+            </a:r>
+          </a:p>
+          <a:p>
+            <a:r>
+              <a:rPr lang="en-US" dirty="0"/>
+              <a:t>Disability studies theory sets the foundation for a good usability study</a:t>
+            </a:r>
+          </a:p>
+          <a:p>
+            <a:pPr lvl="1"/>
+            <a:r>
+              <a:rPr lang="en-US" dirty="0"/>
+              <a:t>Through theory, identify </a:t>
+            </a:r>
+            <a:r>
+              <a:rPr lang="en-US" b="1" dirty="0"/>
+              <a:t>social integration</a:t>
+            </a:r>
+            <a:r>
+              <a:rPr lang="en-US" dirty="0"/>
+              <a:t> and </a:t>
+            </a:r>
+            <a:r>
+              <a:rPr lang="en-US" b="1" dirty="0"/>
+              <a:t>collaboration across the spectrum</a:t>
+            </a:r>
+            <a:r>
+              <a:rPr lang="en-US" dirty="0"/>
+              <a:t> as key aspects of usability </a:t>
+            </a:r>
+            <a:r>
+              <a:rPr lang="en-US" b="1" dirty="0"/>
+              <a:t>within this specific use context</a:t>
+            </a:r>
+            <a:endParaRPr lang="en-US" dirty="0"/>
+          </a:p>
+          <a:p>
+            <a:pPr lvl="1"/>
+            <a:r>
+              <a:rPr lang="en-US" dirty="0"/>
+              <a:t>Quantitative methods are likely to struggle with measuring nuance of children’s social behavior</a:t>
+            </a:r>
+          </a:p>
+          <a:p>
+            <a:pPr lvl="1"/>
+            <a:r>
+              <a:rPr lang="en-US" dirty="0"/>
+              <a:t>Qualitative analysis of behavior in collaborative study was selected as method</a:t>
+            </a:r>
+          </a:p>
+          <a:p>
+            <a:r>
+              <a:rPr lang="en-US" b="1" dirty="0"/>
+              <a:t>Takeaway:</a:t>
+            </a:r>
+            <a:r>
+              <a:rPr lang="en-US" dirty="0"/>
+              <a:t> If you want to build a good PL, read relevant social theories!</a:t>
+            </a:r>
+            <a:endParaRPr lang="en-US" b="1" dirty="0"/>
+          </a:p>
+        </p:txBody>
+      </p:sp>
+    </p:spTree>
+    <p:extLst>
+      <p:ext uri="{BB962C8B-B14F-4D97-AF65-F5344CB8AC3E}">
+        <p14:creationId xmlns:p14="http://schemas.microsoft.com/office/powerpoint/2010/main" val="3721011218"/>
+      </p:ext>
+    </p:extLst>
+  </p:cSld>
+  <p:clrMapOvr>
+    <a:masterClrMapping/>
+  </p:clrMapOvr>
+</p:sld>
+</file>
+
+<file path=ppt/slides/slide29.xml><?xml version="1.0" encoding="utf-8"?>
+<p:sld xmlns:a="http://schemas.openxmlformats.org/drawingml/2006/main" xmlns:r="http://schemas.openxmlformats.org/officeDocument/2006/relationships" xmlns:p="http://schemas.openxmlformats.org/presentationml/2006/main">
+  <p:cSld>
+    <p:spTree>
+      <p:nvGrpSpPr>
+        <p:cNvPr id="1" name=""/>
+        <p:cNvGrpSpPr/>
+        <p:nvPr/>
+      </p:nvGrpSpPr>
+      <p:grpSpPr>
+        <a:xfrm>
+          <a:off x="0" y="0"/>
+          <a:ext cx="0" cy="0"/>
+          <a:chOff x="0" y="0"/>
+          <a:chExt cx="0" cy="0"/>
+        </a:xfrm>
+      </p:grpSpPr>
+      <p:sp>
+        <p:nvSpPr>
+          <p:cNvPr id="2" name="Title 1">
+            <a:extLst>
+              <a:ext uri="{FF2B5EF4-FFF2-40B4-BE49-F238E27FC236}">
+                <a16:creationId xmlns:a16="http://schemas.microsoft.com/office/drawing/2014/main" id="{A17CCBB5-8B60-D5E8-2AC9-2952ABCFE6B0}"/>
+              </a:ext>
+            </a:extLst>
+          </p:cNvPr>
+          <p:cNvSpPr>
+            <a:spLocks noGrp="1"/>
+          </p:cNvSpPr>
+          <p:nvPr>
+            <p:ph type="title"/>
+          </p:nvPr>
+        </p:nvSpPr>
+        <p:spPr/>
+        <p:txBody>
+          <a:bodyPr/>
+          <a:lstStyle/>
+          <a:p>
+            <a:r>
+              <a:rPr lang="en-US" dirty="0"/>
+              <a:t>Who is Torino for?</a:t>
+            </a:r>
+            <a:br>
+              <a:rPr lang="en-US" dirty="0"/>
+            </a:br>
+            <a:endParaRPr lang="en-US" dirty="0"/>
+          </a:p>
+        </p:txBody>
+      </p:sp>
+      <p:sp>
+        <p:nvSpPr>
+          <p:cNvPr id="3" name="Content Placeholder 2">
+            <a:extLst>
+              <a:ext uri="{FF2B5EF4-FFF2-40B4-BE49-F238E27FC236}">
+                <a16:creationId xmlns:a16="http://schemas.microsoft.com/office/drawing/2014/main" id="{1A29538B-5E7E-945F-5BDF-CEEAA5E6A1F3}"/>
+              </a:ext>
+            </a:extLst>
+          </p:cNvPr>
+          <p:cNvSpPr>
+            <a:spLocks noGrp="1"/>
+          </p:cNvSpPr>
+          <p:nvPr>
+            <p:ph idx="1"/>
+          </p:nvPr>
+        </p:nvSpPr>
+        <p:spPr/>
+        <p:txBody>
+          <a:bodyPr/>
+          <a:lstStyle/>
+          <a:p>
+            <a:r>
+              <a:rPr lang="en-US" dirty="0"/>
+              <a:t>“Early” programming language for children ages 7-11</a:t>
+            </a:r>
+          </a:p>
+          <a:p>
+            <a:r>
+              <a:rPr lang="en-US" dirty="0"/>
+              <a:t>Research prototype out of Microsoft Research, not commercially released</a:t>
+            </a:r>
+          </a:p>
+          <a:p>
+            <a:r>
+              <a:rPr lang="en-US" dirty="0"/>
+              <a:t>Special focus: Visually-disabled children</a:t>
+            </a:r>
+          </a:p>
+          <a:p>
+            <a:r>
+              <a:rPr lang="en-US" dirty="0"/>
+              <a:t>The details matter:</a:t>
+            </a:r>
+          </a:p>
+          <a:p>
+            <a:pPr lvl="1"/>
+            <a:r>
+              <a:rPr lang="en-US" dirty="0"/>
+              <a:t>All students in this learning environment are visually-disabled, but the extent of disability varies greatly between them</a:t>
+            </a:r>
+          </a:p>
+          <a:p>
+            <a:pPr lvl="1"/>
+            <a:r>
+              <a:rPr lang="en-US" dirty="0"/>
+              <a:t>Social well-being is a focus for this population</a:t>
+            </a:r>
+          </a:p>
+          <a:p>
+            <a:pPr lvl="1"/>
+            <a:endParaRPr lang="en-US" dirty="0"/>
+          </a:p>
+        </p:txBody>
+      </p:sp>
+    </p:spTree>
+    <p:extLst>
+      <p:ext uri="{BB962C8B-B14F-4D97-AF65-F5344CB8AC3E}">
+        <p14:creationId xmlns:p14="http://schemas.microsoft.com/office/powerpoint/2010/main" val="3174051955"/>
+      </p:ext>
+    </p:extLst>
+  </p:cSld>
+  <p:clrMapOvr>
+    <a:masterClrMapping/>
+  </p:clrMapOvr>
+</p:sld>
+</file>
+
+<file path=ppt/slides/slide3.xml><?xml version="1.0" encoding="utf-8"?>
+<p:sld xmlns:a="http://schemas.openxmlformats.org/drawingml/2006/main" xmlns:r="http://schemas.openxmlformats.org/officeDocument/2006/relationships" xmlns:p="http://schemas.openxmlformats.org/presentationml/2006/main">
+  <p:cSld>
+    <p:spTree>
+      <p:nvGrpSpPr>
+        <p:cNvPr id="1" name=""/>
+        <p:cNvGrpSpPr/>
+        <p:nvPr/>
+      </p:nvGrpSpPr>
+      <p:grpSpPr>
+        <a:xfrm>
+          <a:off x="0" y="0"/>
+          <a:ext cx="0" cy="0"/>
+          <a:chOff x="0" y="0"/>
+          <a:chExt cx="0" cy="0"/>
+        </a:xfrm>
+      </p:grpSpPr>
+      <p:sp>
+        <p:nvSpPr>
+          <p:cNvPr id="2" name="Title 1">
+            <a:extLst>
+              <a:ext uri="{FF2B5EF4-FFF2-40B4-BE49-F238E27FC236}">
+                <a16:creationId xmlns:a16="http://schemas.microsoft.com/office/drawing/2014/main" id="{F12603B5-349D-6915-9E2C-510CAAEACD64}"/>
+              </a:ext>
+            </a:extLst>
+          </p:cNvPr>
+          <p:cNvSpPr>
+            <a:spLocks noGrp="1"/>
+          </p:cNvSpPr>
+          <p:nvPr>
+            <p:ph type="title"/>
+          </p:nvPr>
+        </p:nvSpPr>
+        <p:spPr/>
+        <p:txBody>
+          <a:bodyPr/>
+          <a:lstStyle/>
+          <a:p>
+            <a:r>
+              <a:rPr lang="en-US" dirty="0"/>
+              <a:t>Thesis</a:t>
+            </a:r>
+          </a:p>
+        </p:txBody>
+      </p:sp>
+      <p:sp>
+        <p:nvSpPr>
+          <p:cNvPr id="3" name="Content Placeholder 2">
+            <a:extLst>
+              <a:ext uri="{FF2B5EF4-FFF2-40B4-BE49-F238E27FC236}">
+                <a16:creationId xmlns:a16="http://schemas.microsoft.com/office/drawing/2014/main" id="{8C85F967-9A38-C530-E813-1ED000E5BB9D}"/>
+              </a:ext>
+            </a:extLst>
+          </p:cNvPr>
+          <p:cNvSpPr>
+            <a:spLocks noGrp="1"/>
+          </p:cNvSpPr>
+          <p:nvPr>
+            <p:ph idx="1"/>
+          </p:nvPr>
+        </p:nvSpPr>
+        <p:spPr/>
+        <p:txBody>
+          <a:bodyPr>
+            <a:noAutofit/>
+          </a:bodyPr>
+          <a:lstStyle/>
+          <a:p>
+            <a:r>
+              <a:rPr lang="en-US" sz="2800" dirty="0"/>
+              <a:t>“Programming Language Case Studies Can be Deep”</a:t>
+            </a:r>
+          </a:p>
+          <a:p>
+            <a:r>
+              <a:rPr lang="en-US" sz="2800" dirty="0"/>
+              <a:t>Meaning: Key ideas in PL’s, especially PL design, can be taught through case studies</a:t>
+            </a:r>
+          </a:p>
+          <a:p>
+            <a:r>
+              <a:rPr lang="en-US" sz="2800" dirty="0"/>
+              <a:t>Some of those key ideas could not be effectively taught using other common approaches</a:t>
+            </a:r>
+          </a:p>
+          <a:p>
+            <a:r>
+              <a:rPr lang="en-US" sz="2800" b="1" dirty="0"/>
+              <a:t>Underlying question: </a:t>
+            </a:r>
+            <a:r>
+              <a:rPr lang="en-US" sz="2800" dirty="0"/>
+              <a:t>Which topics even </a:t>
+            </a:r>
+            <a:r>
+              <a:rPr lang="en-US" sz="2800" b="1" dirty="0"/>
+              <a:t>are</a:t>
+            </a:r>
+            <a:r>
+              <a:rPr lang="en-US" sz="2800" dirty="0"/>
+              <a:t> key topics?</a:t>
+            </a:r>
+            <a:br>
+              <a:rPr lang="en-US" sz="2800" dirty="0"/>
+            </a:br>
+            <a:r>
+              <a:rPr lang="en-US" sz="2800" dirty="0"/>
+              <a:t>This changes if we emphasize design, not just theory</a:t>
+            </a:r>
+            <a:endParaRPr lang="en-US" sz="2800" b="1" dirty="0"/>
+          </a:p>
+        </p:txBody>
+      </p:sp>
+    </p:spTree>
+    <p:extLst>
+      <p:ext uri="{BB962C8B-B14F-4D97-AF65-F5344CB8AC3E}">
+        <p14:creationId xmlns:p14="http://schemas.microsoft.com/office/powerpoint/2010/main" val="592409371"/>
+      </p:ext>
+    </p:extLst>
+  </p:cSld>
+  <p:clrMapOvr>
+    <a:masterClrMapping/>
+  </p:clrMapOvr>
+</p:sld>
+</file>
+
+<file path=ppt/slides/slide30.xml><?xml version="1.0" encoding="utf-8"?>
+<p:sld xmlns:a="http://schemas.openxmlformats.org/drawingml/2006/main" xmlns:r="http://schemas.openxmlformats.org/officeDocument/2006/relationships" xmlns:p="http://schemas.openxmlformats.org/presentationml/2006/main">
+  <p:cSld>
+    <p:spTree>
+      <p:nvGrpSpPr>
+        <p:cNvPr id="1" name=""/>
+        <p:cNvGrpSpPr/>
+        <p:nvPr/>
+      </p:nvGrpSpPr>
+      <p:grpSpPr>
+        <a:xfrm>
+          <a:off x="0" y="0"/>
+          <a:ext cx="0" cy="0"/>
+          <a:chOff x="0" y="0"/>
+          <a:chExt cx="0" cy="0"/>
+        </a:xfrm>
+      </p:grpSpPr>
+      <p:sp>
+        <p:nvSpPr>
+          <p:cNvPr id="2" name="Title 1">
+            <a:extLst>
+              <a:ext uri="{FF2B5EF4-FFF2-40B4-BE49-F238E27FC236}">
+                <a16:creationId xmlns:a16="http://schemas.microsoft.com/office/drawing/2014/main" id="{BBA67674-EF72-C060-60E5-F3EF3C59685D}"/>
+              </a:ext>
+            </a:extLst>
+          </p:cNvPr>
+          <p:cNvSpPr>
+            <a:spLocks noGrp="1"/>
+          </p:cNvSpPr>
+          <p:nvPr>
+            <p:ph type="title"/>
+          </p:nvPr>
+        </p:nvSpPr>
+        <p:spPr/>
+        <p:txBody>
+          <a:bodyPr/>
+          <a:lstStyle/>
+          <a:p>
+            <a:r>
+              <a:rPr lang="en-US" dirty="0"/>
+              <a:t>Assimilation and integration</a:t>
+            </a:r>
+          </a:p>
+        </p:txBody>
+      </p:sp>
+      <p:sp>
+        <p:nvSpPr>
+          <p:cNvPr id="3" name="Content Placeholder 2">
+            <a:extLst>
+              <a:ext uri="{FF2B5EF4-FFF2-40B4-BE49-F238E27FC236}">
+                <a16:creationId xmlns:a16="http://schemas.microsoft.com/office/drawing/2014/main" id="{895F930A-BBBC-F8F4-EA12-B8F10DEA0726}"/>
+              </a:ext>
+            </a:extLst>
+          </p:cNvPr>
+          <p:cNvSpPr>
+            <a:spLocks noGrp="1"/>
+          </p:cNvSpPr>
+          <p:nvPr>
+            <p:ph idx="1"/>
+          </p:nvPr>
+        </p:nvSpPr>
+        <p:spPr>
+          <a:xfrm>
+            <a:off x="1097280" y="2015732"/>
+            <a:ext cx="10566399" cy="3917708"/>
+          </a:xfrm>
+        </p:spPr>
+        <p:txBody>
+          <a:bodyPr>
+            <a:normAutofit fontScale="92500" lnSpcReduction="10000"/>
+          </a:bodyPr>
+          <a:lstStyle/>
+          <a:p>
+            <a:r>
+              <a:rPr lang="en-US" dirty="0"/>
+              <a:t>Through the goal of collaborative programming, I engage students with major concepts in contemporary disability discourse: Separatism, assimilationism, and </a:t>
+            </a:r>
+            <a:r>
+              <a:rPr lang="en-US" dirty="0" err="1"/>
+              <a:t>integrationism</a:t>
+            </a:r>
+            <a:endParaRPr lang="en-US" dirty="0"/>
+          </a:p>
+          <a:p>
+            <a:r>
+              <a:rPr lang="en-US" b="1" dirty="0"/>
+              <a:t>Separatism: </a:t>
+            </a:r>
+            <a:r>
+              <a:rPr lang="en-US" dirty="0"/>
+              <a:t>Advocates for disabled people to maintain separate (sub)-communities and proudly maintain distinctive way of doing things. Often with goal of radical liberation</a:t>
+            </a:r>
+          </a:p>
+          <a:p>
+            <a:r>
+              <a:rPr lang="en-US" b="1" dirty="0"/>
+              <a:t>Assimilationism: </a:t>
+            </a:r>
+            <a:r>
+              <a:rPr lang="en-US" dirty="0"/>
+              <a:t>Advocates for blending in with the majority. Goals often include safety, access to equal opportunity, and ease of life</a:t>
+            </a:r>
+          </a:p>
+          <a:p>
+            <a:r>
+              <a:rPr lang="en-US" dirty="0"/>
+              <a:t>The two above ideas are diametrically opposed, yet assimilation can be distinguished from </a:t>
+            </a:r>
+            <a:r>
+              <a:rPr lang="en-US" dirty="0" err="1"/>
+              <a:t>integrationism</a:t>
+            </a:r>
+            <a:r>
+              <a:rPr lang="en-US" dirty="0"/>
+              <a:t>, which allows elements of separatism to coexist:</a:t>
+            </a:r>
+          </a:p>
+          <a:p>
+            <a:r>
+              <a:rPr lang="en-US" b="1" dirty="0" err="1"/>
+              <a:t>Integrationism</a:t>
+            </a:r>
+            <a:r>
+              <a:rPr lang="en-US" b="1" dirty="0"/>
+              <a:t>: </a:t>
+            </a:r>
+            <a:r>
+              <a:rPr lang="en-US" dirty="0"/>
+              <a:t>Advocates for a single community. Does not require everyone within the community to behave in a similar way. This is what Torino does.</a:t>
+            </a:r>
+            <a:endParaRPr lang="en-US" b="1" dirty="0"/>
+          </a:p>
+          <a:p>
+            <a:endParaRPr lang="en-US" b="1" dirty="0"/>
+          </a:p>
+        </p:txBody>
+      </p:sp>
+    </p:spTree>
+    <p:extLst>
+      <p:ext uri="{BB962C8B-B14F-4D97-AF65-F5344CB8AC3E}">
+        <p14:creationId xmlns:p14="http://schemas.microsoft.com/office/powerpoint/2010/main" val="903300217"/>
+      </p:ext>
+    </p:extLst>
+  </p:cSld>
+  <p:clrMapOvr>
+    <a:masterClrMapping/>
+  </p:clrMapOvr>
+</p:sld>
+</file>
+
 <file path=ppt/slides/slide31.xml><?xml version="1.0" encoding="utf-8"?>
 <p:sld xmlns:a="http://schemas.openxmlformats.org/drawingml/2006/main" xmlns:r="http://schemas.openxmlformats.org/officeDocument/2006/relationships" xmlns:p="http://schemas.openxmlformats.org/presentationml/2006/main">
   <p:cSld>
@@ -6844,7 +6901,7 @@
           <p:cNvPr id="2" name="Title 1">
             <a:extLst>
               <a:ext uri="{FF2B5EF4-FFF2-40B4-BE49-F238E27FC236}">
-                <a16:creationId xmlns:a16="http://schemas.microsoft.com/office/drawing/2014/main" id="{8E02CE67-1903-CA11-79B7-3D5EC914DBB3}"/>
+                <a16:creationId xmlns:a16="http://schemas.microsoft.com/office/drawing/2014/main" id="{A0CA462D-6B1A-3B63-40B8-BAE889B9F279}"/>
               </a:ext>
             </a:extLst>
           </p:cNvPr>
@@ -6862,7 +6919,7 @@
           <a:p>
             <a:r>
               <a:rPr lang="en-US" dirty="0"/>
-              <a:t>Depth: Static Analysis vs. types</a:t>
+              <a:t>Limits of competing approaches</a:t>
             </a:r>
           </a:p>
         </p:txBody>
@@ -6872,7 +6929,7 @@
           <p:cNvPr id="3" name="Content Placeholder 2">
             <a:extLst>
               <a:ext uri="{FF2B5EF4-FFF2-40B4-BE49-F238E27FC236}">
-                <a16:creationId xmlns:a16="http://schemas.microsoft.com/office/drawing/2014/main" id="{08D2AEDE-F81E-CD68-1636-38C3480010D0}"/>
+                <a16:creationId xmlns:a16="http://schemas.microsoft.com/office/drawing/2014/main" id="{6021EA3F-6A14-8549-86EA-21906D3E3C97}"/>
               </a:ext>
             </a:extLst>
           </p:cNvPr>
@@ -6885,24 +6942,80 @@
         </p:nvSpPr>
         <p:spPr/>
         <p:txBody>
-          <a:bodyPr/>
-          <a:lstStyle/>
-          <a:p>
-            <a:r>
-              <a:rPr lang="en-US" dirty="0"/>
-              <a:t>The Twine case study enriches and complicates students understanding of the central role of static type systems in PL theory</a:t>
-            </a:r>
-          </a:p>
-          <a:p>
-            <a:r>
-              <a:rPr lang="en-US" dirty="0"/>
-              <a:t>In the Type Systems lecture: “Good PL = Strong Safety Theorem = Strong Guarantees“</a:t>
-            </a:r>
-          </a:p>
-          <a:p>
-            <a:r>
-              <a:rPr lang="en-US" dirty="0"/>
-              <a:t>Twine exemplifies the idea that type safety is not a meaningful guarantee in every PL, and that other forms of static analysis (here, a graph-based analysis) are more fruitful in certain PLs</a:t>
+          <a:bodyPr>
+            <a:normAutofit fontScale="92500" lnSpcReduction="20000"/>
+          </a:bodyPr>
+          <a:lstStyle/>
+          <a:p>
+            <a:r>
+              <a:rPr lang="en-US" dirty="0"/>
+              <a:t>The closest predecessor of Torino are the </a:t>
+            </a:r>
+            <a:r>
+              <a:rPr lang="en-US" b="1" dirty="0"/>
+              <a:t>block-based</a:t>
+            </a:r>
+            <a:r>
+              <a:rPr lang="en-US" dirty="0"/>
+              <a:t> languages (e.g. Scratch)</a:t>
+            </a:r>
+          </a:p>
+          <a:p>
+            <a:r>
+              <a:rPr lang="en-US" dirty="0"/>
+              <a:t>Block-based programming is often advocated as being </a:t>
+            </a:r>
+            <a:r>
+              <a:rPr lang="en-US" b="1" dirty="0"/>
+              <a:t>accessible </a:t>
+            </a:r>
+            <a:r>
+              <a:rPr lang="en-US" dirty="0"/>
+              <a:t>in the sense that it is easily picked up by newcomers</a:t>
+            </a:r>
+          </a:p>
+          <a:p>
+            <a:r>
+              <a:rPr lang="en-US" b="1" dirty="0"/>
+              <a:t>Yet </a:t>
+            </a:r>
+            <a:r>
+              <a:rPr lang="en-US" dirty="0"/>
+              <a:t>the word “accessibility” has multiple meanings, and block-based languages are not especially accessible in terms of (visual) disability</a:t>
+            </a:r>
+          </a:p>
+          <a:p>
+            <a:r>
+              <a:rPr lang="en-US" dirty="0"/>
+              <a:t>They are </a:t>
+            </a:r>
+            <a:r>
+              <a:rPr lang="en-US" b="1" u="sng" dirty="0"/>
+              <a:t>not</a:t>
+            </a:r>
+            <a:r>
+              <a:rPr lang="en-US" dirty="0"/>
+              <a:t> completely unusable (as research on hybrid syntax disproves)</a:t>
+            </a:r>
+          </a:p>
+          <a:p>
+            <a:r>
+              <a:rPr lang="en-US" dirty="0"/>
+              <a:t>Yet the provide </a:t>
+            </a:r>
+            <a:r>
+              <a:rPr lang="en-US" b="1" u="sng" dirty="0" err="1"/>
+              <a:t>disequal</a:t>
+            </a:r>
+            <a:r>
+              <a:rPr lang="en-US" dirty="0"/>
+              <a:t> experiences, often requiring disabled people to effectively disclose their disability status</a:t>
+            </a:r>
+          </a:p>
+          <a:p>
+            <a:r>
+              <a:rPr lang="en-US" dirty="0"/>
+              <a:t>When this occurs, the core principle of autonomy over one’s visibility is violated</a:t>
             </a:r>
           </a:p>
         </p:txBody>
@@ -6910,7 +7023,7 @@
     </p:spTree>
     <p:extLst>
       <p:ext uri="{BB962C8B-B14F-4D97-AF65-F5344CB8AC3E}">
-        <p14:creationId xmlns:p14="http://schemas.microsoft.com/office/powerpoint/2010/main" val="318335642"/>
+        <p14:creationId xmlns:p14="http://schemas.microsoft.com/office/powerpoint/2010/main" val="1308964705"/>
       </p:ext>
     </p:extLst>
   </p:cSld>
@@ -6942,7 +7055,7 @@
           <p:cNvPr id="2" name="Title 1">
             <a:extLst>
               <a:ext uri="{FF2B5EF4-FFF2-40B4-BE49-F238E27FC236}">
-                <a16:creationId xmlns:a16="http://schemas.microsoft.com/office/drawing/2014/main" id="{524A17A1-AD4F-6113-FF37-446370D898BA}"/>
+                <a16:creationId xmlns:a16="http://schemas.microsoft.com/office/drawing/2014/main" id="{5971453B-2E93-0897-E42E-F602443466DA}"/>
               </a:ext>
             </a:extLst>
           </p:cNvPr>
@@ -6960,7 +7073,7 @@
           <a:p>
             <a:r>
               <a:rPr lang="en-US" dirty="0"/>
-              <a:t>Graph Model</a:t>
+              <a:t>Why kids?</a:t>
             </a:r>
           </a:p>
         </p:txBody>
@@ -6970,7 +7083,7 @@
           <p:cNvPr id="3" name="Content Placeholder 2">
             <a:extLst>
               <a:ext uri="{FF2B5EF4-FFF2-40B4-BE49-F238E27FC236}">
-                <a16:creationId xmlns:a16="http://schemas.microsoft.com/office/drawing/2014/main" id="{BF70B481-9500-A126-E0C3-DAB701F4EC04}"/>
+                <a16:creationId xmlns:a16="http://schemas.microsoft.com/office/drawing/2014/main" id="{BF417B3F-699D-20E4-E6D6-0AA3E186DE7E}"/>
               </a:ext>
             </a:extLst>
           </p:cNvPr>
@@ -6983,94 +7096,72 @@
         </p:nvSpPr>
         <p:spPr/>
         <p:txBody>
-          <a:bodyPr/>
-          <a:lstStyle/>
-          <a:p>
-            <a:r>
-              <a:rPr lang="en-US" dirty="0"/>
-              <a:t>To a first approximation, a Twine game is a directed, labeled graph</a:t>
-            </a:r>
-          </a:p>
-          <a:p>
-            <a:pPr marL="0" indent="0">
-              <a:buNone/>
-            </a:pPr>
-            <a:r>
-              <a:rPr lang="en-US" dirty="0"/>
-              <a:t>G = (V, E) where V is the vertex set and E is the edge set</a:t>
-            </a:r>
-          </a:p>
-          <a:p>
-            <a:pPr marL="0" indent="0">
-              <a:buNone/>
-            </a:pPr>
-            <a:r>
-              <a:rPr lang="en-US" dirty="0"/>
-              <a:t>V = {(n, p)} i.e., passages with titles n and text p</a:t>
-            </a:r>
-          </a:p>
-          <a:p>
-            <a:pPr marL="0" indent="0">
-              <a:buNone/>
-            </a:pPr>
-            <a:r>
-              <a:rPr lang="en-US" dirty="0"/>
-              <a:t>E = {(</a:t>
-            </a:r>
-            <a:r>
-              <a:rPr lang="en-US" dirty="0" err="1"/>
-              <a:t>u,v,l</a:t>
-            </a:r>
-            <a:r>
-              <a:rPr lang="en-US" dirty="0"/>
-              <a:t>)}, i.e., links from source passage u to destination passage v with text l</a:t>
-            </a:r>
-          </a:p>
-          <a:p>
-            <a:pPr marL="0" indent="0">
-              <a:buNone/>
-            </a:pPr>
-            <a:r>
-              <a:rPr lang="en-US" dirty="0"/>
-              <a:t>Let Sigma = {l}, Q = {n}, and delta(</a:t>
-            </a:r>
-            <a:r>
-              <a:rPr lang="en-US" dirty="0" err="1"/>
-              <a:t>u,l</a:t>
-            </a:r>
-            <a:r>
-              <a:rPr lang="en-US" dirty="0"/>
-              <a:t>) = the unique v such that (</a:t>
-            </a:r>
-            <a:r>
-              <a:rPr lang="en-US" dirty="0" err="1"/>
-              <a:t>u,v,l</a:t>
-            </a:r>
-            <a:r>
-              <a:rPr lang="en-US" dirty="0"/>
-              <a:t>) is in E</a:t>
-            </a:r>
-          </a:p>
-          <a:p>
-            <a:pPr marL="0" indent="0">
-              <a:buNone/>
-            </a:pPr>
+          <a:bodyPr>
+            <a:normAutofit lnSpcReduction="10000"/>
+          </a:bodyPr>
+          <a:lstStyle/>
+          <a:p>
+            <a:r>
+              <a:rPr lang="en-US" dirty="0"/>
+              <a:t>The notion of </a:t>
+            </a:r>
+            <a:r>
+              <a:rPr lang="en-US" u="sng" dirty="0"/>
+              <a:t>usability</a:t>
+            </a:r>
+            <a:r>
+              <a:rPr lang="en-US" dirty="0"/>
+              <a:t> depends on the tasks and goals of a specific user group</a:t>
+            </a:r>
+          </a:p>
+          <a:p>
+            <a:r>
+              <a:rPr lang="en-US" dirty="0"/>
+              <a:t>Let’s explore the goals and non-goals for children who code</a:t>
+            </a:r>
+          </a:p>
+          <a:p>
             <a:r>
               <a:rPr lang="en-US" b="1" dirty="0"/>
-              <a:t>Insight: </a:t>
-            </a:r>
-            <a:r>
-              <a:rPr lang="en-US" dirty="0"/>
-              <a:t>Then (Sigma, Q, delta, s, F) is a DFA for every passage s, set of passages F	</a:t>
-            </a:r>
-            <a:endParaRPr lang="en-US" b="1" dirty="0"/>
+              <a:t>Anti-goal:</a:t>
+            </a:r>
+            <a:r>
+              <a:rPr lang="en-US" dirty="0"/>
+              <a:t> Producing useful production code </a:t>
+            </a:r>
+          </a:p>
+          <a:p>
+            <a:r>
+              <a:rPr lang="en-US" b="1" dirty="0"/>
+              <a:t>Potential Goals:</a:t>
+            </a:r>
+          </a:p>
+          <a:p>
+            <a:pPr lvl="1"/>
+            <a:r>
+              <a:rPr lang="en-US" dirty="0"/>
+              <a:t>Teach computational thinking</a:t>
+            </a:r>
+          </a:p>
+          <a:p>
+            <a:pPr lvl="1"/>
+            <a:r>
+              <a:rPr lang="en-US" dirty="0"/>
+              <a:t>Promote sense of belonging in support of diversifying talent pipeline</a:t>
+            </a:r>
+          </a:p>
+          <a:p>
+            <a:r>
+              <a:rPr lang="en-US" dirty="0"/>
+              <a:t>Context: Disabled people often have fewer economic opportunities, and programming careers are potentially a rare accessible well-paying career</a:t>
+            </a:r>
           </a:p>
         </p:txBody>
       </p:sp>
     </p:spTree>
     <p:extLst>
       <p:ext uri="{BB962C8B-B14F-4D97-AF65-F5344CB8AC3E}">
-        <p14:creationId xmlns:p14="http://schemas.microsoft.com/office/powerpoint/2010/main" val="1204107338"/>
+        <p14:creationId xmlns:p14="http://schemas.microsoft.com/office/powerpoint/2010/main" val="281477418"/>
       </p:ext>
     </p:extLst>
   </p:cSld>
@@ -7081,6 +7172,104 @@
 </file>
 
 <file path=ppt/slides/slide33.xml><?xml version="1.0" encoding="utf-8"?>
+<p:sld xmlns:a="http://schemas.openxmlformats.org/drawingml/2006/main" xmlns:r="http://schemas.openxmlformats.org/officeDocument/2006/relationships" xmlns:p="http://schemas.openxmlformats.org/presentationml/2006/main">
+  <p:cSld>
+    <p:spTree>
+      <p:nvGrpSpPr>
+        <p:cNvPr id="1" name=""/>
+        <p:cNvGrpSpPr/>
+        <p:nvPr/>
+      </p:nvGrpSpPr>
+      <p:grpSpPr>
+        <a:xfrm>
+          <a:off x="0" y="0"/>
+          <a:ext cx="0" cy="0"/>
+          <a:chOff x="0" y="0"/>
+          <a:chExt cx="0" cy="0"/>
+        </a:xfrm>
+      </p:grpSpPr>
+      <p:sp>
+        <p:nvSpPr>
+          <p:cNvPr id="2" name="Title 1">
+            <a:extLst>
+              <a:ext uri="{FF2B5EF4-FFF2-40B4-BE49-F238E27FC236}">
+                <a16:creationId xmlns:a16="http://schemas.microsoft.com/office/drawing/2014/main" id="{8E02CE67-1903-CA11-79B7-3D5EC914DBB3}"/>
+              </a:ext>
+            </a:extLst>
+          </p:cNvPr>
+          <p:cNvSpPr>
+            <a:spLocks noGrp="1"/>
+          </p:cNvSpPr>
+          <p:nvPr>
+            <p:ph type="title"/>
+          </p:nvPr>
+        </p:nvSpPr>
+        <p:spPr/>
+        <p:txBody>
+          <a:bodyPr/>
+          <a:lstStyle/>
+          <a:p>
+            <a:r>
+              <a:rPr lang="en-US" dirty="0"/>
+              <a:t>Depth: Static Analysis vs. types</a:t>
+            </a:r>
+          </a:p>
+        </p:txBody>
+      </p:sp>
+      <p:sp>
+        <p:nvSpPr>
+          <p:cNvPr id="3" name="Content Placeholder 2">
+            <a:extLst>
+              <a:ext uri="{FF2B5EF4-FFF2-40B4-BE49-F238E27FC236}">
+                <a16:creationId xmlns:a16="http://schemas.microsoft.com/office/drawing/2014/main" id="{08D2AEDE-F81E-CD68-1636-38C3480010D0}"/>
+              </a:ext>
+            </a:extLst>
+          </p:cNvPr>
+          <p:cNvSpPr>
+            <a:spLocks noGrp="1"/>
+          </p:cNvSpPr>
+          <p:nvPr>
+            <p:ph idx="1"/>
+          </p:nvPr>
+        </p:nvSpPr>
+        <p:spPr/>
+        <p:txBody>
+          <a:bodyPr/>
+          <a:lstStyle/>
+          <a:p>
+            <a:r>
+              <a:rPr lang="en-US" dirty="0"/>
+              <a:t>The Twine case study enriches and complicates students understanding of the central role of static type systems in PL theory</a:t>
+            </a:r>
+          </a:p>
+          <a:p>
+            <a:r>
+              <a:rPr lang="en-US" dirty="0"/>
+              <a:t>In the Type Systems lecture: “Good PL = Strong Safety Theorem = Strong Guarantees“</a:t>
+            </a:r>
+          </a:p>
+          <a:p>
+            <a:r>
+              <a:rPr lang="en-US" dirty="0"/>
+              <a:t>Twine exemplifies the idea that type safety is not a meaningful guarantee in every PL, and that other forms of static analysis (here, a graph-based analysis) are more fruitful in certain PLs</a:t>
+            </a:r>
+          </a:p>
+        </p:txBody>
+      </p:sp>
+    </p:spTree>
+    <p:extLst>
+      <p:ext uri="{BB962C8B-B14F-4D97-AF65-F5344CB8AC3E}">
+        <p14:creationId xmlns:p14="http://schemas.microsoft.com/office/powerpoint/2010/main" val="318335642"/>
+      </p:ext>
+    </p:extLst>
+  </p:cSld>
+  <p:clrMapOvr>
+    <a:masterClrMapping/>
+  </p:clrMapOvr>
+</p:sld>
+</file>
+
+<file path=ppt/slides/slide34.xml><?xml version="1.0" encoding="utf-8"?>
 <p:sld xmlns:a="http://schemas.openxmlformats.org/drawingml/2006/main" xmlns:r="http://schemas.openxmlformats.org/officeDocument/2006/relationships" xmlns:p="http://schemas.openxmlformats.org/presentationml/2006/main">
   <p:cSld>
     <p:spTree>
@@ -9005,7 +9194,7 @@
           <a:p>
             <a:fld id="{9BF27F29-4B64-4A24-936A-FF41C34C242B}" type="slidenum">
               <a:rPr lang="en-US" smtClean="0"/>
-              <a:t>33</a:t>
+              <a:t>34</a:t>
             </a:fld>
             <a:endParaRPr lang="en-US"/>
           </a:p>
@@ -9015,233 +9204,6 @@
     <p:extLst>
       <p:ext uri="{BB962C8B-B14F-4D97-AF65-F5344CB8AC3E}">
         <p14:creationId xmlns:p14="http://schemas.microsoft.com/office/powerpoint/2010/main" val="3036168574"/>
-      </p:ext>
-    </p:extLst>
-  </p:cSld>
-  <p:clrMapOvr>
-    <a:masterClrMapping/>
-  </p:clrMapOvr>
-</p:sld>
-</file>
-
-<file path=ppt/slides/slide34.xml><?xml version="1.0" encoding="utf-8"?>
-<p:sld xmlns:a="http://schemas.openxmlformats.org/drawingml/2006/main" xmlns:r="http://schemas.openxmlformats.org/officeDocument/2006/relationships" xmlns:p="http://schemas.openxmlformats.org/presentationml/2006/main">
-  <p:cSld>
-    <p:spTree>
-      <p:nvGrpSpPr>
-        <p:cNvPr id="1" name=""/>
-        <p:cNvGrpSpPr/>
-        <p:nvPr/>
-      </p:nvGrpSpPr>
-      <p:grpSpPr>
-        <a:xfrm>
-          <a:off x="0" y="0"/>
-          <a:ext cx="0" cy="0"/>
-          <a:chOff x="0" y="0"/>
-          <a:chExt cx="0" cy="0"/>
-        </a:xfrm>
-      </p:grpSpPr>
-      <p:sp>
-        <p:nvSpPr>
-          <p:cNvPr id="2" name="Title 1">
-            <a:extLst>
-              <a:ext uri="{FF2B5EF4-FFF2-40B4-BE49-F238E27FC236}">
-                <a16:creationId xmlns:a16="http://schemas.microsoft.com/office/drawing/2014/main" id="{B943E4A9-193F-7A41-A2E0-49BCDF50B26F}"/>
-              </a:ext>
-            </a:extLst>
-          </p:cNvPr>
-          <p:cNvSpPr>
-            <a:spLocks noGrp="1"/>
-          </p:cNvSpPr>
-          <p:nvPr>
-            <p:ph type="title"/>
-          </p:nvPr>
-        </p:nvSpPr>
-        <p:spPr/>
-        <p:txBody>
-          <a:bodyPr/>
-          <a:lstStyle/>
-          <a:p>
-            <a:r>
-              <a:rPr lang="en-US" dirty="0"/>
-              <a:t>Pumping Lemma for DFA</a:t>
-            </a:r>
-          </a:p>
-        </p:txBody>
-      </p:sp>
-      <p:sp>
-        <p:nvSpPr>
-          <p:cNvPr id="3" name="Content Placeholder 2">
-            <a:extLst>
-              <a:ext uri="{FF2B5EF4-FFF2-40B4-BE49-F238E27FC236}">
-                <a16:creationId xmlns:a16="http://schemas.microsoft.com/office/drawing/2014/main" id="{58EF6818-3939-366E-BFBD-2D5B21B71D6D}"/>
-              </a:ext>
-            </a:extLst>
-          </p:cNvPr>
-          <p:cNvSpPr>
-            <a:spLocks noGrp="1"/>
-          </p:cNvSpPr>
-          <p:nvPr>
-            <p:ph idx="1"/>
-          </p:nvPr>
-        </p:nvSpPr>
-        <p:spPr>
-          <a:xfrm>
-            <a:off x="1097280" y="1885491"/>
-            <a:ext cx="10058400" cy="4023360"/>
-          </a:xfrm>
-        </p:spPr>
-        <p:txBody>
-          <a:bodyPr/>
-          <a:lstStyle/>
-          <a:p>
-            <a:r>
-              <a:rPr lang="en-US" b="1" dirty="0"/>
-              <a:t>Formally: </a:t>
-            </a:r>
-            <a:r>
-              <a:rPr lang="en-US" dirty="0"/>
-              <a:t>The pumping lemma shows that every DFA behaves like a loop when the string is long enough*:</a:t>
-            </a:r>
-          </a:p>
-          <a:p>
-            <a:r>
-              <a:rPr lang="en-US" dirty="0"/>
-              <a:t>Let </a:t>
-            </a:r>
-            <a:r>
-              <a:rPr lang="en-US" dirty="0" err="1"/>
-              <a:t>dfa</a:t>
-            </a:r>
-            <a:r>
-              <a:rPr lang="en-US" dirty="0"/>
-              <a:t> = (Q, </a:t>
-            </a:r>
-            <a:r>
-              <a:rPr lang="el-GR" dirty="0"/>
-              <a:t>Σ</a:t>
-            </a:r>
-            <a:r>
-              <a:rPr lang="en-US" dirty="0"/>
-              <a:t>, </a:t>
-            </a:r>
-            <a:r>
-              <a:rPr lang="el-GR" dirty="0"/>
-              <a:t>δ</a:t>
-            </a:r>
-            <a:r>
-              <a:rPr lang="en-US" dirty="0"/>
-              <a:t>, q0, F) be a DFA. Then the pumping length is n=|Q|, the number of states. For all strings s of length at least n:</a:t>
-            </a:r>
-          </a:p>
-          <a:p>
-            <a:pPr lvl="1"/>
-            <a:r>
-              <a:rPr lang="en-US" dirty="0"/>
-              <a:t>n can be split into some s1s2s3 where</a:t>
-            </a:r>
-          </a:p>
-          <a:p>
-            <a:pPr lvl="1"/>
-            <a:r>
-              <a:rPr lang="en-US" dirty="0"/>
-              <a:t>s1(s2^k)s3 in L(</a:t>
-            </a:r>
-            <a:r>
-              <a:rPr lang="en-US" dirty="0" err="1"/>
-              <a:t>dfa</a:t>
-            </a:r>
-            <a:r>
-              <a:rPr lang="en-US" dirty="0"/>
-              <a:t>) </a:t>
-            </a:r>
-            <a:r>
-              <a:rPr lang="en-US" dirty="0" err="1"/>
-              <a:t>iff</a:t>
-            </a:r>
-            <a:r>
-              <a:rPr lang="en-US" dirty="0"/>
-              <a:t> s1s2s3 in L(</a:t>
-            </a:r>
-            <a:r>
-              <a:rPr lang="en-US" dirty="0" err="1"/>
-              <a:t>dfa</a:t>
-            </a:r>
-            <a:r>
-              <a:rPr lang="en-US" dirty="0"/>
-              <a:t>) for all natural numbers k</a:t>
-            </a:r>
-          </a:p>
-          <a:p>
-            <a:pPr lvl="1"/>
-            <a:r>
-              <a:rPr lang="en-US" dirty="0"/>
-              <a:t>E.g. s1s3 in L(</a:t>
-            </a:r>
-            <a:r>
-              <a:rPr lang="en-US" dirty="0" err="1"/>
-              <a:t>dfa</a:t>
-            </a:r>
-            <a:r>
-              <a:rPr lang="en-US" dirty="0"/>
-              <a:t>) and s1s2s3 in L(</a:t>
-            </a:r>
-            <a:r>
-              <a:rPr lang="en-US" dirty="0" err="1"/>
-              <a:t>dfa</a:t>
-            </a:r>
-            <a:r>
-              <a:rPr lang="en-US" dirty="0"/>
-              <a:t>)</a:t>
-            </a:r>
-          </a:p>
-          <a:p>
-            <a:r>
-              <a:rPr lang="en-US" b="1" dirty="0"/>
-              <a:t>What does this mean for Twine???</a:t>
-            </a:r>
-          </a:p>
-          <a:p>
-            <a:pPr marL="201168" lvl="1" indent="0">
-              <a:buNone/>
-            </a:pPr>
-            <a:endParaRPr lang="en-US" dirty="0"/>
-          </a:p>
-        </p:txBody>
-      </p:sp>
-      <p:sp>
-        <p:nvSpPr>
-          <p:cNvPr id="4" name="Slide Number Placeholder 3">
-            <a:extLst>
-              <a:ext uri="{FF2B5EF4-FFF2-40B4-BE49-F238E27FC236}">
-                <a16:creationId xmlns:a16="http://schemas.microsoft.com/office/drawing/2014/main" id="{5426A87A-8914-79BE-0032-1EFF03D96FA4}"/>
-              </a:ext>
-            </a:extLst>
-          </p:cNvPr>
-          <p:cNvSpPr>
-            <a:spLocks noGrp="1"/>
-          </p:cNvSpPr>
-          <p:nvPr>
-            <p:ph type="sldNum" sz="quarter" idx="12"/>
-          </p:nvPr>
-        </p:nvSpPr>
-        <p:spPr/>
-        <p:txBody>
-          <a:bodyPr/>
-          <a:lstStyle/>
-          <a:p>
-            <a:fld id="{9BF27F29-4B64-4A24-936A-FF41C34C242B}" type="slidenum">
-              <a:rPr lang="en-US" smtClean="0"/>
-              <a:t>34</a:t>
-            </a:fld>
-            <a:endParaRPr lang="en-US"/>
-          </a:p>
-        </p:txBody>
-      </p:sp>
-    </p:spTree>
-    <p:extLst>
-      <p:ext uri="{BB962C8B-B14F-4D97-AF65-F5344CB8AC3E}">
-        <p14:creationId xmlns:p14="http://schemas.microsoft.com/office/powerpoint/2010/main" val="2790999673"/>
       </p:ext>
     </p:extLst>
   </p:cSld>
@@ -9273,7 +9235,7 @@
           <p:cNvPr id="2" name="Title 1">
             <a:extLst>
               <a:ext uri="{FF2B5EF4-FFF2-40B4-BE49-F238E27FC236}">
-                <a16:creationId xmlns:a16="http://schemas.microsoft.com/office/drawing/2014/main" id="{8A221EDF-DFA4-DD9B-F324-A1252B1F34BA}"/>
+                <a16:creationId xmlns:a16="http://schemas.microsoft.com/office/drawing/2014/main" id="{D4DE8E04-8613-24C7-9753-62665AE9F536}"/>
               </a:ext>
             </a:extLst>
           </p:cNvPr>
@@ -9291,7 +9253,7 @@
           <a:p>
             <a:r>
               <a:rPr lang="en-US" dirty="0"/>
-              <a:t>Twine Theorems</a:t>
+              <a:t>Role of Disabled Researchers</a:t>
             </a:r>
           </a:p>
         </p:txBody>
@@ -9301,7 +9263,7 @@
           <p:cNvPr id="3" name="Content Placeholder 2">
             <a:extLst>
               <a:ext uri="{FF2B5EF4-FFF2-40B4-BE49-F238E27FC236}">
-                <a16:creationId xmlns:a16="http://schemas.microsoft.com/office/drawing/2014/main" id="{DB52A34A-A38C-E575-5199-4A075B5FB7D0}"/>
+                <a16:creationId xmlns:a16="http://schemas.microsoft.com/office/drawing/2014/main" id="{4AE9EF89-A64E-3857-82C4-E59937CEDDE1}"/>
               </a:ext>
             </a:extLst>
           </p:cNvPr>
@@ -9312,174 +9274,72 @@
             <p:ph idx="1"/>
           </p:nvPr>
         </p:nvSpPr>
-        <p:spPr/>
+        <p:spPr>
+          <a:xfrm>
+            <a:off x="1451579" y="2015732"/>
+            <a:ext cx="10598181" cy="3927868"/>
+          </a:xfrm>
+        </p:spPr>
         <p:txBody>
           <a:bodyPr>
-            <a:normAutofit fontScale="85000" lnSpcReduction="10000"/>
+            <a:normAutofit fontScale="92500" lnSpcReduction="20000"/>
           </a:bodyPr>
           <a:lstStyle/>
           <a:p>
             <a:r>
-              <a:rPr lang="en-US" b="1" dirty="0"/>
-              <a:t>Theorem </a:t>
-            </a:r>
-            <a:r>
-              <a:rPr lang="en-US" dirty="0"/>
-              <a:t>[Regularity] Let </a:t>
-            </a:r>
-            <a:r>
-              <a:rPr lang="en-US" i="1" dirty="0"/>
-              <a:t>m</a:t>
-            </a:r>
-            <a:r>
-              <a:rPr lang="en-US" dirty="0"/>
-              <a:t> be a Twine game. The set of winning plays of </a:t>
-            </a:r>
-            <a:r>
-              <a:rPr lang="en-US" i="1" dirty="0"/>
-              <a:t>m</a:t>
-            </a:r>
-            <a:r>
-              <a:rPr lang="en-US" dirty="0"/>
-              <a:t> is a regular language.</a:t>
+              <a:rPr lang="en-US" dirty="0"/>
+              <a:t>Common disability rights slogan: “Nothing about us without us”</a:t>
+            </a:r>
+          </a:p>
+          <a:p>
+            <a:pPr lvl="1"/>
+            <a:r>
+              <a:rPr lang="en-US" dirty="0"/>
+              <a:t>This does not mean that abled people are unqualified to teach this lesson, but rather that decisions which affect disabled people ought to be made by disabled people</a:t>
+            </a:r>
+          </a:p>
+          <a:p>
+            <a:r>
+              <a:rPr lang="en-US" dirty="0"/>
+              <a:t>The HCPL lesson closes by highlighting the impacts of disabled PL researchers</a:t>
+            </a:r>
+          </a:p>
+          <a:p>
+            <a:r>
+              <a:rPr lang="en-US" dirty="0"/>
+              <a:t>Leif Andersen’s work on hybrid visual-textual syntax dovetails with many of the same themes explored in the Torino case study</a:t>
+            </a:r>
+          </a:p>
+          <a:p>
+            <a:r>
+              <a:rPr lang="en-US" dirty="0"/>
+              <a:t>I highlight researchers who have adopted audio input mechanisms to cope with temporary musculoskeletal disability*</a:t>
+            </a:r>
+          </a:p>
+          <a:p>
+            <a:r>
+              <a:rPr lang="en-US" dirty="0"/>
+              <a:t>I highlight disabled researchers who do not work on disability-related topics, because we need not be pigeon-holed*</a:t>
             </a:r>
             <a:br>
               <a:rPr lang="en-US" dirty="0"/>
             </a:br>
             <a:r>
-              <a:rPr lang="en-US" i="1" dirty="0"/>
-              <a:t>Proof:</a:t>
-            </a:r>
-            <a:r>
-              <a:rPr lang="en-US" dirty="0"/>
-              <a:t> By definition of regularity and translation of Twine &lt;-&gt; DFA correspondence.</a:t>
-            </a:r>
-            <a:endParaRPr lang="en-US" i="1" dirty="0"/>
-          </a:p>
-          <a:p>
-            <a:r>
-              <a:rPr lang="en-US" b="1" dirty="0"/>
-              <a:t>Theorem </a:t>
-            </a:r>
-            <a:r>
-              <a:rPr lang="en-US" dirty="0"/>
-              <a:t>[Bounding Shortest Winning Play] Let </a:t>
-            </a:r>
-            <a:r>
-              <a:rPr lang="en-US" i="1" dirty="0"/>
-              <a:t>m </a:t>
-            </a:r>
-            <a:r>
-              <a:rPr lang="en-US" dirty="0"/>
-              <a:t>be a (winnable) Twine game containing </a:t>
-            </a:r>
-            <a:r>
-              <a:rPr lang="en-US" i="1" dirty="0"/>
-              <a:t>k</a:t>
-            </a:r>
-            <a:r>
-              <a:rPr lang="en-US" dirty="0"/>
-              <a:t> prompts. Then the game can be won in at most k steps of play.</a:t>
-            </a:r>
-          </a:p>
-          <a:p>
-            <a:r>
-              <a:rPr lang="en-US" i="1" dirty="0"/>
-              <a:t>Proof: </a:t>
-            </a:r>
-            <a:r>
-              <a:rPr lang="en-US" dirty="0"/>
-              <a:t>Given a play longer than </a:t>
-            </a:r>
-            <a:r>
-              <a:rPr lang="en-US" i="1" dirty="0"/>
-              <a:t>k</a:t>
-            </a:r>
-            <a:r>
-              <a:rPr lang="en-US" dirty="0"/>
-              <a:t>, a cycle exists by the pumping lemma. That cycle can be removed without affecting result.</a:t>
-            </a:r>
-          </a:p>
-          <a:p>
-            <a:r>
-              <a:rPr lang="en-US" b="1" dirty="0"/>
-              <a:t>Theorem </a:t>
-            </a:r>
-            <a:r>
-              <a:rPr lang="en-US" dirty="0"/>
-              <a:t>[Unbounding Longest Winning Play] Let </a:t>
-            </a:r>
-            <a:r>
-              <a:rPr lang="en-US" i="1" dirty="0"/>
-              <a:t>m</a:t>
-            </a:r>
-            <a:r>
-              <a:rPr lang="en-US" dirty="0"/>
-              <a:t> be a (winnable) Twine game containing </a:t>
-            </a:r>
-            <a:r>
-              <a:rPr lang="en-US" i="1" dirty="0"/>
-              <a:t>k</a:t>
-            </a:r>
-            <a:r>
-              <a:rPr lang="en-US" dirty="0"/>
-              <a:t> prompts. If any winning play contains a cycle (e.g. if it is length </a:t>
-            </a:r>
-            <a:r>
-              <a:rPr lang="en-US" i="1" dirty="0"/>
-              <a:t>k</a:t>
-            </a:r>
-            <a:r>
-              <a:rPr lang="en-US" dirty="0"/>
-              <a:t>), then there exist arbitrarily long winning plays.</a:t>
-            </a:r>
-          </a:p>
-          <a:p>
-            <a:r>
-              <a:rPr lang="en-US" i="1" dirty="0"/>
-              <a:t>Proof: </a:t>
-            </a:r>
-            <a:r>
-              <a:rPr lang="en-US" dirty="0"/>
-              <a:t>By the pumping lemma, the cycle can be repeated</a:t>
-            </a:r>
-            <a:endParaRPr lang="en-US" i="1" dirty="0"/>
-          </a:p>
-        </p:txBody>
-      </p:sp>
-      <p:sp>
-        <p:nvSpPr>
-          <p:cNvPr id="4" name="Slide Number Placeholder 3">
-            <a:extLst>
-              <a:ext uri="{FF2B5EF4-FFF2-40B4-BE49-F238E27FC236}">
-                <a16:creationId xmlns:a16="http://schemas.microsoft.com/office/drawing/2014/main" id="{F8AA3407-727F-DB2E-2A69-5569FDDE927E}"/>
-              </a:ext>
-            </a:extLst>
-          </p:cNvPr>
-          <p:cNvSpPr>
-            <a:spLocks noGrp="1"/>
-          </p:cNvSpPr>
-          <p:nvPr>
-            <p:ph type="sldNum" sz="quarter" idx="12"/>
-          </p:nvPr>
-        </p:nvSpPr>
-        <p:spPr/>
-        <p:txBody>
-          <a:bodyPr/>
-          <a:lstStyle/>
-          <a:p>
-            <a:fld id="{9BF27F29-4B64-4A24-936A-FF41C34C242B}" type="slidenum">
-              <a:rPr lang="en-US" smtClean="0"/>
-              <a:t>35</a:t>
-            </a:fld>
-            <a:endParaRPr lang="en-US"/>
+              <a:rPr lang="en-US" dirty="0"/>
+              <a:t>* These researchers are not mentioned by name here out of respect </a:t>
+            </a:r>
+            <a:r>
+              <a:rPr lang="en-US"/>
+              <a:t>for privacy</a:t>
+            </a:r>
+            <a:endParaRPr lang="en-US" dirty="0"/>
           </a:p>
         </p:txBody>
       </p:sp>
     </p:spTree>
     <p:extLst>
       <p:ext uri="{BB962C8B-B14F-4D97-AF65-F5344CB8AC3E}">
-        <p14:creationId xmlns:p14="http://schemas.microsoft.com/office/powerpoint/2010/main" val="145195028"/>
+        <p14:creationId xmlns:p14="http://schemas.microsoft.com/office/powerpoint/2010/main" val="607039230"/>
       </p:ext>
     </p:extLst>
   </p:cSld>
@@ -9511,7 +9371,7 @@
           <p:cNvPr id="2" name="Title 1">
             <a:extLst>
               <a:ext uri="{FF2B5EF4-FFF2-40B4-BE49-F238E27FC236}">
-                <a16:creationId xmlns:a16="http://schemas.microsoft.com/office/drawing/2014/main" id="{F36C33BA-A556-449B-95D3-45F433C22810}"/>
+                <a16:creationId xmlns:a16="http://schemas.microsoft.com/office/drawing/2014/main" id="{663681EE-0279-4E00-41DC-EE8ECCBA47B8}"/>
               </a:ext>
             </a:extLst>
           </p:cNvPr>
@@ -9529,7 +9389,7 @@
           <a:p>
             <a:r>
               <a:rPr lang="en-US" dirty="0"/>
-              <a:t>Section 5: Conclusion</a:t>
+              <a:t>Depth 2: scope of pl design</a:t>
             </a:r>
           </a:p>
         </p:txBody>
@@ -9539,7 +9399,7 @@
           <p:cNvPr id="3" name="Content Placeholder 2">
             <a:extLst>
               <a:ext uri="{FF2B5EF4-FFF2-40B4-BE49-F238E27FC236}">
-                <a16:creationId xmlns:a16="http://schemas.microsoft.com/office/drawing/2014/main" id="{DB4FF299-CDB3-B6D1-CD20-FBBE393539B7}"/>
+                <a16:creationId xmlns:a16="http://schemas.microsoft.com/office/drawing/2014/main" id="{2DAD57FB-556B-C095-88CB-BB04CA61D95C}"/>
               </a:ext>
             </a:extLst>
           </p:cNvPr>
@@ -9552,17 +9412,96 @@
         </p:nvSpPr>
         <p:spPr/>
         <p:txBody>
-          <a:bodyPr/>
-          <a:lstStyle/>
-          <a:p>
-            <a:endParaRPr lang="en-US"/>
+          <a:bodyPr>
+            <a:normAutofit fontScale="92500" lnSpcReduction="20000"/>
+          </a:bodyPr>
+          <a:lstStyle/>
+          <a:p>
+            <a:r>
+              <a:rPr lang="en-US" dirty="0"/>
+              <a:t>This case study encourages us to question and expand our notion of PL as a field</a:t>
+            </a:r>
+            <a:br>
+              <a:rPr lang="en-US" dirty="0"/>
+            </a:br>
+            <a:r>
+              <a:rPr lang="en-US" dirty="0"/>
+              <a:t>“What do we study when we study PLs?”</a:t>
+            </a:r>
+          </a:p>
+          <a:p>
+            <a:r>
+              <a:rPr lang="en-US" b="1" dirty="0"/>
+              <a:t>Implication 1: </a:t>
+            </a:r>
+            <a:r>
+              <a:rPr lang="en-US" dirty="0"/>
+              <a:t>When we decide </a:t>
+            </a:r>
+            <a:r>
+              <a:rPr lang="en-US" b="1" i="1" dirty="0"/>
+              <a:t>what</a:t>
+            </a:r>
+            <a:r>
+              <a:rPr lang="en-US" dirty="0"/>
+              <a:t> our curriculum is for, this can have subtle implications on </a:t>
+            </a:r>
+            <a:r>
+              <a:rPr lang="en-US" b="1" i="1" dirty="0"/>
+              <a:t>whom</a:t>
+            </a:r>
+            <a:r>
+              <a:rPr lang="en-US" dirty="0"/>
+              <a:t> it is for, i.e., which students feel included or not</a:t>
+            </a:r>
+          </a:p>
+          <a:p>
+            <a:r>
+              <a:rPr lang="en-US" b="1" dirty="0"/>
+              <a:t>Implication 2:</a:t>
+            </a:r>
+            <a:r>
+              <a:rPr lang="en-US" dirty="0"/>
+              <a:t> When we view PL design as including the design of a PL’s user community and their discourse, we confront the idea that community discourse </a:t>
+            </a:r>
+            <a:r>
+              <a:rPr lang="en-US" b="1" i="1" dirty="0"/>
+              <a:t>can be designed:</a:t>
+            </a:r>
+            <a:endParaRPr lang="en-US" dirty="0"/>
+          </a:p>
+          <a:p>
+            <a:pPr lvl="1"/>
+            <a:r>
+              <a:rPr lang="en-US" dirty="0"/>
+              <a:t>From a Foucauldian perspective, written policy </a:t>
+            </a:r>
+            <a:r>
+              <a:rPr lang="en-US" b="1" i="1" dirty="0"/>
+              <a:t>creates</a:t>
+            </a:r>
+            <a:r>
+              <a:rPr lang="en-US" dirty="0"/>
+              <a:t> institutional restrictions on permitted discourse, which underly the social construction of a community</a:t>
+            </a:r>
+          </a:p>
+          <a:p>
+            <a:pPr lvl="1"/>
+            <a:r>
+              <a:rPr lang="en-US" dirty="0"/>
+              <a:t>In plain English: Community codes of conducts and governance procedures matter</a:t>
+            </a:r>
+            <a:br>
+              <a:rPr lang="en-US" dirty="0"/>
+            </a:br>
+            <a:endParaRPr lang="en-US" dirty="0"/>
           </a:p>
         </p:txBody>
       </p:sp>
     </p:spTree>
     <p:extLst>
       <p:ext uri="{BB962C8B-B14F-4D97-AF65-F5344CB8AC3E}">
-        <p14:creationId xmlns:p14="http://schemas.microsoft.com/office/powerpoint/2010/main" val="3096905813"/>
+        <p14:creationId xmlns:p14="http://schemas.microsoft.com/office/powerpoint/2010/main" val="316338164"/>
       </p:ext>
     </p:extLst>
   </p:cSld>
@@ -9594,7 +9533,7 @@
           <p:cNvPr id="2" name="Title 1">
             <a:extLst>
               <a:ext uri="{FF2B5EF4-FFF2-40B4-BE49-F238E27FC236}">
-                <a16:creationId xmlns:a16="http://schemas.microsoft.com/office/drawing/2014/main" id="{D024CB51-856C-F9F0-16D0-4B35DCED23A8}"/>
+                <a16:creationId xmlns:a16="http://schemas.microsoft.com/office/drawing/2014/main" id="{E1F2DBCA-8328-6021-86F7-16054B719BAE}"/>
               </a:ext>
             </a:extLst>
           </p:cNvPr>
@@ -9612,7 +9551,7 @@
           <a:p>
             <a:r>
               <a:rPr lang="en-US" dirty="0"/>
-              <a:t>Redefining scope</a:t>
+              <a:t>Implications on language choice</a:t>
             </a:r>
           </a:p>
         </p:txBody>
@@ -9622,7 +9561,7 @@
           <p:cNvPr id="3" name="Content Placeholder 2">
             <a:extLst>
               <a:ext uri="{FF2B5EF4-FFF2-40B4-BE49-F238E27FC236}">
-                <a16:creationId xmlns:a16="http://schemas.microsoft.com/office/drawing/2014/main" id="{9CC54AD1-54A4-B826-FD6B-BFDBAAE17ECF}"/>
+                <a16:creationId xmlns:a16="http://schemas.microsoft.com/office/drawing/2014/main" id="{B500F521-CDF9-803C-598C-2235EE80970A}"/>
               </a:ext>
             </a:extLst>
           </p:cNvPr>
@@ -9640,81 +9579,47 @@
           <a:p>
             <a:r>
               <a:rPr lang="en-US" dirty="0"/>
-              <a:t>PL </a:t>
-            </a:r>
-            <a:r>
-              <a:rPr lang="en-US" b="1" dirty="0"/>
-              <a:t>design</a:t>
-            </a:r>
-            <a:r>
-              <a:rPr lang="en-US" dirty="0"/>
-              <a:t> has long been a topic of interest. To this end, we expand the scope of HCPL to include topics from the humanities and social sciences which support design work</a:t>
-            </a:r>
-          </a:p>
-          <a:p>
-            <a:r>
-              <a:rPr lang="en-US" dirty="0"/>
-              <a:t>This </a:t>
-            </a:r>
-            <a:r>
-              <a:rPr lang="en-US" b="1" dirty="0"/>
-              <a:t>interdisciplinary</a:t>
-            </a:r>
-            <a:r>
-              <a:rPr lang="en-US" dirty="0"/>
-              <a:t> pedagogy is ambitious and thus needs several forms of support</a:t>
+              <a:t>As PL educators, we ought to entertain the idea that PL community discourses are a </a:t>
+            </a:r>
+            <a:r>
+              <a:rPr lang="en-US" b="1" i="1" dirty="0"/>
+              <a:t>design choice</a:t>
+            </a:r>
+            <a:r>
+              <a:rPr lang="en-US" dirty="0"/>
+              <a:t> not just in the creation of a new PL but in </a:t>
+            </a:r>
+            <a:r>
+              <a:rPr lang="en-US" b="1" i="1" dirty="0"/>
+              <a:t>curriculum design</a:t>
+            </a:r>
+            <a:endParaRPr lang="en-US" dirty="0"/>
+          </a:p>
+          <a:p>
+            <a:r>
+              <a:rPr lang="en-US" dirty="0"/>
+              <a:t>When your students search for help online, who are they talking to, and how are they being spoken to? What self-images might these interactions promote?</a:t>
             </a:r>
           </a:p>
           <a:p>
             <a:pPr lvl="1"/>
             <a:r>
-              <a:rPr lang="en-US" b="1" dirty="0"/>
-              <a:t>Course design support: </a:t>
-            </a:r>
-            <a:r>
-              <a:rPr lang="en-US" dirty="0"/>
-              <a:t>The HCPL course uses five </a:t>
+              <a:rPr lang="en-US" dirty="0"/>
+              <a:t>If a given PL community exhibits toxic interaction, educators should be wary of potential impacts on </a:t>
             </a:r>
             <a:r>
               <a:rPr lang="en-US" b="1" i="1" dirty="0"/>
-              <a:t>archetypes</a:t>
-            </a:r>
-            <a:r>
-              <a:rPr lang="en-US" dirty="0"/>
-              <a:t>, or fictional characters, throughout the course to help identify and contextualize competing perspectives</a:t>
-            </a:r>
-          </a:p>
-          <a:p>
-            <a:pPr lvl="1"/>
-            <a:r>
-              <a:rPr lang="en-US" b="1" dirty="0"/>
-              <a:t>Conservative </a:t>
-            </a:r>
-            <a:r>
-              <a:rPr lang="en-US" b="1" dirty="0" err="1"/>
-              <a:t>ungrading</a:t>
-            </a:r>
-            <a:r>
-              <a:rPr lang="en-US" b="1" dirty="0"/>
-              <a:t> </a:t>
-            </a:r>
-            <a:r>
-              <a:rPr lang="en-US" dirty="0"/>
-              <a:t>scheme balances course expectations:</a:t>
-            </a:r>
-          </a:p>
-          <a:p>
-            <a:pPr lvl="2"/>
-            <a:r>
-              <a:rPr lang="en-US" dirty="0"/>
-              <a:t>Students must do both programming work and (usability study) design work</a:t>
-            </a:r>
-          </a:p>
-          <a:p>
-            <a:pPr lvl="2"/>
-            <a:r>
-              <a:rPr lang="en-US" dirty="0"/>
-              <a:t>Design work is graded base on completion, to accommodate programming-focused students</a:t>
+              <a:t>all </a:t>
+            </a:r>
+            <a:r>
+              <a:rPr lang="en-US" dirty="0"/>
+              <a:t>students, but especially students from marginalized groups</a:t>
+            </a:r>
+          </a:p>
+          <a:p>
+            <a:r>
+              <a:rPr lang="en-US" dirty="0"/>
+              <a:t>We also have the choice of rewarding language communities that have dedicated special attention to the experience of newcomers (Rust and Racket are both contenders)</a:t>
             </a:r>
           </a:p>
         </p:txBody>
@@ -9722,7 +9627,7 @@
     </p:spTree>
     <p:extLst>
       <p:ext uri="{BB962C8B-B14F-4D97-AF65-F5344CB8AC3E}">
-        <p14:creationId xmlns:p14="http://schemas.microsoft.com/office/powerpoint/2010/main" val="1611240373"/>
+        <p14:creationId xmlns:p14="http://schemas.microsoft.com/office/powerpoint/2010/main" val="863502957"/>
       </p:ext>
     </p:extLst>
   </p:cSld>
@@ -9754,7 +9659,7 @@
           <p:cNvPr id="2" name="Title 1">
             <a:extLst>
               <a:ext uri="{FF2B5EF4-FFF2-40B4-BE49-F238E27FC236}">
-                <a16:creationId xmlns:a16="http://schemas.microsoft.com/office/drawing/2014/main" id="{29432B4D-93B5-B08D-70C2-BFA916CDB35F}"/>
+                <a16:creationId xmlns:a16="http://schemas.microsoft.com/office/drawing/2014/main" id="{4317ED53-F398-E179-B681-8218EB7CCB92}"/>
               </a:ext>
             </a:extLst>
           </p:cNvPr>
@@ -9771,9 +9676,14 @@
           <a:lstStyle/>
           <a:p>
             <a:r>
-              <a:rPr lang="en-US"/>
-              <a:t>Future work</a:t>
-            </a:r>
+              <a:rPr lang="en-US" dirty="0"/>
+              <a:t>Beyond case study: </a:t>
+            </a:r>
+            <a:r>
+              <a:rPr lang="en-US" dirty="0" err="1"/>
+              <a:t>GenderMag</a:t>
+            </a:r>
+            <a:endParaRPr lang="en-US" dirty="0"/>
           </a:p>
         </p:txBody>
       </p:sp>
@@ -9782,7 +9692,7 @@
           <p:cNvPr id="3" name="Content Placeholder 2">
             <a:extLst>
               <a:ext uri="{FF2B5EF4-FFF2-40B4-BE49-F238E27FC236}">
-                <a16:creationId xmlns:a16="http://schemas.microsoft.com/office/drawing/2014/main" id="{BD42A763-D35A-2D8F-C1BF-DC68F9224BA8}"/>
+                <a16:creationId xmlns:a16="http://schemas.microsoft.com/office/drawing/2014/main" id="{EEBDB3E6-0F62-7B16-2B68-A5A1B15B1EB6}"/>
               </a:ext>
             </a:extLst>
           </p:cNvPr>
@@ -9795,55 +9705,92 @@
         </p:nvSpPr>
         <p:spPr/>
         <p:txBody>
-          <a:bodyPr/>
-          <a:lstStyle/>
+          <a:bodyPr>
+            <a:normAutofit fontScale="92500" lnSpcReduction="10000"/>
+          </a:bodyPr>
+          <a:lstStyle/>
+          <a:p>
+            <a:r>
+              <a:rPr lang="en-US" dirty="0"/>
+              <a:t>The C+= case study </a:t>
+            </a:r>
+            <a:r>
+              <a:rPr lang="en-US" b="1" i="1" dirty="0"/>
+              <a:t>does not</a:t>
+            </a:r>
+            <a:r>
+              <a:rPr lang="en-US" dirty="0"/>
+              <a:t> seek immediate design implications</a:t>
+            </a:r>
+          </a:p>
+          <a:p>
+            <a:r>
+              <a:rPr lang="en-US" dirty="0"/>
+              <a:t>Yet PL design is a unifying theme of the course. We should </a:t>
+            </a:r>
+            <a:r>
+              <a:rPr lang="en-US" b="1" i="1" dirty="0"/>
+              <a:t>try.</a:t>
+            </a:r>
+            <a:r>
+              <a:rPr lang="en-US" dirty="0"/>
+              <a:t> But how?</a:t>
+            </a:r>
+          </a:p>
+          <a:p>
+            <a:r>
+              <a:rPr lang="en-US" dirty="0"/>
+              <a:t>Lacking a Gender-PL-Design methodology, appeal to </a:t>
+            </a:r>
+            <a:r>
+              <a:rPr lang="en-US" dirty="0" err="1"/>
+              <a:t>GenderMag</a:t>
+            </a:r>
+            <a:r>
+              <a:rPr lang="en-US" dirty="0"/>
+              <a:t>, from gender HCI</a:t>
+            </a:r>
+          </a:p>
+          <a:p>
+            <a:pPr lvl="1"/>
+            <a:r>
+              <a:rPr lang="en-US" dirty="0"/>
+              <a:t>Identify aspects of problem-solving style whose statistical averages vary by gender according to large-scale empirical studies</a:t>
+            </a:r>
+          </a:p>
+          <a:p>
+            <a:pPr lvl="1"/>
+            <a:r>
+              <a:rPr lang="en-US" dirty="0"/>
+              <a:t>Develop user personas which reflect diverse values of those problem-solving styles</a:t>
+            </a:r>
+          </a:p>
+          <a:p>
+            <a:pPr lvl="1"/>
+            <a:r>
+              <a:rPr lang="en-US" dirty="0"/>
+              <a:t>Walk through (simulated) steps of user interaction using those personas</a:t>
+            </a:r>
+          </a:p>
+          <a:p>
+            <a:pPr lvl="1"/>
+            <a:r>
+              <a:rPr lang="en-US" dirty="0"/>
+              <a:t>Use these interactions to drive iterative design process</a:t>
+            </a:r>
+          </a:p>
           <a:p>
             <a:r>
               <a:rPr lang="en-US" b="1" dirty="0"/>
-              <a:t>Publication: </a:t>
-            </a:r>
-            <a:r>
-              <a:rPr lang="en-US" dirty="0"/>
-              <a:t>HCPL is currently self-published, publisher search is in-progress</a:t>
-            </a:r>
-          </a:p>
-          <a:p>
-            <a:r>
-              <a:rPr lang="en-US" b="1" dirty="0"/>
-              <a:t>Content:</a:t>
-            </a:r>
-            <a:r>
-              <a:rPr lang="en-US" dirty="0"/>
-              <a:t> HCPL contains 20 chapters already, but at least one more is planned, e.g., on multi-cultural considerations in PL design</a:t>
-            </a:r>
-          </a:p>
-          <a:p>
-            <a:r>
-              <a:rPr lang="en-US" b="1" dirty="0"/>
-              <a:t>Creative instructional materials:</a:t>
-            </a:r>
-            <a:r>
-              <a:rPr lang="en-US" dirty="0"/>
-              <a:t> Such as instructive comics with each chapter</a:t>
-            </a:r>
-          </a:p>
-          <a:p>
-            <a:r>
-              <a:rPr lang="en-US" b="1" dirty="0"/>
-              <a:t>Broader Classroom Use: </a:t>
-            </a:r>
-            <a:r>
-              <a:rPr lang="en-US" dirty="0"/>
-              <a:t>If you are interested in using my materials in your classrooms, I am happy to provide support</a:t>
-            </a:r>
-            <a:endParaRPr lang="en-US" b="1" dirty="0"/>
+              <a:t>Figure: The facets and potential ideas for gender-inclusive PL design</a:t>
+            </a:r>
           </a:p>
         </p:txBody>
       </p:sp>
     </p:spTree>
     <p:extLst>
       <p:ext uri="{BB962C8B-B14F-4D97-AF65-F5344CB8AC3E}">
-        <p14:creationId xmlns:p14="http://schemas.microsoft.com/office/powerpoint/2010/main" val="832792881"/>
+        <p14:creationId xmlns:p14="http://schemas.microsoft.com/office/powerpoint/2010/main" val="962127824"/>
       </p:ext>
     </p:extLst>
   </p:cSld>
@@ -9875,7 +9822,7 @@
           <p:cNvPr id="2" name="Title 1">
             <a:extLst>
               <a:ext uri="{FF2B5EF4-FFF2-40B4-BE49-F238E27FC236}">
-                <a16:creationId xmlns:a16="http://schemas.microsoft.com/office/drawing/2014/main" id="{9DC3E90D-997F-D9DF-7D87-28029B61CC87}"/>
+                <a16:creationId xmlns:a16="http://schemas.microsoft.com/office/drawing/2014/main" id="{29432B4D-93B5-B08D-70C2-BFA916CDB35F}"/>
               </a:ext>
             </a:extLst>
           </p:cNvPr>
@@ -9892,12 +9839,8 @@
           <a:lstStyle/>
           <a:p>
             <a:r>
-              <a:rPr lang="en-US" dirty="0"/>
-              <a:t>Thank </a:t>
-            </a:r>
-            <a:r>
               <a:rPr lang="en-US"/>
-              <a:t>my collaborators slide</a:t>
+              <a:t>Future work</a:t>
             </a:r>
           </a:p>
         </p:txBody>
@@ -9907,7 +9850,7 @@
           <p:cNvPr id="3" name="Content Placeholder 2">
             <a:extLst>
               <a:ext uri="{FF2B5EF4-FFF2-40B4-BE49-F238E27FC236}">
-                <a16:creationId xmlns:a16="http://schemas.microsoft.com/office/drawing/2014/main" id="{A1BCC51C-2F15-0F64-35C6-E461A29702BD}"/>
+                <a16:creationId xmlns:a16="http://schemas.microsoft.com/office/drawing/2014/main" id="{BD42A763-D35A-2D8F-C1BF-DC68F9224BA8}"/>
               </a:ext>
             </a:extLst>
           </p:cNvPr>
@@ -9923,14 +9866,52 @@
           <a:bodyPr/>
           <a:lstStyle/>
           <a:p>
-            <a:endParaRPr lang="en-US"/>
+            <a:r>
+              <a:rPr lang="en-US" b="1" dirty="0"/>
+              <a:t>Publication: </a:t>
+            </a:r>
+            <a:r>
+              <a:rPr lang="en-US" dirty="0"/>
+              <a:t>HCPL is currently self-published, publisher search is in-progress</a:t>
+            </a:r>
+          </a:p>
+          <a:p>
+            <a:r>
+              <a:rPr lang="en-US" b="1" dirty="0"/>
+              <a:t>Content:</a:t>
+            </a:r>
+            <a:r>
+              <a:rPr lang="en-US" dirty="0"/>
+              <a:t> HCPL contains 20 chapters already, but at least one more is planned, e.g., on multi-cultural considerations in PL design</a:t>
+            </a:r>
+          </a:p>
+          <a:p>
+            <a:r>
+              <a:rPr lang="en-US" b="1" dirty="0"/>
+              <a:t>Creative instructional materials:</a:t>
+            </a:r>
+            <a:r>
+              <a:rPr lang="en-US" dirty="0"/>
+              <a:t> Such as instructive comics with each chapter</a:t>
+            </a:r>
+          </a:p>
+          <a:p>
+            <a:r>
+              <a:rPr lang="en-US" b="1" dirty="0"/>
+              <a:t>Broader Classroom Use: </a:t>
+            </a:r>
+            <a:r>
+              <a:rPr lang="en-US" dirty="0"/>
+              <a:t>If you are interested in using my materials in your classrooms, I am happy to provide support</a:t>
+            </a:r>
+            <a:endParaRPr lang="en-US" b="1" dirty="0"/>
           </a:p>
         </p:txBody>
       </p:sp>
     </p:spTree>
     <p:extLst>
       <p:ext uri="{BB962C8B-B14F-4D97-AF65-F5344CB8AC3E}">
-        <p14:creationId xmlns:p14="http://schemas.microsoft.com/office/powerpoint/2010/main" val="834309054"/>
+        <p14:creationId xmlns:p14="http://schemas.microsoft.com/office/powerpoint/2010/main" val="832792881"/>
       </p:ext>
     </p:extLst>
   </p:cSld>
@@ -10108,6 +10089,159 @@
     <p:extLst>
       <p:ext uri="{BB962C8B-B14F-4D97-AF65-F5344CB8AC3E}">
         <p14:creationId xmlns:p14="http://schemas.microsoft.com/office/powerpoint/2010/main" val="3373280572"/>
+      </p:ext>
+    </p:extLst>
+  </p:cSld>
+  <p:clrMapOvr>
+    <a:masterClrMapping/>
+  </p:clrMapOvr>
+</p:sld>
+</file>
+
+<file path=ppt/slides/slide40.xml><?xml version="1.0" encoding="utf-8"?>
+<p:sld xmlns:a="http://schemas.openxmlformats.org/drawingml/2006/main" xmlns:r="http://schemas.openxmlformats.org/officeDocument/2006/relationships" xmlns:p="http://schemas.openxmlformats.org/presentationml/2006/main">
+  <p:cSld>
+    <p:spTree>
+      <p:nvGrpSpPr>
+        <p:cNvPr id="1" name=""/>
+        <p:cNvGrpSpPr/>
+        <p:nvPr/>
+      </p:nvGrpSpPr>
+      <p:grpSpPr>
+        <a:xfrm>
+          <a:off x="0" y="0"/>
+          <a:ext cx="0" cy="0"/>
+          <a:chOff x="0" y="0"/>
+          <a:chExt cx="0" cy="0"/>
+        </a:xfrm>
+      </p:grpSpPr>
+      <p:sp>
+        <p:nvSpPr>
+          <p:cNvPr id="2" name="Title 1">
+            <a:extLst>
+              <a:ext uri="{FF2B5EF4-FFF2-40B4-BE49-F238E27FC236}">
+                <a16:creationId xmlns:a16="http://schemas.microsoft.com/office/drawing/2014/main" id="{F995E521-4686-319B-7490-30379BD66C71}"/>
+              </a:ext>
+            </a:extLst>
+          </p:cNvPr>
+          <p:cNvSpPr>
+            <a:spLocks noGrp="1"/>
+          </p:cNvSpPr>
+          <p:nvPr>
+            <p:ph type="title"/>
+          </p:nvPr>
+        </p:nvSpPr>
+        <p:spPr/>
+        <p:txBody>
+          <a:bodyPr/>
+          <a:lstStyle/>
+          <a:p>
+            <a:r>
+              <a:rPr lang="en-US" dirty="0"/>
+              <a:t>Thank You to Many People!</a:t>
+            </a:r>
+          </a:p>
+        </p:txBody>
+      </p:sp>
+      <p:sp>
+        <p:nvSpPr>
+          <p:cNvPr id="3" name="Content Placeholder 2">
+            <a:extLst>
+              <a:ext uri="{FF2B5EF4-FFF2-40B4-BE49-F238E27FC236}">
+                <a16:creationId xmlns:a16="http://schemas.microsoft.com/office/drawing/2014/main" id="{6E1F46F4-ADB2-D383-89FC-05535F8147EA}"/>
+              </a:ext>
+            </a:extLst>
+          </p:cNvPr>
+          <p:cNvSpPr>
+            <a:spLocks noGrp="1"/>
+          </p:cNvSpPr>
+          <p:nvPr>
+            <p:ph idx="1"/>
+          </p:nvPr>
+        </p:nvSpPr>
+        <p:spPr/>
+        <p:txBody>
+          <a:bodyPr>
+            <a:normAutofit fontScale="85000" lnSpcReduction="20000"/>
+          </a:bodyPr>
+          <a:lstStyle/>
+          <a:p>
+            <a:pPr marL="1944" indent="0">
+              <a:buNone/>
+            </a:pPr>
+            <a:r>
+              <a:rPr lang="en-US" dirty="0"/>
+              <a:t>Writing a book is a significant time and emotional investment. I’m deeply grateful to the </a:t>
+            </a:r>
+            <a:r>
+              <a:rPr lang="en-US" b="1" dirty="0"/>
+              <a:t>many </a:t>
+            </a:r>
+            <a:r>
+              <a:rPr lang="en-US" dirty="0"/>
+              <a:t>people who kept me motivated and supported throughout the writing process</a:t>
+            </a:r>
+          </a:p>
+          <a:p>
+            <a:r>
+              <a:rPr lang="en-US" dirty="0"/>
+              <a:t>Gillian Smith and Chris Martens for reminding me the book needs to exist</a:t>
+            </a:r>
+          </a:p>
+          <a:p>
+            <a:r>
+              <a:rPr lang="en-US" dirty="0"/>
+              <a:t>Matthew Ahrens for feedback on paper draft</a:t>
+            </a:r>
+          </a:p>
+          <a:p>
+            <a:r>
+              <a:rPr lang="en-US" dirty="0"/>
+              <a:t>Molly Feldman for encouraging this paper submission</a:t>
+            </a:r>
+          </a:p>
+          <a:p>
+            <a:r>
+              <a:rPr lang="en-US" dirty="0"/>
+              <a:t>Leif Andersen for lived experience on PL research and disability</a:t>
+            </a:r>
+          </a:p>
+          <a:p>
+            <a:r>
+              <a:rPr lang="en-US" dirty="0" err="1"/>
+              <a:t>Felienne</a:t>
+            </a:r>
+            <a:r>
+              <a:rPr lang="en-US" dirty="0"/>
+              <a:t> J.J. Hermans for encouragement, feedback, and cross-cultural PL expertise</a:t>
+            </a:r>
+          </a:p>
+          <a:p>
+            <a:r>
+              <a:rPr lang="en-US" dirty="0"/>
+              <a:t>Ichiro </a:t>
+            </a:r>
+            <a:r>
+              <a:rPr lang="en-US" dirty="0" err="1"/>
+              <a:t>Hasuo</a:t>
+            </a:r>
+            <a:r>
+              <a:rPr lang="en-US" dirty="0"/>
+              <a:t> for encouraging me to keep my PL brain and human-centered brain on at the same time</a:t>
+            </a:r>
+          </a:p>
+          <a:p>
+            <a:r>
+              <a:rPr lang="en-US" dirty="0"/>
+              <a:t>And many students, friends, and colleagues who told me something in the work resonated with them</a:t>
+            </a:r>
+          </a:p>
+        </p:txBody>
+      </p:sp>
+    </p:spTree>
+    <p:extLst>
+      <p:ext uri="{BB962C8B-B14F-4D97-AF65-F5344CB8AC3E}">
+        <p14:creationId xmlns:p14="http://schemas.microsoft.com/office/powerpoint/2010/main" val="1847003846"/>
       </p:ext>
     </p:extLst>
   </p:cSld>
@@ -10380,6 +10514,13 @@
               <a:rPr lang="en-US" dirty="0"/>
               <a:t>Section 2: Torino</a:t>
             </a:r>
+            <a:br>
+              <a:rPr lang="en-US" dirty="0"/>
+            </a:br>
+            <a:r>
+              <a:rPr lang="en-US" dirty="0"/>
+              <a:t>A PL for visually disabled children</a:t>
+            </a:r>
           </a:p>
         </p:txBody>
       </p:sp>
@@ -10443,7 +10584,7 @@
           <p:cNvPr id="2" name="Title 1">
             <a:extLst>
               <a:ext uri="{FF2B5EF4-FFF2-40B4-BE49-F238E27FC236}">
-                <a16:creationId xmlns:a16="http://schemas.microsoft.com/office/drawing/2014/main" id="{A17CCBB5-8B60-D5E8-2AC9-2952ABCFE6B0}"/>
+                <a16:creationId xmlns:a16="http://schemas.microsoft.com/office/drawing/2014/main" id="{D578C97C-63D7-BEF8-AACD-18F12931C4E7}"/>
               </a:ext>
             </a:extLst>
           </p:cNvPr>
@@ -10461,12 +10602,16 @@
           <a:p>
             <a:r>
               <a:rPr lang="en-US" dirty="0"/>
-              <a:t>Who is Torino for?</a:t>
-            </a:r>
-            <a:br>
-              <a:rPr lang="en-US" dirty="0"/>
-            </a:br>
-            <a:endParaRPr lang="en-US" dirty="0"/>
+              <a:t>How does </a:t>
+            </a:r>
+            <a:r>
+              <a:rPr lang="en-US" dirty="0" err="1"/>
+              <a:t>torino</a:t>
+            </a:r>
+            <a:r>
+              <a:rPr lang="en-US" dirty="0"/>
+              <a:t> work? Tactile syntax</a:t>
+            </a:r>
           </a:p>
         </p:txBody>
       </p:sp>
@@ -10475,7 +10620,7 @@
           <p:cNvPr id="3" name="Content Placeholder 2">
             <a:extLst>
               <a:ext uri="{FF2B5EF4-FFF2-40B4-BE49-F238E27FC236}">
-                <a16:creationId xmlns:a16="http://schemas.microsoft.com/office/drawing/2014/main" id="{1A29538B-5E7E-945F-5BDF-CEEAA5E6A1F3}"/>
+                <a16:creationId xmlns:a16="http://schemas.microsoft.com/office/drawing/2014/main" id="{8807885C-F4D8-30F1-7780-4DFFAEACECF5}"/>
               </a:ext>
             </a:extLst>
           </p:cNvPr>
@@ -10486,58 +10631,117 @@
             <p:ph idx="1"/>
           </p:nvPr>
         </p:nvSpPr>
-        <p:spPr/>
-        <p:txBody>
-          <a:bodyPr/>
-          <a:lstStyle/>
-          <a:p>
-            <a:r>
-              <a:rPr lang="en-US" dirty="0"/>
-              <a:t>“Early” programming language for children ages 7-11</a:t>
-            </a:r>
-          </a:p>
-          <a:p>
-            <a:r>
-              <a:rPr lang="en-US" dirty="0"/>
-              <a:t>Research prototype out of Microsoft Research, not commercially released</a:t>
-            </a:r>
-          </a:p>
-          <a:p>
-            <a:r>
-              <a:rPr lang="en-US" dirty="0"/>
-              <a:t>Special focus: Visually-disabled children</a:t>
-            </a:r>
-          </a:p>
-          <a:p>
-            <a:r>
-              <a:rPr lang="en-US" dirty="0"/>
-              <a:t>The details matter:</a:t>
+        <p:spPr>
+          <a:xfrm>
+            <a:off x="853439" y="2015732"/>
+            <a:ext cx="11104881" cy="4222508"/>
+          </a:xfrm>
+        </p:spPr>
+        <p:txBody>
+          <a:bodyPr>
+            <a:normAutofit/>
+          </a:bodyPr>
+          <a:lstStyle/>
+          <a:p>
+            <a:r>
+              <a:rPr lang="en-US" b="1" dirty="0"/>
+              <a:t>Challenge: </a:t>
+            </a:r>
+            <a:r>
+              <a:rPr lang="en-US" dirty="0"/>
+              <a:t>Existing PL syntaxes are not good for groups of visually-disabled children</a:t>
             </a:r>
           </a:p>
           <a:p>
             <a:pPr lvl="1"/>
             <a:r>
-              <a:rPr lang="en-US" dirty="0"/>
-              <a:t>All students in this learning environment are visually-disabled, but the extent of disability varies greatly between them</a:t>
+              <a:rPr lang="en-US" b="1" dirty="0"/>
+              <a:t>Text-based: </a:t>
+            </a:r>
+            <a:r>
+              <a:rPr lang="en-US" dirty="0"/>
+              <a:t>Challenging for all young </a:t>
+            </a:r>
+            <a:r>
+              <a:rPr lang="en-US" dirty="0" err="1"/>
+              <a:t>chlidren</a:t>
+            </a:r>
+            <a:r>
+              <a:rPr lang="en-US" dirty="0"/>
+              <a:t> (limited literacy)</a:t>
             </a:r>
           </a:p>
           <a:p>
             <a:pPr lvl="1"/>
             <a:r>
-              <a:rPr lang="en-US" dirty="0"/>
-              <a:t>Social well-being is a focus for this population</a:t>
+              <a:rPr lang="en-US" b="1" dirty="0"/>
+              <a:t>Block-based: </a:t>
+            </a:r>
+            <a:r>
+              <a:rPr lang="en-US" dirty="0"/>
+              <a:t>Good for most children, but not visually accessible</a:t>
             </a:r>
           </a:p>
           <a:p>
             <a:pPr lvl="1"/>
-            <a:endParaRPr lang="en-US" dirty="0"/>
+            <a:r>
+              <a:rPr lang="en-US" b="1" dirty="0"/>
+              <a:t>Sound-based:</a:t>
+            </a:r>
+            <a:r>
+              <a:rPr lang="en-US" dirty="0"/>
+              <a:t> May make partially-sighted children feel “held back”. Over-reliant on memory</a:t>
+            </a:r>
+            <a:endParaRPr lang="en-US" b="1" dirty="0"/>
+          </a:p>
+          <a:p>
+            <a:r>
+              <a:rPr lang="en-US" b="1" dirty="0"/>
+              <a:t>Bead-based tactile syntax:</a:t>
+            </a:r>
+            <a:r>
+              <a:rPr lang="en-US" dirty="0"/>
+              <a:t> </a:t>
+            </a:r>
+          </a:p>
+          <a:p>
+            <a:pPr lvl="1"/>
+            <a:r>
+              <a:rPr lang="en-US" b="1" dirty="0"/>
+              <a:t>Distinct shapes </a:t>
+            </a:r>
+            <a:r>
+              <a:rPr lang="en-US" dirty="0"/>
+              <a:t>allow telling constructs apart by touch</a:t>
+            </a:r>
+          </a:p>
+          <a:p>
+            <a:pPr lvl="1"/>
+            <a:r>
+              <a:rPr lang="en-US" dirty="0"/>
+              <a:t>Physical wires can be used to trace the flow of a program</a:t>
+            </a:r>
+          </a:p>
+          <a:p>
+            <a:pPr lvl="1"/>
+            <a:r>
+              <a:rPr lang="en-US" dirty="0"/>
+              <a:t>Colors of beads accommodate those who have some vision</a:t>
+            </a:r>
+          </a:p>
+          <a:p>
+            <a:pPr lvl="1"/>
+            <a:r>
+              <a:rPr lang="en-US" dirty="0"/>
+              <a:t>Output is sound, to avoid reliance on vision</a:t>
+            </a:r>
           </a:p>
         </p:txBody>
       </p:sp>
     </p:spTree>
     <p:extLst>
       <p:ext uri="{BB962C8B-B14F-4D97-AF65-F5344CB8AC3E}">
-        <p14:creationId xmlns:p14="http://schemas.microsoft.com/office/powerpoint/2010/main" val="3174051955"/>
+        <p14:creationId xmlns:p14="http://schemas.microsoft.com/office/powerpoint/2010/main" val="1203304319"/>
       </p:ext>
     </p:extLst>
   </p:cSld>
@@ -10569,7 +10773,7 @@
           <p:cNvPr id="2" name="Title 1">
             <a:extLst>
               <a:ext uri="{FF2B5EF4-FFF2-40B4-BE49-F238E27FC236}">
-                <a16:creationId xmlns:a16="http://schemas.microsoft.com/office/drawing/2014/main" id="{D578C97C-63D7-BEF8-AACD-18F12931C4E7}"/>
+                <a16:creationId xmlns:a16="http://schemas.microsoft.com/office/drawing/2014/main" id="{ED7C0D3E-A433-31A9-0B63-BA382BC5DA2B}"/>
               </a:ext>
             </a:extLst>
           </p:cNvPr>
@@ -10587,15 +10791,7 @@
           <a:p>
             <a:r>
               <a:rPr lang="en-US" dirty="0"/>
-              <a:t>How does </a:t>
-            </a:r>
-            <a:r>
-              <a:rPr lang="en-US" dirty="0" err="1"/>
-              <a:t>torino</a:t>
-            </a:r>
-            <a:r>
-              <a:rPr lang="en-US" dirty="0"/>
-              <a:t> work? Tactile syntax</a:t>
+              <a:t>Depth 1: Syntax</a:t>
             </a:r>
           </a:p>
         </p:txBody>
@@ -10605,7 +10801,7 @@
           <p:cNvPr id="3" name="Content Placeholder 2">
             <a:extLst>
               <a:ext uri="{FF2B5EF4-FFF2-40B4-BE49-F238E27FC236}">
-                <a16:creationId xmlns:a16="http://schemas.microsoft.com/office/drawing/2014/main" id="{8807885C-F4D8-30F1-7780-4DFFAEACECF5}"/>
+                <a16:creationId xmlns:a16="http://schemas.microsoft.com/office/drawing/2014/main" id="{1E08799C-49B3-D864-7A8B-C96274B45E13}"/>
               </a:ext>
             </a:extLst>
           </p:cNvPr>
@@ -10616,123 +10812,115 @@
             <p:ph idx="1"/>
           </p:nvPr>
         </p:nvSpPr>
-        <p:spPr>
-          <a:xfrm>
-            <a:off x="853439" y="2015732"/>
-            <a:ext cx="11104881" cy="4222508"/>
-          </a:xfrm>
-        </p:spPr>
+        <p:spPr/>
         <p:txBody>
           <a:bodyPr>
-            <a:normAutofit/>
+            <a:normAutofit fontScale="92500" lnSpcReduction="20000"/>
           </a:bodyPr>
           <a:lstStyle/>
           <a:p>
             <a:r>
+              <a:rPr lang="en-US" dirty="0"/>
+              <a:t>Traditional PL courses have struggle to provide students a clear intellectual foundation for questions of syntax design</a:t>
+            </a:r>
+          </a:p>
+          <a:p>
+            <a:pPr lvl="1"/>
+            <a:r>
+              <a:rPr lang="en-US" dirty="0"/>
+              <a:t>The “Theory” approach -&gt; “Syntax doesn’t matter”</a:t>
+            </a:r>
+          </a:p>
+          <a:p>
+            <a:pPr lvl="1"/>
+            <a:r>
+              <a:rPr lang="en-US" dirty="0"/>
+              <a:t>The “Racket” approach -&gt; (Make (it all) parentheses) </a:t>
+            </a:r>
+          </a:p>
+          <a:p>
+            <a:r>
+              <a:rPr lang="en-US" dirty="0"/>
+              <a:t>Try the “</a:t>
+            </a:r>
+            <a:r>
+              <a:rPr lang="en-US" dirty="0" err="1"/>
+              <a:t>Randomo</a:t>
+            </a:r>
+            <a:r>
+              <a:rPr lang="en-US" dirty="0"/>
+              <a:t>” approach? -&gt; Randomized controlled trials (too narrow)</a:t>
+            </a:r>
+          </a:p>
+          <a:p>
+            <a:r>
+              <a:rPr lang="en-US" dirty="0"/>
+              <a:t>Torino suggests a foundational two-prong approach:</a:t>
+            </a:r>
+          </a:p>
+          <a:p>
+            <a:pPr lvl="1"/>
+            <a:r>
+              <a:rPr lang="en-US" dirty="0"/>
+              <a:t>Use </a:t>
+            </a:r>
+            <a:r>
               <a:rPr lang="en-US" b="1" dirty="0"/>
-              <a:t>Challenge: </a:t>
-            </a:r>
-            <a:r>
-              <a:rPr lang="en-US" dirty="0"/>
-              <a:t>Existing PL syntaxes are not good for groups of visually-disabled children</a:t>
-            </a:r>
+              <a:t>critical theory</a:t>
+            </a:r>
+            <a:r>
+              <a:rPr lang="en-US" dirty="0"/>
+              <a:t> from the humanities to identify </a:t>
+            </a:r>
+            <a:r>
+              <a:rPr lang="en-US" b="1" dirty="0"/>
+              <a:t>design values</a:t>
+            </a:r>
+            <a:endParaRPr lang="en-US" dirty="0"/>
           </a:p>
           <a:p>
             <a:pPr lvl="1"/>
             <a:r>
+              <a:rPr lang="en-US" dirty="0"/>
+              <a:t>Use </a:t>
+            </a:r>
+            <a:r>
               <a:rPr lang="en-US" b="1" dirty="0"/>
-              <a:t>Text-based: </a:t>
-            </a:r>
-            <a:r>
-              <a:rPr lang="en-US" dirty="0"/>
-              <a:t>Challenging for all young </a:t>
-            </a:r>
-            <a:r>
-              <a:rPr lang="en-US" dirty="0" err="1"/>
-              <a:t>chlidren</a:t>
-            </a:r>
-            <a:r>
-              <a:rPr lang="en-US" dirty="0"/>
-              <a:t> (limited literacy)</a:t>
-            </a:r>
-          </a:p>
-          <a:p>
-            <a:pPr lvl="1"/>
+              <a:t>qualitative methods</a:t>
+            </a:r>
+            <a:r>
+              <a:rPr lang="en-US" dirty="0"/>
+              <a:t> from human-computer interaction to assess, iterate</a:t>
+            </a:r>
+          </a:p>
+          <a:p>
             <a:r>
               <a:rPr lang="en-US" b="1" dirty="0"/>
-              <a:t>Block-based: </a:t>
-            </a:r>
-            <a:r>
-              <a:rPr lang="en-US" dirty="0"/>
-              <a:t>Good for most children, but not visually accessible</a:t>
-            </a:r>
-          </a:p>
-          <a:p>
-            <a:pPr lvl="1"/>
-            <a:r>
-              <a:rPr lang="en-US" b="1" dirty="0"/>
-              <a:t>Sound-based:</a:t>
-            </a:r>
-            <a:r>
-              <a:rPr lang="en-US" dirty="0"/>
-              <a:t> May make partially-sighted children feel “held back”. Over-reliant on memory</a:t>
+              <a:t>Importance:</a:t>
+            </a:r>
+            <a:r>
+              <a:rPr lang="en-US" dirty="0"/>
+              <a:t> Syntax is one of the </a:t>
+            </a:r>
+            <a:r>
+              <a:rPr lang="en-US" b="1" i="1" u="sng" dirty="0"/>
+              <a:t>most common </a:t>
+            </a:r>
+            <a:r>
+              <a:rPr lang="en-US" dirty="0"/>
+              <a:t>stated interests among students</a:t>
             </a:r>
             <a:endParaRPr lang="en-US" b="1" dirty="0"/>
           </a:p>
           <a:p>
-            <a:r>
-              <a:rPr lang="en-US" b="1" dirty="0"/>
-              <a:t>Bead-based tactile syntax:</a:t>
-            </a:r>
-            <a:r>
-              <a:rPr lang="en-US" dirty="0"/>
-              <a:t> </a:t>
-            </a:r>
-          </a:p>
-          <a:p>
-            <a:pPr lvl="1"/>
-            <a:r>
-              <a:rPr lang="en-US" b="1" dirty="0"/>
-              <a:t>Distinct shapes </a:t>
-            </a:r>
-            <a:r>
-              <a:rPr lang="en-US" dirty="0"/>
-              <a:t>allow telling constructs apart by touch</a:t>
-            </a:r>
-          </a:p>
-          <a:p>
-            <a:pPr lvl="1"/>
-            <a:r>
-              <a:rPr lang="en-US" dirty="0"/>
-              <a:t>Physical wires can be used to trace the flow of a program</a:t>
-            </a:r>
-          </a:p>
-          <a:p>
-            <a:pPr lvl="1"/>
-            <a:r>
-              <a:rPr lang="en-US" dirty="0"/>
-              <a:t>Colors of beads accommodate those who have some vision</a:t>
-            </a:r>
-          </a:p>
-          <a:p>
-            <a:pPr lvl="1"/>
-            <a:r>
-              <a:rPr lang="en-US" dirty="0"/>
-              <a:t>Output is sound, to avoid reliance on vision</a:t>
-            </a:r>
-          </a:p>
-          <a:p>
-            <a:r>
-              <a:rPr lang="en-US" b="1" dirty="0"/>
-              <a:t>How do PL design and design of the evaluation change?</a:t>
-            </a:r>
+            <a:endParaRPr lang="en-US" dirty="0"/>
           </a:p>
         </p:txBody>
       </p:sp>
     </p:spTree>
     <p:extLst>
       <p:ext uri="{BB962C8B-B14F-4D97-AF65-F5344CB8AC3E}">
-        <p14:creationId xmlns:p14="http://schemas.microsoft.com/office/powerpoint/2010/main" val="1203304319"/>
+        <p14:creationId xmlns:p14="http://schemas.microsoft.com/office/powerpoint/2010/main" val="3372754274"/>
       </p:ext>
     </p:extLst>
   </p:cSld>
@@ -10764,7 +10952,7 @@
           <p:cNvPr id="2" name="Title 1">
             <a:extLst>
               <a:ext uri="{FF2B5EF4-FFF2-40B4-BE49-F238E27FC236}">
-                <a16:creationId xmlns:a16="http://schemas.microsoft.com/office/drawing/2014/main" id="{ED7C0D3E-A433-31A9-0B63-BA382BC5DA2B}"/>
+                <a16:creationId xmlns:a16="http://schemas.microsoft.com/office/drawing/2014/main" id="{3D6A962B-E7C1-3877-787D-4D1987BBB485}"/>
               </a:ext>
             </a:extLst>
           </p:cNvPr>
@@ -10782,7 +10970,7 @@
           <a:p>
             <a:r>
               <a:rPr lang="en-US" dirty="0"/>
-              <a:t>Depth 1: Syntax</a:t>
+              <a:t>Depth 2: Disability Continuum</a:t>
             </a:r>
           </a:p>
         </p:txBody>
@@ -10792,7 +10980,7 @@
           <p:cNvPr id="3" name="Content Placeholder 2">
             <a:extLst>
               <a:ext uri="{FF2B5EF4-FFF2-40B4-BE49-F238E27FC236}">
-                <a16:creationId xmlns:a16="http://schemas.microsoft.com/office/drawing/2014/main" id="{1E08799C-49B3-D864-7A8B-C96274B45E13}"/>
+                <a16:creationId xmlns:a16="http://schemas.microsoft.com/office/drawing/2014/main" id="{39492B49-F06B-616A-DD9F-C6CE96DA704E}"/>
               </a:ext>
             </a:extLst>
           </p:cNvPr>
@@ -10806,104 +10994,74 @@
         <p:spPr/>
         <p:txBody>
           <a:bodyPr>
-            <a:normAutofit fontScale="92500" lnSpcReduction="20000"/>
+            <a:normAutofit fontScale="92500" lnSpcReduction="10000"/>
           </a:bodyPr>
           <a:lstStyle/>
           <a:p>
             <a:r>
               <a:rPr lang="en-US" dirty="0"/>
-              <a:t>Traditional PL courses have struggle to provide students a clear intellectual foundation for questions of syntax design</a:t>
+              <a:t>In this case study, we do not draw directly on any methodology from the humanities, rather we draw on a key concept from (critical) disability studies, for goal-setting</a:t>
+            </a:r>
+          </a:p>
+          <a:p>
+            <a:r>
+              <a:rPr lang="en-US" dirty="0"/>
+              <a:t>The </a:t>
+            </a:r>
+            <a:r>
+              <a:rPr lang="en-US" b="1" dirty="0"/>
+              <a:t>disability continuum</a:t>
+            </a:r>
+            <a:r>
+              <a:rPr lang="en-US" dirty="0"/>
+              <a:t> is a key concept in the nature of disability itself</a:t>
             </a:r>
           </a:p>
           <a:p>
             <a:pPr lvl="1"/>
             <a:r>
               <a:rPr lang="en-US" dirty="0"/>
-              <a:t>The “Theory” approach -&gt; “Syntax doesn’t matter”</a:t>
+              <a:t>Continuum means that disability status is not a binary “abled” vs. “disabled”</a:t>
             </a:r>
           </a:p>
           <a:p>
             <a:pPr lvl="1"/>
             <a:r>
               <a:rPr lang="en-US" dirty="0"/>
-              <a:t>The “Racket” approach -&gt; (Make (it all) parentheses) </a:t>
-            </a:r>
-          </a:p>
-          <a:p>
-            <a:r>
-              <a:rPr lang="en-US" dirty="0"/>
-              <a:t>Try the “</a:t>
-            </a:r>
-            <a:r>
-              <a:rPr lang="en-US" dirty="0" err="1"/>
-              <a:t>Randomo</a:t>
-            </a:r>
-            <a:r>
-              <a:rPr lang="en-US" dirty="0"/>
-              <a:t>” approach? -&gt; Randomized controlled trials (too narrow)</a:t>
-            </a:r>
-          </a:p>
-          <a:p>
-            <a:r>
-              <a:rPr lang="en-US" dirty="0"/>
-              <a:t>Torino suggests a foundational two-prong approach:</a:t>
+              <a:t>Continuum means that disability is multi-dimensional (e.g., developmental, visual, motor, …)</a:t>
             </a:r>
           </a:p>
           <a:p>
             <a:pPr lvl="1"/>
             <a:r>
               <a:rPr lang="en-US" dirty="0"/>
-              <a:t>Use </a:t>
+              <a:t>Continuum means that disability is </a:t>
             </a:r>
             <a:r>
               <a:rPr lang="en-US" b="1" dirty="0"/>
-              <a:t>critical theory</a:t>
-            </a:r>
-            <a:r>
-              <a:rPr lang="en-US" dirty="0"/>
-              <a:t> from the humanities to identify </a:t>
+              <a:t>dynamic</a:t>
+            </a:r>
+            <a:r>
+              <a:rPr lang="en-US" dirty="0"/>
+              <a:t>: not only can a person’s status change throughout the years, but presentation can change throughout the day and between environments</a:t>
+            </a:r>
+          </a:p>
+          <a:p>
+            <a:r>
+              <a:rPr lang="en-US" dirty="0"/>
+              <a:t>Because this concept has </a:t>
             </a:r>
             <a:r>
               <a:rPr lang="en-US" b="1" dirty="0"/>
-              <a:t>design values</a:t>
-            </a:r>
-            <a:endParaRPr lang="en-US" dirty="0"/>
+              <a:t>direct design implications</a:t>
+            </a:r>
+            <a:r>
+              <a:rPr lang="en-US" dirty="0"/>
+              <a:t>, it is an effective tool for getting CS-minded students to engage with disability studies. </a:t>
+            </a:r>
           </a:p>
           <a:p>
             <a:pPr lvl="1"/>
-            <a:r>
-              <a:rPr lang="en-US" dirty="0"/>
-              <a:t>Use </a:t>
-            </a:r>
-            <a:r>
-              <a:rPr lang="en-US" b="1" dirty="0"/>
-              <a:t>qualitative methods</a:t>
-            </a:r>
-            <a:r>
-              <a:rPr lang="en-US" dirty="0"/>
-              <a:t> from human-computer interaction to assess, iterate</a:t>
-            </a:r>
-          </a:p>
-          <a:p>
-            <a:r>
-              <a:rPr lang="en-US" b="1" dirty="0"/>
-              <a:t>Importance:</a:t>
-            </a:r>
-            <a:r>
-              <a:rPr lang="en-US" dirty="0"/>
-              <a:t> Syntax is one of the </a:t>
-            </a:r>
-            <a:r>
-              <a:rPr lang="en-US" b="1" i="1" u="sng" dirty="0"/>
-              <a:t>most common </a:t>
-            </a:r>
-            <a:r>
-              <a:rPr lang="en-US" dirty="0"/>
-              <a:t>stated interests among students</a:t>
-            </a:r>
-            <a:endParaRPr lang="en-US" b="1" dirty="0"/>
-          </a:p>
-          <a:p>
             <a:endParaRPr lang="en-US" dirty="0"/>
           </a:p>
         </p:txBody>
@@ -10911,7 +11069,7 @@
     </p:spTree>
     <p:extLst>
       <p:ext uri="{BB962C8B-B14F-4D97-AF65-F5344CB8AC3E}">
-        <p14:creationId xmlns:p14="http://schemas.microsoft.com/office/powerpoint/2010/main" val="3372754274"/>
+        <p14:creationId xmlns:p14="http://schemas.microsoft.com/office/powerpoint/2010/main" val="570043637"/>
       </p:ext>
     </p:extLst>
   </p:cSld>

--- a/hcpl/tfpie24.pptx
+++ b/hcpl/tfpie24.pptx
@@ -290,7 +290,7 @@
           <a:p>
             <a:fld id="{6816B6F3-D676-47EC-87B6-388C82CBC7F7}" type="datetimeFigureOut">
               <a:rPr lang="en-US" smtClean="0"/>
-              <a:t>1/4/2024</a:t>
+              <a:t>1/5/2024</a:t>
             </a:fld>
             <a:endParaRPr lang="en-US"/>
           </a:p>
@@ -501,7 +501,7 @@
           <a:p>
             <a:fld id="{6816B6F3-D676-47EC-87B6-388C82CBC7F7}" type="datetimeFigureOut">
               <a:rPr lang="en-US" smtClean="0"/>
-              <a:t>1/4/2024</a:t>
+              <a:t>1/5/2024</a:t>
             </a:fld>
             <a:endParaRPr lang="en-US"/>
           </a:p>
@@ -716,7 +716,7 @@
           <a:p>
             <a:fld id="{6816B6F3-D676-47EC-87B6-388C82CBC7F7}" type="datetimeFigureOut">
               <a:rPr lang="en-US" smtClean="0"/>
-              <a:t>1/4/2024</a:t>
+              <a:t>1/5/2024</a:t>
             </a:fld>
             <a:endParaRPr lang="en-US"/>
           </a:p>
@@ -917,7 +917,7 @@
           <a:p>
             <a:fld id="{6816B6F3-D676-47EC-87B6-388C82CBC7F7}" type="datetimeFigureOut">
               <a:rPr lang="en-US" smtClean="0"/>
-              <a:t>1/4/2024</a:t>
+              <a:t>1/5/2024</a:t>
             </a:fld>
             <a:endParaRPr lang="en-US"/>
           </a:p>
@@ -1196,7 +1196,7 @@
           <a:p>
             <a:fld id="{6816B6F3-D676-47EC-87B6-388C82CBC7F7}" type="datetimeFigureOut">
               <a:rPr lang="en-US" smtClean="0"/>
-              <a:t>1/4/2024</a:t>
+              <a:t>1/5/2024</a:t>
             </a:fld>
             <a:endParaRPr lang="en-US"/>
           </a:p>
@@ -1464,7 +1464,7 @@
           <a:p>
             <a:fld id="{6816B6F3-D676-47EC-87B6-388C82CBC7F7}" type="datetimeFigureOut">
               <a:rPr lang="en-US" smtClean="0"/>
-              <a:t>1/4/2024</a:t>
+              <a:t>1/5/2024</a:t>
             </a:fld>
             <a:endParaRPr lang="en-US"/>
           </a:p>
@@ -1880,7 +1880,7 @@
           <a:p>
             <a:fld id="{6816B6F3-D676-47EC-87B6-388C82CBC7F7}" type="datetimeFigureOut">
               <a:rPr lang="en-US" smtClean="0"/>
-              <a:t>1/4/2024</a:t>
+              <a:t>1/5/2024</a:t>
             </a:fld>
             <a:endParaRPr lang="en-US"/>
           </a:p>
@@ -2029,7 +2029,7 @@
           <a:p>
             <a:fld id="{6816B6F3-D676-47EC-87B6-388C82CBC7F7}" type="datetimeFigureOut">
               <a:rPr lang="en-US" smtClean="0"/>
-              <a:t>1/4/2024</a:t>
+              <a:t>1/5/2024</a:t>
             </a:fld>
             <a:endParaRPr lang="en-US"/>
           </a:p>
@@ -2155,7 +2155,7 @@
           <a:p>
             <a:fld id="{6816B6F3-D676-47EC-87B6-388C82CBC7F7}" type="datetimeFigureOut">
               <a:rPr lang="en-US" smtClean="0"/>
-              <a:t>1/4/2024</a:t>
+              <a:t>1/5/2024</a:t>
             </a:fld>
             <a:endParaRPr lang="en-US"/>
           </a:p>
@@ -2406,7 +2406,7 @@
           <a:p>
             <a:fld id="{6816B6F3-D676-47EC-87B6-388C82CBC7F7}" type="datetimeFigureOut">
               <a:rPr lang="en-US" smtClean="0"/>
-              <a:t>1/4/2024</a:t>
+              <a:t>1/5/2024</a:t>
             </a:fld>
             <a:endParaRPr lang="en-US"/>
           </a:p>
@@ -2851,7 +2851,7 @@
           <a:p>
             <a:fld id="{6816B6F3-D676-47EC-87B6-388C82CBC7F7}" type="datetimeFigureOut">
               <a:rPr lang="en-US" smtClean="0"/>
-              <a:t>1/4/2024</a:t>
+              <a:t>1/5/2024</a:t>
             </a:fld>
             <a:endParaRPr lang="en-US"/>
           </a:p>
@@ -3178,7 +3178,7 @@
           <a:p>
             <a:fld id="{6816B6F3-D676-47EC-87B6-388C82CBC7F7}" type="datetimeFigureOut">
               <a:rPr lang="en-US" smtClean="0"/>
-              <a:t>1/4/2024</a:t>
+              <a:t>1/5/2024</a:t>
             </a:fld>
             <a:endParaRPr lang="en-US"/>
           </a:p>
@@ -4088,19 +4088,6 @@
           <a:p>
             <a:r>
               <a:rPr lang="en-US" dirty="0"/>
-              <a:t>Anti-goal: Provide immediate design recommendations</a:t>
-            </a:r>
-          </a:p>
-          <a:p>
-            <a:pPr lvl="1"/>
-            <a:r>
-              <a:rPr lang="en-US" dirty="0"/>
-              <a:t>If we restrict ourselves only to immediately actionable studies, we deprive ourselves of the opportunity to build a robust theory</a:t>
-            </a:r>
-          </a:p>
-          <a:p>
-            <a:r>
-              <a:rPr lang="en-US" dirty="0"/>
               <a:t>Goal: Directly demonstrate the usefulness of a methodology from the humanities (close reading) to a PL designer</a:t>
             </a:r>
           </a:p>
@@ -4111,7 +4098,7 @@
             </a:r>
             <a:r>
               <a:rPr lang="en-US" dirty="0"/>
-              <a:t>Preserve significant events from PL history. Though not the original goal, this became pressing when primary sources became inaccessible during paper revisions!</a:t>
+              <a:t>Preserve significant events from PL history!</a:t>
             </a:r>
           </a:p>
         </p:txBody>
@@ -4960,28 +4947,7 @@
           <a:p>
             <a:r>
               <a:rPr lang="en-US" dirty="0"/>
-              <a:t>Retaining strong CS foundations is essential to legitimizing interdisciplinary methods</a:t>
-            </a:r>
-          </a:p>
-          <a:p>
-            <a:pPr lvl="1"/>
-            <a:r>
-              <a:rPr lang="en-US" dirty="0"/>
-              <a:t>Engage CS students by connecting theory with application</a:t>
-            </a:r>
-          </a:p>
-          <a:p>
-            <a:pPr lvl="1"/>
-            <a:r>
-              <a:rPr lang="en-US" dirty="0"/>
-              <a:t>Protect instructors from reactionary backlash</a:t>
-            </a:r>
-          </a:p>
-          <a:p>
-            <a:pPr lvl="1"/>
-            <a:r>
-              <a:rPr lang="en-US" dirty="0"/>
-              <a:t>Accommodate realities of curriculum constraints</a:t>
+              <a:t>Retaining strong CS foundations helps legitimize interdisciplinary methods</a:t>
             </a:r>
           </a:p>
           <a:p>
@@ -5157,7 +5123,7 @@
         </p:spPr>
         <p:txBody>
           <a:bodyPr>
-            <a:normAutofit lnSpcReduction="10000"/>
+            <a:normAutofit/>
           </a:bodyPr>
           <a:lstStyle/>
           <a:p>
@@ -5169,7 +5135,14 @@
           <a:p>
             <a:r>
               <a:rPr lang="en-US" dirty="0"/>
-              <a:t>Is Twine a programming language? We dodge this question. Though Twine does not describe itself as a programming language, it teaches us something about PL design, thus it falls within our scope regardless</a:t>
+              <a:t>Is Twine a programming language? </a:t>
+            </a:r>
+            <a:br>
+              <a:rPr lang="en-US" dirty="0"/>
+            </a:br>
+            <a:r>
+              <a:rPr lang="en-US" dirty="0"/>
+              <a:t>It falls within our scope regardless</a:t>
             </a:r>
           </a:p>
           <a:p>
@@ -5674,7 +5647,7 @@
         <p:spPr/>
         <p:txBody>
           <a:bodyPr>
-            <a:normAutofit fontScale="85000" lnSpcReduction="10000"/>
+            <a:normAutofit/>
           </a:bodyPr>
           <a:lstStyle/>
           <a:p>
@@ -5702,17 +5675,6 @@
               <a:rPr lang="en-US" dirty="0"/>
               <a:t> is a regular language.</a:t>
             </a:r>
-            <a:br>
-              <a:rPr lang="en-US" dirty="0"/>
-            </a:br>
-            <a:r>
-              <a:rPr lang="en-US" i="1" dirty="0"/>
-              <a:t>Proof:</a:t>
-            </a:r>
-            <a:r>
-              <a:rPr lang="en-US" dirty="0"/>
-              <a:t> By definition of regularity and translation of Twine &lt;-&gt; DFA correspondence.</a:t>
-            </a:r>
             <a:endParaRPr lang="en-US" i="1" dirty="0"/>
           </a:p>
           <a:p>
@@ -5743,12 +5705,20 @@
           </a:p>
           <a:p>
             <a:r>
+              <a:rPr lang="en-US" b="1" dirty="0"/>
+              <a:t>Theorem </a:t>
+            </a:r>
+            <a:r>
+              <a:rPr lang="en-US" dirty="0"/>
+              <a:t>[Unbounding Longest Winning Play] Let </a:t>
+            </a:r>
+            <a:r>
               <a:rPr lang="en-US" i="1" dirty="0"/>
-              <a:t>Proof: </a:t>
-            </a:r>
-            <a:r>
-              <a:rPr lang="en-US" dirty="0"/>
-              <a:t>Given a play longer than </a:t>
+              <a:t>m</a:t>
+            </a:r>
+            <a:r>
+              <a:rPr lang="en-US" dirty="0"/>
+              <a:t> be a (winnable) Twine game containing </a:t>
             </a:r>
             <a:r>
               <a:rPr lang="en-US" i="1" dirty="0"/>
@@ -5756,25 +5726,7 @@
             </a:r>
             <a:r>
               <a:rPr lang="en-US" dirty="0"/>
-              <a:t>, a cycle exists by the pumping lemma. That cycle can be removed without affecting result.</a:t>
-            </a:r>
-          </a:p>
-          <a:p>
-            <a:r>
-              <a:rPr lang="en-US" b="1" dirty="0"/>
-              <a:t>Theorem </a:t>
-            </a:r>
-            <a:r>
-              <a:rPr lang="en-US" dirty="0"/>
-              <a:t>[Unbounding Longest Winning Play] Let </a:t>
-            </a:r>
-            <a:r>
-              <a:rPr lang="en-US" i="1" dirty="0"/>
-              <a:t>m</a:t>
-            </a:r>
-            <a:r>
-              <a:rPr lang="en-US" dirty="0"/>
-              <a:t> be a (winnable) Twine game containing </a:t>
+              <a:t> prompts. If any winning play contains a cycle (e.g. if it is length </a:t>
             </a:r>
             <a:r>
               <a:rPr lang="en-US" i="1" dirty="0"/>
@@ -5782,27 +5734,8 @@
             </a:r>
             <a:r>
               <a:rPr lang="en-US" dirty="0"/>
-              <a:t> prompts. If any winning play contains a cycle (e.g. if it is length </a:t>
-            </a:r>
-            <a:r>
-              <a:rPr lang="en-US" i="1" dirty="0"/>
-              <a:t>k</a:t>
-            </a:r>
-            <a:r>
-              <a:rPr lang="en-US" dirty="0"/>
               <a:t>), then there exist arbitrarily long winning plays.</a:t>
             </a:r>
-          </a:p>
-          <a:p>
-            <a:r>
-              <a:rPr lang="en-US" i="1" dirty="0"/>
-              <a:t>Proof: </a:t>
-            </a:r>
-            <a:r>
-              <a:rPr lang="en-US" dirty="0"/>
-              <a:t>By the pumping lemma, the cycle can be repeated</a:t>
-            </a:r>
-            <a:endParaRPr lang="en-US" i="1" dirty="0"/>
           </a:p>
         </p:txBody>
       </p:sp>
@@ -10021,10 +9954,7 @@
               <a:rPr lang="en-US" dirty="0" err="1"/>
               <a:t>hcpl</a:t>
             </a:r>
-            <a:r>
-              <a:rPr lang="en-US" dirty="0"/>
-              <a:t>. Currently self-published</a:t>
-            </a:r>
+            <a:endParaRPr lang="en-US" dirty="0"/>
           </a:p>
           <a:p>
             <a:r>
@@ -10044,43 +9974,11 @@
           <a:p>
             <a:r>
               <a:rPr lang="en-US" b="1" dirty="0"/>
-              <a:t>Papers:</a:t>
-            </a:r>
-            <a:r>
-              <a:rPr lang="en-US" dirty="0"/>
-              <a:t> In addition to this paper, SPLASHE’23 documents the textbook design</a:t>
-            </a:r>
-          </a:p>
-          <a:p>
-            <a:r>
-              <a:rPr lang="en-US" b="1" dirty="0"/>
-              <a:t>Classroom-tested:</a:t>
-            </a:r>
-            <a:r>
-              <a:rPr lang="en-US" dirty="0"/>
-              <a:t> </a:t>
-            </a:r>
-          </a:p>
-          <a:p>
-            <a:pPr lvl="1"/>
-            <a:r>
-              <a:rPr lang="en-US" b="1" dirty="0"/>
-              <a:t>Graduate class:</a:t>
-            </a:r>
-            <a:r>
-              <a:rPr lang="en-US" dirty="0"/>
-              <a:t> Spring ’23, ~18 students (prelim.), Fall’23, ~28 students (full) </a:t>
-            </a:r>
-          </a:p>
-          <a:p>
-            <a:pPr lvl="1"/>
-            <a:r>
-              <a:rPr lang="en-US" b="1" dirty="0"/>
-              <a:t>Undergraduate class: </a:t>
-            </a:r>
-            <a:r>
-              <a:rPr lang="en-US" dirty="0"/>
-              <a:t>Fall’23, 55 students (full)</a:t>
+              <a:t>Classroom-tested 3x:  </a:t>
+            </a:r>
+            <a:r>
+              <a:rPr lang="en-US" dirty="0"/>
+              <a:t>Grad + Undergrad, ~100 students total</a:t>
             </a:r>
           </a:p>
         </p:txBody>
@@ -10347,33 +10245,15 @@
             </a:br>
             <a:r>
               <a:rPr lang="en-US" dirty="0"/>
-              <a:t>The paper has more case studies, the book has even more than that</a:t>
-            </a:r>
-          </a:p>
-          <a:p>
-            <a:pPr marL="0" indent="0">
-              <a:buNone/>
-            </a:pPr>
-            <a:r>
-              <a:rPr lang="en-US" dirty="0"/>
-              <a:t>For each case study I will present its </a:t>
+              <a:t>For each case study, identify a </a:t>
             </a:r>
             <a:r>
               <a:rPr lang="en-US" b="1" dirty="0"/>
-              <a:t>depth:</a:t>
-            </a:r>
-            <a:r>
-              <a:rPr lang="en-US" dirty="0"/>
-              <a:t> what foundational idea it teaches, how that idea fits into the course, and what beyond the case study is done in the lesson</a:t>
-            </a:r>
-          </a:p>
-          <a:p>
-            <a:pPr marL="0" indent="0">
-              <a:buNone/>
-            </a:pPr>
-            <a:r>
-              <a:rPr lang="en-US" dirty="0"/>
-              <a:t>Breadth of subject matter makes interdisciplinary teaching hard. We’ll close the presentation with recommendations</a:t>
+              <a:t>depth</a:t>
+            </a:r>
+            <a:r>
+              <a:rPr lang="en-US" dirty="0"/>
+              <a:t> topic and show how the case study teaches that topic</a:t>
             </a:r>
           </a:p>
         </p:txBody>
@@ -10815,41 +10695,13 @@
         <p:spPr/>
         <p:txBody>
           <a:bodyPr>
-            <a:normAutofit fontScale="92500" lnSpcReduction="20000"/>
+            <a:normAutofit/>
           </a:bodyPr>
           <a:lstStyle/>
           <a:p>
             <a:r>
               <a:rPr lang="en-US" dirty="0"/>
-              <a:t>Traditional PL courses have struggle to provide students a clear intellectual foundation for questions of syntax design</a:t>
-            </a:r>
-          </a:p>
-          <a:p>
-            <a:pPr lvl="1"/>
-            <a:r>
-              <a:rPr lang="en-US" dirty="0"/>
-              <a:t>The “Theory” approach -&gt; “Syntax doesn’t matter”</a:t>
-            </a:r>
-          </a:p>
-          <a:p>
-            <a:pPr lvl="1"/>
-            <a:r>
-              <a:rPr lang="en-US" dirty="0"/>
-              <a:t>The “Racket” approach -&gt; (Make (it all) parentheses) </a:t>
-            </a:r>
-          </a:p>
-          <a:p>
-            <a:r>
-              <a:rPr lang="en-US" dirty="0"/>
-              <a:t>Try the “</a:t>
-            </a:r>
-            <a:r>
-              <a:rPr lang="en-US" dirty="0" err="1"/>
-              <a:t>Randomo</a:t>
-            </a:r>
-            <a:r>
-              <a:rPr lang="en-US" dirty="0"/>
-              <a:t>” approach? -&gt; Randomized controlled trials (too narrow)</a:t>
+              <a:t>Traditional PL courses have struggle to provide students a clear intellectual foundation for questions of syntax design: “Syntax doesn’t matter”? </a:t>
             </a:r>
           </a:p>
           <a:p>

--- a/hcpl/tfpie24.pptx
+++ b/hcpl/tfpie24.pptx
@@ -10540,15 +10540,15 @@
             </a:r>
             <a:r>
               <a:rPr lang="en-US" dirty="0"/>
-              <a:t>Challenging for all young </a:t>
-            </a:r>
-            <a:r>
-              <a:rPr lang="en-US" dirty="0" err="1"/>
-              <a:t>chlidren</a:t>
-            </a:r>
-            <a:r>
-              <a:rPr lang="en-US" dirty="0"/>
-              <a:t> (limited literacy)</a:t>
+              <a:t>Challenging for all </a:t>
+            </a:r>
+            <a:r>
+              <a:rPr lang="en-US"/>
+              <a:t>young children </a:t>
+            </a:r>
+            <a:r>
+              <a:rPr lang="en-US" dirty="0"/>
+              <a:t>(limited literacy)</a:t>
             </a:r>
           </a:p>
           <a:p>
